--- a/Παρουσίαση Group9-Csearch.pptx
+++ b/Παρουσίαση Group9-Csearch.pptx
@@ -5,21 +5,22 @@
     <p:sldMasterId id="2147483653" r:id="rId1"/>
   </p:sldMasterIdLst>
   <p:notesMasterIdLst>
-    <p:notesMasterId r:id="rId14"/>
+    <p:notesMasterId r:id="rId15"/>
   </p:notesMasterIdLst>
   <p:sldIdLst>
     <p:sldId id="256" r:id="rId2"/>
     <p:sldId id="274" r:id="rId3"/>
     <p:sldId id="277" r:id="rId4"/>
     <p:sldId id="278" r:id="rId5"/>
-    <p:sldId id="279" r:id="rId6"/>
-    <p:sldId id="282" r:id="rId7"/>
-    <p:sldId id="280" r:id="rId8"/>
-    <p:sldId id="281" r:id="rId9"/>
-    <p:sldId id="268" r:id="rId10"/>
-    <p:sldId id="283" r:id="rId11"/>
-    <p:sldId id="276" r:id="rId12"/>
-    <p:sldId id="275" r:id="rId13"/>
+    <p:sldId id="284" r:id="rId6"/>
+    <p:sldId id="279" r:id="rId7"/>
+    <p:sldId id="282" r:id="rId8"/>
+    <p:sldId id="280" r:id="rId9"/>
+    <p:sldId id="281" r:id="rId10"/>
+    <p:sldId id="268" r:id="rId11"/>
+    <p:sldId id="283" r:id="rId12"/>
+    <p:sldId id="276" r:id="rId13"/>
+    <p:sldId id="275" r:id="rId14"/>
   </p:sldIdLst>
   <p:sldSz cx="10080625" cy="7559675"/>
   <p:notesSz cx="7772400" cy="10058400"/>
@@ -2161,7 +2162,7 @@
           <a:bodyPr/>
           <a:lstStyle/>
           <a:p>
-            <a:fld id="{FDCDCA58-4BAA-448C-86B7-0572397B8780}" type="slidenum">
+            <a:fld id="{F5504162-6C9F-46EE-AE60-B774C4096824}" type="slidenum">
               <a:rPr lang="en-US"/>
               <a:pPr/>
               <a:t>11</a:t>
@@ -2172,7 +2173,7 @@
       </p:sp>
       <p:sp>
         <p:nvSpPr>
-          <p:cNvPr id="25601" name="Text Box 1"/>
+          <p:cNvPr id="23553" name="Text Box 1"/>
           <p:cNvSpPr txBox="1">
             <a:spLocks noChangeArrowheads="1"/>
           </p:cNvSpPr>
@@ -2238,7 +2239,7 @@
                 <a:tab pos="10780713" algn="l"/>
               </a:tabLst>
             </a:pPr>
-            <a:fld id="{72B26F9C-53B1-4226-B843-F4AA5A044747}" type="slidenum">
+            <a:fld id="{36E7F687-557F-4A0D-BC5B-23F1D093F47F}" type="slidenum">
               <a:rPr lang="en-US" sz="1400" b="1">
                 <a:solidFill>
                   <a:srgbClr val="FFFFFF"/>
@@ -2299,7 +2300,7 @@
       </p:sp>
       <p:sp>
         <p:nvSpPr>
-          <p:cNvPr id="25602" name="Text Box 2"/>
+          <p:cNvPr id="23554" name="Text Box 2"/>
           <p:cNvSpPr txBox="1">
             <a:spLocks noChangeArrowheads="1"/>
           </p:cNvSpPr>
@@ -2365,7 +2366,7 @@
                 <a:tab pos="10780713" algn="l"/>
               </a:tabLst>
             </a:pPr>
-            <a:fld id="{44971B60-E628-45F1-B736-D230933D4513}" type="slidenum">
+            <a:fld id="{87936834-7B4E-4CA6-82EF-23DAEE094402}" type="slidenum">
               <a:rPr lang="en-US" sz="1400" b="1">
                 <a:solidFill>
                   <a:srgbClr val="FFFFFF"/>
@@ -2426,7 +2427,7 @@
       </p:sp>
       <p:sp>
         <p:nvSpPr>
-          <p:cNvPr id="25603" name="Text Box 3"/>
+          <p:cNvPr id="23555" name="Text Box 3"/>
           <p:cNvSpPr txBox="1">
             <a:spLocks noChangeArrowheads="1"/>
           </p:cNvSpPr>
@@ -2492,7 +2493,7 @@
                 <a:tab pos="10780713" algn="l"/>
               </a:tabLst>
             </a:pPr>
-            <a:fld id="{DE32765D-60E7-4027-BA69-B830F8D48E96}" type="slidenum">
+            <a:fld id="{64934F72-CB40-4216-9949-F120EE33C90D}" type="slidenum">
               <a:rPr lang="en-US" sz="1400" b="1">
                 <a:solidFill>
                   <a:srgbClr val="FFFFFF"/>
@@ -2555,6 +2556,641 @@
       </p:sp>
       <p:sp>
         <p:nvSpPr>
+          <p:cNvPr id="23556" name="Text Box 4"/>
+          <p:cNvSpPr txBox="1">
+            <a:spLocks noChangeArrowheads="1"/>
+          </p:cNvSpPr>
+          <p:nvPr/>
+        </p:nvSpPr>
+        <p:spPr bwMode="auto">
+          <a:xfrm>
+            <a:off x="4398963" y="9555163"/>
+            <a:ext cx="3371850" cy="501650"/>
+          </a:xfrm>
+          <a:prstGeom prst="rect">
+            <a:avLst/>
+          </a:prstGeom>
+          <a:noFill/>
+          <a:ln w="9525" cap="flat">
+            <a:noFill/>
+            <a:round/>
+            <a:headEnd/>
+            <a:tailEnd/>
+          </a:ln>
+          <a:effectLst/>
+        </p:spPr>
+        <p:txBody>
+          <a:bodyPr lIns="0" tIns="0" rIns="0" bIns="0" anchor="b"/>
+          <a:lstStyle/>
+          <a:p>
+            <a:pPr algn="r">
+              <a:lnSpc>
+                <a:spcPct val="104000"/>
+              </a:lnSpc>
+              <a:buClrTx/>
+              <a:buFontTx/>
+              <a:buNone/>
+              <a:tabLst>
+                <a:tab pos="0" algn="l"/>
+                <a:tab pos="457200" algn="l"/>
+                <a:tab pos="914400" algn="l"/>
+                <a:tab pos="1371600" algn="l"/>
+                <a:tab pos="1828800" algn="l"/>
+                <a:tab pos="2286000" algn="l"/>
+                <a:tab pos="2743200" algn="l"/>
+                <a:tab pos="3200400" algn="l"/>
+                <a:tab pos="3657600" algn="l"/>
+                <a:tab pos="4114800" algn="l"/>
+                <a:tab pos="4572000" algn="l"/>
+                <a:tab pos="5029200" algn="l"/>
+                <a:tab pos="5486400" algn="l"/>
+                <a:tab pos="5943600" algn="l"/>
+                <a:tab pos="6400800" algn="l"/>
+                <a:tab pos="6858000" algn="l"/>
+                <a:tab pos="7315200" algn="l"/>
+                <a:tab pos="7772400" algn="l"/>
+                <a:tab pos="8229600" algn="l"/>
+                <a:tab pos="8686800" algn="l"/>
+                <a:tab pos="9144000" algn="l"/>
+                <a:tab pos="9601200" algn="l"/>
+                <a:tab pos="10058400" algn="l"/>
+                <a:tab pos="10515600" algn="l"/>
+                <a:tab pos="10774363" algn="l"/>
+                <a:tab pos="10775950" algn="l"/>
+                <a:tab pos="10777538" algn="l"/>
+                <a:tab pos="10779125" algn="l"/>
+                <a:tab pos="10780713" algn="l"/>
+              </a:tabLst>
+            </a:pPr>
+            <a:fld id="{DEDC7519-5326-4B51-86E6-D44010C39BBB}" type="slidenum">
+              <a:rPr lang="en-US" sz="1400" b="1">
+                <a:solidFill>
+                  <a:srgbClr val="FFFFFF"/>
+                </a:solidFill>
+                <a:latin typeface="Source Sans Pro Black" pitchFamily="32" charset="0"/>
+                <a:ea typeface="Noto Sans CJK SC" charset="0"/>
+                <a:cs typeface="Noto Sans CJK SC" charset="0"/>
+              </a:rPr>
+              <a:pPr algn="r">
+                <a:lnSpc>
+                  <a:spcPct val="104000"/>
+                </a:lnSpc>
+                <a:buClrTx/>
+                <a:buFontTx/>
+                <a:buNone/>
+                <a:tabLst>
+                  <a:tab pos="0" algn="l"/>
+                  <a:tab pos="457200" algn="l"/>
+                  <a:tab pos="914400" algn="l"/>
+                  <a:tab pos="1371600" algn="l"/>
+                  <a:tab pos="1828800" algn="l"/>
+                  <a:tab pos="2286000" algn="l"/>
+                  <a:tab pos="2743200" algn="l"/>
+                  <a:tab pos="3200400" algn="l"/>
+                  <a:tab pos="3657600" algn="l"/>
+                  <a:tab pos="4114800" algn="l"/>
+                  <a:tab pos="4572000" algn="l"/>
+                  <a:tab pos="5029200" algn="l"/>
+                  <a:tab pos="5486400" algn="l"/>
+                  <a:tab pos="5943600" algn="l"/>
+                  <a:tab pos="6400800" algn="l"/>
+                  <a:tab pos="6858000" algn="l"/>
+                  <a:tab pos="7315200" algn="l"/>
+                  <a:tab pos="7772400" algn="l"/>
+                  <a:tab pos="8229600" algn="l"/>
+                  <a:tab pos="8686800" algn="l"/>
+                  <a:tab pos="9144000" algn="l"/>
+                  <a:tab pos="9601200" algn="l"/>
+                  <a:tab pos="10058400" algn="l"/>
+                  <a:tab pos="10515600" algn="l"/>
+                  <a:tab pos="10774363" algn="l"/>
+                  <a:tab pos="10775950" algn="l"/>
+                  <a:tab pos="10777538" algn="l"/>
+                  <a:tab pos="10779125" algn="l"/>
+                  <a:tab pos="10780713" algn="l"/>
+                </a:tabLst>
+              </a:pPr>
+              <a:t>11</a:t>
+            </a:fld>
+            <a:endParaRPr lang="en-US" sz="1400" b="1">
+              <a:solidFill>
+                <a:srgbClr val="FFFFFF"/>
+              </a:solidFill>
+              <a:latin typeface="Source Sans Pro Black" pitchFamily="32" charset="0"/>
+              <a:ea typeface="Noto Sans CJK SC" charset="0"/>
+              <a:cs typeface="Noto Sans CJK SC" charset="0"/>
+            </a:endParaRPr>
+          </a:p>
+        </p:txBody>
+      </p:sp>
+      <p:sp>
+        <p:nvSpPr>
+          <p:cNvPr id="23557" name="Rectangle 5"/>
+          <p:cNvSpPr txBox="1">
+            <a:spLocks noGrp="1" noRot="1" noChangeAspect="1" noChangeArrowheads="1"/>
+          </p:cNvSpPr>
+          <p:nvPr>
+            <p:ph type="sldImg"/>
+          </p:nvPr>
+        </p:nvSpPr>
+        <p:spPr bwMode="auto">
+          <a:xfrm>
+            <a:off x="1371600" y="763588"/>
+            <a:ext cx="5029200" cy="3771900"/>
+          </a:xfrm>
+          <a:prstGeom prst="rect">
+            <a:avLst/>
+          </a:prstGeom>
+          <a:solidFill>
+            <a:srgbClr val="FFFFFF"/>
+          </a:solidFill>
+          <a:ln>
+            <a:solidFill>
+              <a:srgbClr val="000000"/>
+            </a:solidFill>
+            <a:miter lim="800000"/>
+            <a:headEnd/>
+            <a:tailEnd/>
+          </a:ln>
+        </p:spPr>
+      </p:sp>
+      <p:sp>
+        <p:nvSpPr>
+          <p:cNvPr id="23558" name="Rectangle 6"/>
+          <p:cNvSpPr txBox="1">
+            <a:spLocks noGrp="1" noChangeArrowheads="1"/>
+          </p:cNvSpPr>
+          <p:nvPr>
+            <p:ph type="body" idx="1"/>
+          </p:nvPr>
+        </p:nvSpPr>
+        <p:spPr bwMode="auto">
+          <a:xfrm>
+            <a:off x="777875" y="4776788"/>
+            <a:ext cx="6218238" cy="5195887"/>
+          </a:xfrm>
+          <a:prstGeom prst="rect">
+            <a:avLst/>
+          </a:prstGeom>
+          <a:noFill/>
+          <a:ln cap="flat">
+            <a:round/>
+            <a:headEnd/>
+            <a:tailEnd/>
+          </a:ln>
+        </p:spPr>
+        <p:txBody>
+          <a:bodyPr wrap="none" anchor="ctr"/>
+          <a:lstStyle/>
+          <a:p>
+            <a:endParaRPr lang="el-GR"/>
+          </a:p>
+        </p:txBody>
+      </p:sp>
+    </p:spTree>
+  </p:cSld>
+  <p:clrMapOvr>
+    <a:masterClrMapping/>
+  </p:clrMapOvr>
+</p:notes>
+</file>
+
+<file path=ppt/notesSlides/notesSlide12.xml><?xml version="1.0" encoding="utf-8"?>
+<p:notes xmlns:a="http://schemas.openxmlformats.org/drawingml/2006/main" xmlns:r="http://schemas.openxmlformats.org/officeDocument/2006/relationships" xmlns:p="http://schemas.openxmlformats.org/presentationml/2006/main">
+  <p:cSld>
+    <p:bg>
+      <p:bgPr>
+        <a:solidFill>
+          <a:srgbClr val="FFFFFF"/>
+        </a:solidFill>
+        <a:effectLst/>
+      </p:bgPr>
+    </p:bg>
+    <p:spTree>
+      <p:nvGrpSpPr>
+        <p:cNvPr id="1" name=""/>
+        <p:cNvGrpSpPr/>
+        <p:nvPr/>
+      </p:nvGrpSpPr>
+      <p:grpSpPr>
+        <a:xfrm>
+          <a:off x="0" y="0"/>
+          <a:ext cx="0" cy="0"/>
+          <a:chOff x="0" y="0"/>
+          <a:chExt cx="0" cy="0"/>
+        </a:xfrm>
+      </p:grpSpPr>
+      <p:sp>
+        <p:nvSpPr>
+          <p:cNvPr id="8" name="Rectangle 12"/>
+          <p:cNvSpPr>
+            <a:spLocks noGrp="1" noChangeArrowheads="1"/>
+          </p:cNvSpPr>
+          <p:nvPr>
+            <p:ph type="sldNum"/>
+          </p:nvPr>
+        </p:nvSpPr>
+        <p:spPr>
+          <a:ln/>
+        </p:spPr>
+        <p:txBody>
+          <a:bodyPr/>
+          <a:lstStyle/>
+          <a:p>
+            <a:fld id="{FDCDCA58-4BAA-448C-86B7-0572397B8780}" type="slidenum">
+              <a:rPr lang="en-US"/>
+              <a:pPr/>
+              <a:t>12</a:t>
+            </a:fld>
+            <a:endParaRPr lang="en-US"/>
+          </a:p>
+        </p:txBody>
+      </p:sp>
+      <p:sp>
+        <p:nvSpPr>
+          <p:cNvPr id="25601" name="Text Box 1"/>
+          <p:cNvSpPr txBox="1">
+            <a:spLocks noChangeArrowheads="1"/>
+          </p:cNvSpPr>
+          <p:nvPr/>
+        </p:nvSpPr>
+        <p:spPr bwMode="auto">
+          <a:xfrm>
+            <a:off x="4398963" y="9555163"/>
+            <a:ext cx="3363912" cy="493712"/>
+          </a:xfrm>
+          <a:prstGeom prst="rect">
+            <a:avLst/>
+          </a:prstGeom>
+          <a:noFill/>
+          <a:ln w="9525" cap="flat">
+            <a:noFill/>
+            <a:round/>
+            <a:headEnd/>
+            <a:tailEnd/>
+          </a:ln>
+          <a:effectLst/>
+        </p:spPr>
+        <p:txBody>
+          <a:bodyPr lIns="0" tIns="0" rIns="0" bIns="0" anchor="b"/>
+          <a:lstStyle/>
+          <a:p>
+            <a:pPr marL="215900" indent="-207963" algn="r">
+              <a:lnSpc>
+                <a:spcPct val="104000"/>
+              </a:lnSpc>
+              <a:buClrTx/>
+              <a:buFontTx/>
+              <a:buNone/>
+              <a:tabLst>
+                <a:tab pos="0" algn="l"/>
+                <a:tab pos="457200" algn="l"/>
+                <a:tab pos="914400" algn="l"/>
+                <a:tab pos="1371600" algn="l"/>
+                <a:tab pos="1828800" algn="l"/>
+                <a:tab pos="2286000" algn="l"/>
+                <a:tab pos="2743200" algn="l"/>
+                <a:tab pos="3200400" algn="l"/>
+                <a:tab pos="3657600" algn="l"/>
+                <a:tab pos="4114800" algn="l"/>
+                <a:tab pos="4572000" algn="l"/>
+                <a:tab pos="5029200" algn="l"/>
+                <a:tab pos="5486400" algn="l"/>
+                <a:tab pos="5943600" algn="l"/>
+                <a:tab pos="6400800" algn="l"/>
+                <a:tab pos="6858000" algn="l"/>
+                <a:tab pos="7315200" algn="l"/>
+                <a:tab pos="7772400" algn="l"/>
+                <a:tab pos="8229600" algn="l"/>
+                <a:tab pos="8686800" algn="l"/>
+                <a:tab pos="9144000" algn="l"/>
+                <a:tab pos="9601200" algn="l"/>
+                <a:tab pos="10058400" algn="l"/>
+                <a:tab pos="10515600" algn="l"/>
+                <a:tab pos="10774363" algn="l"/>
+                <a:tab pos="10775950" algn="l"/>
+                <a:tab pos="10777538" algn="l"/>
+                <a:tab pos="10779125" algn="l"/>
+                <a:tab pos="10780713" algn="l"/>
+              </a:tabLst>
+            </a:pPr>
+            <a:fld id="{72B26F9C-53B1-4226-B843-F4AA5A044747}" type="slidenum">
+              <a:rPr lang="en-US" sz="1400" b="1">
+                <a:solidFill>
+                  <a:srgbClr val="FFFFFF"/>
+                </a:solidFill>
+                <a:latin typeface="Source Sans Pro Black" pitchFamily="32" charset="0"/>
+                <a:cs typeface="DejaVu Sans" charset="0"/>
+              </a:rPr>
+              <a:pPr marL="215900" indent="-207963" algn="r">
+                <a:lnSpc>
+                  <a:spcPct val="104000"/>
+                </a:lnSpc>
+                <a:buClrTx/>
+                <a:buFontTx/>
+                <a:buNone/>
+                <a:tabLst>
+                  <a:tab pos="0" algn="l"/>
+                  <a:tab pos="457200" algn="l"/>
+                  <a:tab pos="914400" algn="l"/>
+                  <a:tab pos="1371600" algn="l"/>
+                  <a:tab pos="1828800" algn="l"/>
+                  <a:tab pos="2286000" algn="l"/>
+                  <a:tab pos="2743200" algn="l"/>
+                  <a:tab pos="3200400" algn="l"/>
+                  <a:tab pos="3657600" algn="l"/>
+                  <a:tab pos="4114800" algn="l"/>
+                  <a:tab pos="4572000" algn="l"/>
+                  <a:tab pos="5029200" algn="l"/>
+                  <a:tab pos="5486400" algn="l"/>
+                  <a:tab pos="5943600" algn="l"/>
+                  <a:tab pos="6400800" algn="l"/>
+                  <a:tab pos="6858000" algn="l"/>
+                  <a:tab pos="7315200" algn="l"/>
+                  <a:tab pos="7772400" algn="l"/>
+                  <a:tab pos="8229600" algn="l"/>
+                  <a:tab pos="8686800" algn="l"/>
+                  <a:tab pos="9144000" algn="l"/>
+                  <a:tab pos="9601200" algn="l"/>
+                  <a:tab pos="10058400" algn="l"/>
+                  <a:tab pos="10515600" algn="l"/>
+                  <a:tab pos="10774363" algn="l"/>
+                  <a:tab pos="10775950" algn="l"/>
+                  <a:tab pos="10777538" algn="l"/>
+                  <a:tab pos="10779125" algn="l"/>
+                  <a:tab pos="10780713" algn="l"/>
+                </a:tabLst>
+              </a:pPr>
+              <a:t>12</a:t>
+            </a:fld>
+            <a:endParaRPr lang="en-US" sz="1400" b="1">
+              <a:solidFill>
+                <a:srgbClr val="FFFFFF"/>
+              </a:solidFill>
+              <a:latin typeface="Source Sans Pro Black" pitchFamily="32" charset="0"/>
+              <a:cs typeface="DejaVu Sans" charset="0"/>
+            </a:endParaRPr>
+          </a:p>
+        </p:txBody>
+      </p:sp>
+      <p:sp>
+        <p:nvSpPr>
+          <p:cNvPr id="25602" name="Text Box 2"/>
+          <p:cNvSpPr txBox="1">
+            <a:spLocks noChangeArrowheads="1"/>
+          </p:cNvSpPr>
+          <p:nvPr/>
+        </p:nvSpPr>
+        <p:spPr bwMode="auto">
+          <a:xfrm>
+            <a:off x="4398963" y="9555163"/>
+            <a:ext cx="3367087" cy="496887"/>
+          </a:xfrm>
+          <a:prstGeom prst="rect">
+            <a:avLst/>
+          </a:prstGeom>
+          <a:noFill/>
+          <a:ln w="9525" cap="flat">
+            <a:noFill/>
+            <a:round/>
+            <a:headEnd/>
+            <a:tailEnd/>
+          </a:ln>
+          <a:effectLst/>
+        </p:spPr>
+        <p:txBody>
+          <a:bodyPr lIns="0" tIns="0" rIns="0" bIns="0" anchor="b"/>
+          <a:lstStyle/>
+          <a:p>
+            <a:pPr marL="215900" indent="-207963" algn="r">
+              <a:lnSpc>
+                <a:spcPct val="104000"/>
+              </a:lnSpc>
+              <a:buClrTx/>
+              <a:buFontTx/>
+              <a:buNone/>
+              <a:tabLst>
+                <a:tab pos="0" algn="l"/>
+                <a:tab pos="457200" algn="l"/>
+                <a:tab pos="914400" algn="l"/>
+                <a:tab pos="1371600" algn="l"/>
+                <a:tab pos="1828800" algn="l"/>
+                <a:tab pos="2286000" algn="l"/>
+                <a:tab pos="2743200" algn="l"/>
+                <a:tab pos="3200400" algn="l"/>
+                <a:tab pos="3657600" algn="l"/>
+                <a:tab pos="4114800" algn="l"/>
+                <a:tab pos="4572000" algn="l"/>
+                <a:tab pos="5029200" algn="l"/>
+                <a:tab pos="5486400" algn="l"/>
+                <a:tab pos="5943600" algn="l"/>
+                <a:tab pos="6400800" algn="l"/>
+                <a:tab pos="6858000" algn="l"/>
+                <a:tab pos="7315200" algn="l"/>
+                <a:tab pos="7772400" algn="l"/>
+                <a:tab pos="8229600" algn="l"/>
+                <a:tab pos="8686800" algn="l"/>
+                <a:tab pos="9144000" algn="l"/>
+                <a:tab pos="9601200" algn="l"/>
+                <a:tab pos="10058400" algn="l"/>
+                <a:tab pos="10515600" algn="l"/>
+                <a:tab pos="10774363" algn="l"/>
+                <a:tab pos="10775950" algn="l"/>
+                <a:tab pos="10777538" algn="l"/>
+                <a:tab pos="10779125" algn="l"/>
+                <a:tab pos="10780713" algn="l"/>
+              </a:tabLst>
+            </a:pPr>
+            <a:fld id="{44971B60-E628-45F1-B736-D230933D4513}" type="slidenum">
+              <a:rPr lang="en-US" sz="1400" b="1">
+                <a:solidFill>
+                  <a:srgbClr val="FFFFFF"/>
+                </a:solidFill>
+                <a:latin typeface="Source Sans Pro Black" pitchFamily="32" charset="0"/>
+                <a:cs typeface="DejaVu Sans" charset="0"/>
+              </a:rPr>
+              <a:pPr marL="215900" indent="-207963" algn="r">
+                <a:lnSpc>
+                  <a:spcPct val="104000"/>
+                </a:lnSpc>
+                <a:buClrTx/>
+                <a:buFontTx/>
+                <a:buNone/>
+                <a:tabLst>
+                  <a:tab pos="0" algn="l"/>
+                  <a:tab pos="457200" algn="l"/>
+                  <a:tab pos="914400" algn="l"/>
+                  <a:tab pos="1371600" algn="l"/>
+                  <a:tab pos="1828800" algn="l"/>
+                  <a:tab pos="2286000" algn="l"/>
+                  <a:tab pos="2743200" algn="l"/>
+                  <a:tab pos="3200400" algn="l"/>
+                  <a:tab pos="3657600" algn="l"/>
+                  <a:tab pos="4114800" algn="l"/>
+                  <a:tab pos="4572000" algn="l"/>
+                  <a:tab pos="5029200" algn="l"/>
+                  <a:tab pos="5486400" algn="l"/>
+                  <a:tab pos="5943600" algn="l"/>
+                  <a:tab pos="6400800" algn="l"/>
+                  <a:tab pos="6858000" algn="l"/>
+                  <a:tab pos="7315200" algn="l"/>
+                  <a:tab pos="7772400" algn="l"/>
+                  <a:tab pos="8229600" algn="l"/>
+                  <a:tab pos="8686800" algn="l"/>
+                  <a:tab pos="9144000" algn="l"/>
+                  <a:tab pos="9601200" algn="l"/>
+                  <a:tab pos="10058400" algn="l"/>
+                  <a:tab pos="10515600" algn="l"/>
+                  <a:tab pos="10774363" algn="l"/>
+                  <a:tab pos="10775950" algn="l"/>
+                  <a:tab pos="10777538" algn="l"/>
+                  <a:tab pos="10779125" algn="l"/>
+                  <a:tab pos="10780713" algn="l"/>
+                </a:tabLst>
+              </a:pPr>
+              <a:t>12</a:t>
+            </a:fld>
+            <a:endParaRPr lang="en-US" sz="1400" b="1">
+              <a:solidFill>
+                <a:srgbClr val="FFFFFF"/>
+              </a:solidFill>
+              <a:latin typeface="Source Sans Pro Black" pitchFamily="32" charset="0"/>
+              <a:cs typeface="DejaVu Sans" charset="0"/>
+            </a:endParaRPr>
+          </a:p>
+        </p:txBody>
+      </p:sp>
+      <p:sp>
+        <p:nvSpPr>
+          <p:cNvPr id="25603" name="Text Box 3"/>
+          <p:cNvSpPr txBox="1">
+            <a:spLocks noChangeArrowheads="1"/>
+          </p:cNvSpPr>
+          <p:nvPr/>
+        </p:nvSpPr>
+        <p:spPr bwMode="auto">
+          <a:xfrm>
+            <a:off x="4398963" y="9555163"/>
+            <a:ext cx="3370262" cy="500062"/>
+          </a:xfrm>
+          <a:prstGeom prst="rect">
+            <a:avLst/>
+          </a:prstGeom>
+          <a:noFill/>
+          <a:ln w="9525" cap="flat">
+            <a:noFill/>
+            <a:round/>
+            <a:headEnd/>
+            <a:tailEnd/>
+          </a:ln>
+          <a:effectLst/>
+        </p:spPr>
+        <p:txBody>
+          <a:bodyPr lIns="0" tIns="0" rIns="0" bIns="0" anchor="b"/>
+          <a:lstStyle/>
+          <a:p>
+            <a:pPr marL="215900" indent="-207963" algn="r">
+              <a:lnSpc>
+                <a:spcPct val="104000"/>
+              </a:lnSpc>
+              <a:buClrTx/>
+              <a:buFontTx/>
+              <a:buNone/>
+              <a:tabLst>
+                <a:tab pos="0" algn="l"/>
+                <a:tab pos="457200" algn="l"/>
+                <a:tab pos="914400" algn="l"/>
+                <a:tab pos="1371600" algn="l"/>
+                <a:tab pos="1828800" algn="l"/>
+                <a:tab pos="2286000" algn="l"/>
+                <a:tab pos="2743200" algn="l"/>
+                <a:tab pos="3200400" algn="l"/>
+                <a:tab pos="3657600" algn="l"/>
+                <a:tab pos="4114800" algn="l"/>
+                <a:tab pos="4572000" algn="l"/>
+                <a:tab pos="5029200" algn="l"/>
+                <a:tab pos="5486400" algn="l"/>
+                <a:tab pos="5943600" algn="l"/>
+                <a:tab pos="6400800" algn="l"/>
+                <a:tab pos="6858000" algn="l"/>
+                <a:tab pos="7315200" algn="l"/>
+                <a:tab pos="7772400" algn="l"/>
+                <a:tab pos="8229600" algn="l"/>
+                <a:tab pos="8686800" algn="l"/>
+                <a:tab pos="9144000" algn="l"/>
+                <a:tab pos="9601200" algn="l"/>
+                <a:tab pos="10058400" algn="l"/>
+                <a:tab pos="10515600" algn="l"/>
+                <a:tab pos="10774363" algn="l"/>
+                <a:tab pos="10775950" algn="l"/>
+                <a:tab pos="10777538" algn="l"/>
+                <a:tab pos="10779125" algn="l"/>
+                <a:tab pos="10780713" algn="l"/>
+              </a:tabLst>
+            </a:pPr>
+            <a:fld id="{DE32765D-60E7-4027-BA69-B830F8D48E96}" type="slidenum">
+              <a:rPr lang="en-US" sz="1400" b="1">
+                <a:solidFill>
+                  <a:srgbClr val="FFFFFF"/>
+                </a:solidFill>
+                <a:latin typeface="Source Sans Pro Black" pitchFamily="32" charset="0"/>
+                <a:ea typeface="Noto Sans CJK SC" charset="0"/>
+                <a:cs typeface="Noto Sans CJK SC" charset="0"/>
+              </a:rPr>
+              <a:pPr marL="215900" indent="-207963" algn="r">
+                <a:lnSpc>
+                  <a:spcPct val="104000"/>
+                </a:lnSpc>
+                <a:buClrTx/>
+                <a:buFontTx/>
+                <a:buNone/>
+                <a:tabLst>
+                  <a:tab pos="0" algn="l"/>
+                  <a:tab pos="457200" algn="l"/>
+                  <a:tab pos="914400" algn="l"/>
+                  <a:tab pos="1371600" algn="l"/>
+                  <a:tab pos="1828800" algn="l"/>
+                  <a:tab pos="2286000" algn="l"/>
+                  <a:tab pos="2743200" algn="l"/>
+                  <a:tab pos="3200400" algn="l"/>
+                  <a:tab pos="3657600" algn="l"/>
+                  <a:tab pos="4114800" algn="l"/>
+                  <a:tab pos="4572000" algn="l"/>
+                  <a:tab pos="5029200" algn="l"/>
+                  <a:tab pos="5486400" algn="l"/>
+                  <a:tab pos="5943600" algn="l"/>
+                  <a:tab pos="6400800" algn="l"/>
+                  <a:tab pos="6858000" algn="l"/>
+                  <a:tab pos="7315200" algn="l"/>
+                  <a:tab pos="7772400" algn="l"/>
+                  <a:tab pos="8229600" algn="l"/>
+                  <a:tab pos="8686800" algn="l"/>
+                  <a:tab pos="9144000" algn="l"/>
+                  <a:tab pos="9601200" algn="l"/>
+                  <a:tab pos="10058400" algn="l"/>
+                  <a:tab pos="10515600" algn="l"/>
+                  <a:tab pos="10774363" algn="l"/>
+                  <a:tab pos="10775950" algn="l"/>
+                  <a:tab pos="10777538" algn="l"/>
+                  <a:tab pos="10779125" algn="l"/>
+                  <a:tab pos="10780713" algn="l"/>
+                </a:tabLst>
+              </a:pPr>
+              <a:t>12</a:t>
+            </a:fld>
+            <a:endParaRPr lang="en-US" sz="1400" b="1">
+              <a:solidFill>
+                <a:srgbClr val="FFFFFF"/>
+              </a:solidFill>
+              <a:latin typeface="Source Sans Pro Black" pitchFamily="32" charset="0"/>
+              <a:ea typeface="Noto Sans CJK SC" charset="0"/>
+              <a:cs typeface="Noto Sans CJK SC" charset="0"/>
+            </a:endParaRPr>
+          </a:p>
+        </p:txBody>
+      </p:sp>
+      <p:sp>
+        <p:nvSpPr>
           <p:cNvPr id="25604" name="Text Box 4"/>
           <p:cNvSpPr txBox="1">
             <a:spLocks noChangeArrowheads="1"/>
@@ -2669,7 +3305,7 @@
                   <a:tab pos="10780713" algn="l"/>
                 </a:tabLst>
               </a:pPr>
-              <a:t>11</a:t>
+              <a:t>12</a:t>
             </a:fld>
             <a:endParaRPr lang="en-US" sz="1400" b="1">
               <a:solidFill>
@@ -2754,7 +3390,7 @@
 </p:notes>
 </file>
 
-<file path=ppt/notesSlides/notesSlide12.xml><?xml version="1.0" encoding="utf-8"?>
+<file path=ppt/notesSlides/notesSlide13.xml><?xml version="1.0" encoding="utf-8"?>
 <p:notes xmlns:a="http://schemas.openxmlformats.org/drawingml/2006/main" xmlns:r="http://schemas.openxmlformats.org/officeDocument/2006/relationships" xmlns:p="http://schemas.openxmlformats.org/presentationml/2006/main">
   <p:cSld>
     <p:bg>
@@ -2799,7 +3435,7 @@
             <a:fld id="{F5504162-6C9F-46EE-AE60-B774C4096824}" type="slidenum">
               <a:rPr lang="en-US"/>
               <a:pPr/>
-              <a:t>12</a:t>
+              <a:t>13</a:t>
             </a:fld>
             <a:endParaRPr lang="en-US"/>
           </a:p>
@@ -2920,7 +3556,7 @@
                   <a:tab pos="10780713" algn="l"/>
                 </a:tabLst>
               </a:pPr>
-              <a:t>12</a:t>
+              <a:t>13</a:t>
             </a:fld>
             <a:endParaRPr lang="en-US" sz="1400" b="1">
               <a:solidFill>
@@ -3047,7 +3683,7 @@
                   <a:tab pos="10780713" algn="l"/>
                 </a:tabLst>
               </a:pPr>
-              <a:t>12</a:t>
+              <a:t>13</a:t>
             </a:fld>
             <a:endParaRPr lang="en-US" sz="1400" b="1">
               <a:solidFill>
@@ -3175,7 +3811,7 @@
                   <a:tab pos="10780713" algn="l"/>
                 </a:tabLst>
               </a:pPr>
-              <a:t>12</a:t>
+              <a:t>13</a:t>
             </a:fld>
             <a:endParaRPr lang="en-US" sz="1400" b="1">
               <a:solidFill>
@@ -3304,7 +3940,7 @@
                   <a:tab pos="10780713" algn="l"/>
                 </a:tabLst>
               </a:pPr>
-              <a:t>12</a:t>
+              <a:t>13</a:t>
             </a:fld>
             <a:endParaRPr lang="en-US" sz="1400" b="1">
               <a:solidFill>
@@ -6552,7 +7188,7 @@
           <a:bodyPr wrap="none" anchor="ctr"/>
           <a:lstStyle/>
           <a:p>
-            <a:endParaRPr lang="el-GR" dirty="0"/>
+            <a:endParaRPr lang="el-GR"/>
           </a:p>
         </p:txBody>
       </p:sp>
@@ -7187,7 +7823,7 @@
           <a:bodyPr wrap="none" anchor="ctr"/>
           <a:lstStyle/>
           <a:p>
-            <a:endParaRPr lang="el-GR"/>
+            <a:endParaRPr lang="el-GR" dirty="0"/>
           </a:p>
         </p:txBody>
       </p:sp>
@@ -7822,7 +8458,7 @@
           <a:bodyPr wrap="none" anchor="ctr"/>
           <a:lstStyle/>
           <a:p>
-            <a:endParaRPr lang="el-GR" dirty="0"/>
+            <a:endParaRPr lang="el-GR"/>
           </a:p>
         </p:txBody>
       </p:sp>
@@ -7876,7 +8512,7 @@
           <a:bodyPr/>
           <a:lstStyle/>
           <a:p>
-            <a:fld id="{F5504162-6C9F-46EE-AE60-B774C4096824}" type="slidenum">
+            <a:fld id="{FDCDCA58-4BAA-448C-86B7-0572397B8780}" type="slidenum">
               <a:rPr lang="en-US"/>
               <a:pPr/>
               <a:t>9</a:t>
@@ -7887,7 +8523,7 @@
       </p:sp>
       <p:sp>
         <p:nvSpPr>
-          <p:cNvPr id="23553" name="Text Box 1"/>
+          <p:cNvPr id="25601" name="Text Box 1"/>
           <p:cNvSpPr txBox="1">
             <a:spLocks noChangeArrowheads="1"/>
           </p:cNvSpPr>
@@ -7953,7 +8589,7 @@
                 <a:tab pos="10780713" algn="l"/>
               </a:tabLst>
             </a:pPr>
-            <a:fld id="{36E7F687-557F-4A0D-BC5B-23F1D093F47F}" type="slidenum">
+            <a:fld id="{72B26F9C-53B1-4226-B843-F4AA5A044747}" type="slidenum">
               <a:rPr lang="en-US" sz="1400" b="1">
                 <a:solidFill>
                   <a:srgbClr val="FFFFFF"/>
@@ -8014,7 +8650,7 @@
       </p:sp>
       <p:sp>
         <p:nvSpPr>
-          <p:cNvPr id="23554" name="Text Box 2"/>
+          <p:cNvPr id="25602" name="Text Box 2"/>
           <p:cNvSpPr txBox="1">
             <a:spLocks noChangeArrowheads="1"/>
           </p:cNvSpPr>
@@ -8080,7 +8716,7 @@
                 <a:tab pos="10780713" algn="l"/>
               </a:tabLst>
             </a:pPr>
-            <a:fld id="{87936834-7B4E-4CA6-82EF-23DAEE094402}" type="slidenum">
+            <a:fld id="{44971B60-E628-45F1-B736-D230933D4513}" type="slidenum">
               <a:rPr lang="en-US" sz="1400" b="1">
                 <a:solidFill>
                   <a:srgbClr val="FFFFFF"/>
@@ -8141,7 +8777,7 @@
       </p:sp>
       <p:sp>
         <p:nvSpPr>
-          <p:cNvPr id="23555" name="Text Box 3"/>
+          <p:cNvPr id="25603" name="Text Box 3"/>
           <p:cNvSpPr txBox="1">
             <a:spLocks noChangeArrowheads="1"/>
           </p:cNvSpPr>
@@ -8207,7 +8843,7 @@
                 <a:tab pos="10780713" algn="l"/>
               </a:tabLst>
             </a:pPr>
-            <a:fld id="{64934F72-CB40-4216-9949-F120EE33C90D}" type="slidenum">
+            <a:fld id="{DE32765D-60E7-4027-BA69-B830F8D48E96}" type="slidenum">
               <a:rPr lang="en-US" sz="1400" b="1">
                 <a:solidFill>
                   <a:srgbClr val="FFFFFF"/>
@@ -8270,7 +8906,7 @@
       </p:sp>
       <p:sp>
         <p:nvSpPr>
-          <p:cNvPr id="23556" name="Text Box 4"/>
+          <p:cNvPr id="25604" name="Text Box 4"/>
           <p:cNvSpPr txBox="1">
             <a:spLocks noChangeArrowheads="1"/>
           </p:cNvSpPr>
@@ -8336,7 +8972,7 @@
                 <a:tab pos="10780713" algn="l"/>
               </a:tabLst>
             </a:pPr>
-            <a:fld id="{DEDC7519-5326-4B51-86E6-D44010C39BBB}" type="slidenum">
+            <a:fld id="{D5CEC60F-AB01-4429-B7ED-2D3CF3FCC29D}" type="slidenum">
               <a:rPr lang="en-US" sz="1400" b="1">
                 <a:solidFill>
                   <a:srgbClr val="FFFFFF"/>
@@ -8399,7 +9035,7 @@
       </p:sp>
       <p:sp>
         <p:nvSpPr>
-          <p:cNvPr id="23557" name="Rectangle 5"/>
+          <p:cNvPr id="25605" name="Rectangle 5"/>
           <p:cNvSpPr txBox="1">
             <a:spLocks noGrp="1" noRot="1" noChangeAspect="1" noChangeArrowheads="1"/>
           </p:cNvSpPr>
@@ -8430,7 +9066,7 @@
       </p:sp>
       <p:sp>
         <p:nvSpPr>
-          <p:cNvPr id="23558" name="Rectangle 6"/>
+          <p:cNvPr id="25606" name="Rectangle 6"/>
           <p:cNvSpPr txBox="1">
             <a:spLocks noGrp="1" noChangeArrowheads="1"/>
           </p:cNvSpPr>
@@ -8457,7 +9093,7 @@
           <a:bodyPr wrap="none" anchor="ctr"/>
           <a:lstStyle/>
           <a:p>
-            <a:endParaRPr lang="el-GR"/>
+            <a:endParaRPr lang="el-GR" dirty="0"/>
           </a:p>
         </p:txBody>
       </p:sp>
@@ -12428,24 +13064,14 @@
               </a:tabLst>
             </a:pPr>
             <a:r>
-              <a:rPr lang="el-GR" sz="2800" b="1" dirty="0" smtClean="0">
+              <a:rPr lang="en-US" sz="2800" b="1" dirty="0" smtClean="0">
                 <a:solidFill>
                   <a:srgbClr val="000000"/>
                 </a:solidFill>
                 <a:ea typeface="Noto Sans CJK SC" charset="0"/>
                 <a:cs typeface="Noto Sans CJK SC" charset="0"/>
               </a:rPr>
-              <a:t>Αρχιτεκτονική κλήσεων στο </a:t>
-            </a:r>
-            <a:r>
-              <a:rPr lang="en-US" sz="2800" b="1" dirty="0" smtClean="0">
-                <a:solidFill>
-                  <a:srgbClr val="000000"/>
-                </a:solidFill>
-                <a:ea typeface="Noto Sans CJK SC" charset="0"/>
-                <a:cs typeface="Noto Sans CJK SC" charset="0"/>
-              </a:rPr>
-              <a:t>API</a:t>
+              <a:t>Events information</a:t>
             </a:r>
             <a:endParaRPr lang="el-GR" sz="2800" b="1" dirty="0">
               <a:solidFill>
@@ -12723,6 +13349,710 @@
                 </a:tabLst>
               </a:pPr>
               <a:t>10</a:t>
+            </a:fld>
+            <a:endParaRPr lang="en-US" sz="1500">
+              <a:solidFill>
+                <a:srgbClr val="FFFFFF"/>
+              </a:solidFill>
+              <a:latin typeface="Franklin Gothic Book" pitchFamily="32" charset="0"/>
+              <a:ea typeface="Noto Sans CJK SC" charset="0"/>
+              <a:cs typeface="Noto Sans CJK SC" charset="0"/>
+            </a:endParaRPr>
+          </a:p>
+        </p:txBody>
+      </p:sp>
+      <p:sp>
+        <p:nvSpPr>
+          <p:cNvPr id="7" name="Text Box 5"/>
+          <p:cNvSpPr txBox="1">
+            <a:spLocks noChangeArrowheads="1"/>
+          </p:cNvSpPr>
+          <p:nvPr/>
+        </p:nvSpPr>
+        <p:spPr bwMode="auto">
+          <a:xfrm>
+            <a:off x="503238" y="1332000"/>
+            <a:ext cx="7201370" cy="4526497"/>
+          </a:xfrm>
+          <a:prstGeom prst="rect">
+            <a:avLst/>
+          </a:prstGeom>
+          <a:noFill/>
+          <a:ln w="9525" cap="flat">
+            <a:noFill/>
+            <a:round/>
+            <a:headEnd/>
+            <a:tailEnd/>
+          </a:ln>
+          <a:effectLst/>
+        </p:spPr>
+        <p:txBody>
+          <a:bodyPr wrap="square" lIns="90000" tIns="46800" rIns="90000" bIns="46800">
+            <a:spAutoFit/>
+          </a:bodyPr>
+          <a:lstStyle/>
+          <a:p>
+            <a:pPr>
+              <a:lnSpc>
+                <a:spcPct val="200000"/>
+              </a:lnSpc>
+            </a:pPr>
+            <a:r>
+              <a:rPr lang="el-GR" dirty="0" smtClean="0">
+                <a:solidFill>
+                  <a:schemeClr val="tx1"/>
+                </a:solidFill>
+                <a:ea typeface="Noto Sans CJK SC" charset="0"/>
+                <a:cs typeface="Noto Sans CJK SC" charset="0"/>
+              </a:rPr>
+              <a:t> </a:t>
+            </a:r>
+            <a:r>
+              <a:rPr lang="el-GR" dirty="0" smtClean="0">
+                <a:solidFill>
+                  <a:schemeClr val="tx1"/>
+                </a:solidFill>
+              </a:rPr>
+              <a:t>Χρησιμοποιούνται μόνο οι πληροφορίες:</a:t>
+            </a:r>
+          </a:p>
+          <a:p>
+            <a:pPr lvl="0">
+              <a:lnSpc>
+                <a:spcPct val="200000"/>
+              </a:lnSpc>
+              <a:buFont typeface="Arial" pitchFamily="34" charset="0"/>
+              <a:buChar char="•"/>
+            </a:pPr>
+            <a:r>
+              <a:rPr lang="el-GR" dirty="0" smtClean="0">
+                <a:solidFill>
+                  <a:schemeClr val="tx1"/>
+                </a:solidFill>
+              </a:rPr>
+              <a:t> Όνομα </a:t>
+            </a:r>
+            <a:r>
+              <a:rPr lang="el-GR" dirty="0" err="1" smtClean="0">
+                <a:solidFill>
+                  <a:schemeClr val="tx1"/>
+                </a:solidFill>
+              </a:rPr>
+              <a:t>event</a:t>
+            </a:r>
+            <a:r>
+              <a:rPr lang="el-GR" dirty="0" smtClean="0">
+                <a:solidFill>
+                  <a:schemeClr val="tx1"/>
+                </a:solidFill>
+              </a:rPr>
+              <a:t> με το αντίστοιχο </a:t>
+            </a:r>
+            <a:r>
+              <a:rPr lang="el-GR" dirty="0" err="1" smtClean="0">
+                <a:solidFill>
+                  <a:schemeClr val="tx1"/>
+                </a:solidFill>
+              </a:rPr>
+              <a:t>Link</a:t>
+            </a:r>
+            <a:endParaRPr lang="el-GR" dirty="0" smtClean="0">
+              <a:solidFill>
+                <a:schemeClr val="tx1"/>
+              </a:solidFill>
+            </a:endParaRPr>
+          </a:p>
+          <a:p>
+            <a:pPr lvl="0">
+              <a:lnSpc>
+                <a:spcPct val="200000"/>
+              </a:lnSpc>
+              <a:buFont typeface="Arial" pitchFamily="34" charset="0"/>
+              <a:buChar char="•"/>
+            </a:pPr>
+            <a:r>
+              <a:rPr lang="el-GR" dirty="0" smtClean="0">
+                <a:solidFill>
+                  <a:schemeClr val="tx1"/>
+                </a:solidFill>
+              </a:rPr>
+              <a:t> Όνομα καλλιτέχνη με το αντίστοιχο </a:t>
+            </a:r>
+            <a:r>
+              <a:rPr lang="el-GR" dirty="0" err="1" smtClean="0">
+                <a:solidFill>
+                  <a:schemeClr val="tx1"/>
+                </a:solidFill>
+              </a:rPr>
+              <a:t>Link</a:t>
+            </a:r>
+            <a:endParaRPr lang="el-GR" dirty="0" smtClean="0">
+              <a:solidFill>
+                <a:schemeClr val="tx1"/>
+              </a:solidFill>
+            </a:endParaRPr>
+          </a:p>
+          <a:p>
+            <a:pPr lvl="0">
+              <a:lnSpc>
+                <a:spcPct val="200000"/>
+              </a:lnSpc>
+              <a:buFont typeface="Arial" pitchFamily="34" charset="0"/>
+              <a:buChar char="•"/>
+            </a:pPr>
+            <a:r>
+              <a:rPr lang="el-GR" dirty="0" smtClean="0">
+                <a:solidFill>
+                  <a:schemeClr val="tx1"/>
+                </a:solidFill>
+              </a:rPr>
+              <a:t> Το όνομα του χώρου διεξαγωγής με το αντίστοιχο </a:t>
+            </a:r>
+            <a:r>
+              <a:rPr lang="el-GR" dirty="0" err="1" smtClean="0">
+                <a:solidFill>
+                  <a:schemeClr val="tx1"/>
+                </a:solidFill>
+              </a:rPr>
+              <a:t>Link</a:t>
+            </a:r>
+            <a:endParaRPr lang="el-GR" dirty="0" smtClean="0">
+              <a:solidFill>
+                <a:schemeClr val="tx1"/>
+              </a:solidFill>
+            </a:endParaRPr>
+          </a:p>
+          <a:p>
+            <a:pPr lvl="0">
+              <a:lnSpc>
+                <a:spcPct val="200000"/>
+              </a:lnSpc>
+              <a:buFont typeface="Arial" pitchFamily="34" charset="0"/>
+              <a:buChar char="•"/>
+            </a:pPr>
+            <a:r>
+              <a:rPr lang="el-GR" dirty="0" smtClean="0">
+                <a:solidFill>
+                  <a:schemeClr val="tx1"/>
+                </a:solidFill>
+              </a:rPr>
+              <a:t> Ημερομηνία </a:t>
+            </a:r>
+          </a:p>
+          <a:p>
+            <a:pPr lvl="0">
+              <a:lnSpc>
+                <a:spcPct val="200000"/>
+              </a:lnSpc>
+              <a:buFont typeface="Arial" pitchFamily="34" charset="0"/>
+              <a:buChar char="•"/>
+            </a:pPr>
+            <a:r>
+              <a:rPr lang="el-GR" dirty="0" smtClean="0">
+                <a:solidFill>
+                  <a:schemeClr val="tx1"/>
+                </a:solidFill>
+              </a:rPr>
+              <a:t> Ώρα</a:t>
+            </a:r>
+          </a:p>
+          <a:p>
+            <a:pPr lvl="0">
+              <a:lnSpc>
+                <a:spcPct val="200000"/>
+              </a:lnSpc>
+              <a:buFont typeface="Arial" pitchFamily="34" charset="0"/>
+              <a:buChar char="•"/>
+            </a:pPr>
+            <a:r>
+              <a:rPr lang="el-GR" dirty="0" smtClean="0">
+                <a:solidFill>
+                  <a:schemeClr val="tx1"/>
+                </a:solidFill>
+              </a:rPr>
+              <a:t> Τι είδους εκδήλωση είναι (</a:t>
+            </a:r>
+            <a:r>
+              <a:rPr lang="el-GR" dirty="0" err="1" smtClean="0">
+                <a:solidFill>
+                  <a:schemeClr val="tx1"/>
+                </a:solidFill>
+              </a:rPr>
+              <a:t>concert</a:t>
+            </a:r>
+            <a:r>
+              <a:rPr lang="el-GR" dirty="0" smtClean="0">
+                <a:solidFill>
+                  <a:schemeClr val="tx1"/>
+                </a:solidFill>
+              </a:rPr>
+              <a:t>/</a:t>
+            </a:r>
+            <a:r>
+              <a:rPr lang="el-GR" dirty="0" err="1" smtClean="0">
+                <a:solidFill>
+                  <a:schemeClr val="tx1"/>
+                </a:solidFill>
+              </a:rPr>
+              <a:t>festival</a:t>
+            </a:r>
+            <a:r>
+              <a:rPr lang="el-GR" dirty="0" smtClean="0">
+                <a:solidFill>
+                  <a:schemeClr val="tx1"/>
+                </a:solidFill>
+              </a:rPr>
+              <a:t>)</a:t>
+            </a:r>
+          </a:p>
+          <a:p>
+            <a:pPr lvl="0">
+              <a:lnSpc>
+                <a:spcPct val="200000"/>
+              </a:lnSpc>
+              <a:buFont typeface="Arial" pitchFamily="34" charset="0"/>
+              <a:buChar char="•"/>
+            </a:pPr>
+            <a:r>
+              <a:rPr lang="el-GR" smtClean="0">
+                <a:solidFill>
+                  <a:schemeClr val="tx1"/>
+                </a:solidFill>
+              </a:rPr>
+              <a:t> Κατάσταση </a:t>
+            </a:r>
+            <a:r>
+              <a:rPr lang="el-GR" dirty="0" smtClean="0">
+                <a:solidFill>
+                  <a:schemeClr val="tx1"/>
+                </a:solidFill>
+              </a:rPr>
+              <a:t>(Αν θα πραγματοποιηθεί ή όχι)</a:t>
+            </a:r>
+            <a:endParaRPr lang="el-GR" dirty="0">
+              <a:solidFill>
+                <a:schemeClr val="tx1"/>
+              </a:solidFill>
+              <a:ea typeface="Noto Sans CJK SC" charset="0"/>
+              <a:cs typeface="Noto Sans CJK SC" charset="0"/>
+            </a:endParaRPr>
+          </a:p>
+        </p:txBody>
+      </p:sp>
+    </p:spTree>
+  </p:cSld>
+  <p:clrMapOvr>
+    <a:masterClrMapping/>
+  </p:clrMapOvr>
+  <p:transition spd="med"/>
+  <p:timing>
+    <p:tnLst>
+      <p:par>
+        <p:cTn id="1" dur="indefinite" restart="never" nodeType="tmRoot">
+          <p:childTnLst>
+            <p:seq concurrent="1" nextAc="seek">
+              <p:cTn id="2" dur="indefinite" nodeType="mainSeq"/>
+              <p:prevCondLst>
+                <p:cond evt="onPrev" delay="0">
+                  <p:tgtEl>
+                    <p:sldTgt/>
+                  </p:tgtEl>
+                </p:cond>
+              </p:prevCondLst>
+              <p:nextCondLst>
+                <p:cond evt="onNext" delay="0">
+                  <p:tgtEl>
+                    <p:sldTgt/>
+                  </p:tgtEl>
+                </p:cond>
+              </p:nextCondLst>
+            </p:seq>
+          </p:childTnLst>
+        </p:cTn>
+      </p:par>
+    </p:tnLst>
+  </p:timing>
+</p:sld>
+</file>
+
+<file path=ppt/slides/slide11.xml><?xml version="1.0" encoding="utf-8"?>
+<p:sld xmlns:a="http://schemas.openxmlformats.org/drawingml/2006/main" xmlns:r="http://schemas.openxmlformats.org/officeDocument/2006/relationships" xmlns:p="http://schemas.openxmlformats.org/presentationml/2006/main">
+  <p:cSld>
+    <p:spTree>
+      <p:nvGrpSpPr>
+        <p:cNvPr id="1" name=""/>
+        <p:cNvGrpSpPr/>
+        <p:nvPr/>
+      </p:nvGrpSpPr>
+      <p:grpSpPr>
+        <a:xfrm>
+          <a:off x="0" y="0"/>
+          <a:ext cx="0" cy="0"/>
+          <a:chOff x="0" y="0"/>
+          <a:chExt cx="0" cy="0"/>
+        </a:xfrm>
+      </p:grpSpPr>
+      <p:sp>
+        <p:nvSpPr>
+          <p:cNvPr id="11265" name="Text Box 1"/>
+          <p:cNvSpPr txBox="1">
+            <a:spLocks noChangeArrowheads="1"/>
+          </p:cNvSpPr>
+          <p:nvPr/>
+        </p:nvSpPr>
+        <p:spPr bwMode="auto">
+          <a:xfrm>
+            <a:off x="354013" y="301625"/>
+            <a:ext cx="9439275" cy="958850"/>
+          </a:xfrm>
+          <a:prstGeom prst="rect">
+            <a:avLst/>
+          </a:prstGeom>
+          <a:noFill/>
+          <a:ln w="9525" cap="flat">
+            <a:noFill/>
+            <a:round/>
+            <a:headEnd/>
+            <a:tailEnd/>
+          </a:ln>
+          <a:effectLst/>
+        </p:spPr>
+        <p:txBody>
+          <a:bodyPr lIns="0" tIns="24840" rIns="0" bIns="0" anchor="ctr"/>
+          <a:lstStyle/>
+          <a:p>
+            <a:pPr hangingPunct="1">
+              <a:buClrTx/>
+              <a:buFontTx/>
+              <a:buNone/>
+              <a:tabLst>
+                <a:tab pos="0" algn="l"/>
+                <a:tab pos="457200" algn="l"/>
+                <a:tab pos="914400" algn="l"/>
+                <a:tab pos="1371600" algn="l"/>
+                <a:tab pos="1828800" algn="l"/>
+                <a:tab pos="2286000" algn="l"/>
+                <a:tab pos="2743200" algn="l"/>
+                <a:tab pos="3200400" algn="l"/>
+                <a:tab pos="3657600" algn="l"/>
+                <a:tab pos="4114800" algn="l"/>
+                <a:tab pos="4572000" algn="l"/>
+                <a:tab pos="5029200" algn="l"/>
+                <a:tab pos="5486400" algn="l"/>
+                <a:tab pos="5943600" algn="l"/>
+                <a:tab pos="6400800" algn="l"/>
+                <a:tab pos="6858000" algn="l"/>
+                <a:tab pos="7315200" algn="l"/>
+                <a:tab pos="7772400" algn="l"/>
+                <a:tab pos="8229600" algn="l"/>
+                <a:tab pos="8686800" algn="l"/>
+                <a:tab pos="9144000" algn="l"/>
+                <a:tab pos="9601200" algn="l"/>
+                <a:tab pos="10058400" algn="l"/>
+                <a:tab pos="10515600" algn="l"/>
+                <a:tab pos="10774363" algn="l"/>
+                <a:tab pos="10775950" algn="l"/>
+                <a:tab pos="10777538" algn="l"/>
+                <a:tab pos="10779125" algn="l"/>
+                <a:tab pos="10780713" algn="l"/>
+              </a:tabLst>
+            </a:pPr>
+            <a:r>
+              <a:rPr lang="el-GR" sz="2800" b="1" dirty="0" smtClean="0">
+                <a:solidFill>
+                  <a:srgbClr val="000000"/>
+                </a:solidFill>
+                <a:ea typeface="Noto Sans CJK SC" charset="0"/>
+                <a:cs typeface="Noto Sans CJK SC" charset="0"/>
+              </a:rPr>
+              <a:t>Αρχιτεκτονική κλήσεων στο </a:t>
+            </a:r>
+            <a:r>
+              <a:rPr lang="en-US" sz="2800" b="1" dirty="0" smtClean="0">
+                <a:solidFill>
+                  <a:srgbClr val="000000"/>
+                </a:solidFill>
+                <a:ea typeface="Noto Sans CJK SC" charset="0"/>
+                <a:cs typeface="Noto Sans CJK SC" charset="0"/>
+              </a:rPr>
+              <a:t>API</a:t>
+            </a:r>
+            <a:endParaRPr lang="el-GR" sz="2800" b="1" dirty="0">
+              <a:solidFill>
+                <a:srgbClr val="000000"/>
+              </a:solidFill>
+              <a:ea typeface="Noto Sans CJK SC" charset="0"/>
+              <a:cs typeface="Noto Sans CJK SC" charset="0"/>
+            </a:endParaRPr>
+          </a:p>
+        </p:txBody>
+      </p:sp>
+      <p:sp>
+        <p:nvSpPr>
+          <p:cNvPr id="11266" name="Text Box 2"/>
+          <p:cNvSpPr txBox="1">
+            <a:spLocks noChangeArrowheads="1"/>
+          </p:cNvSpPr>
+          <p:nvPr/>
+        </p:nvSpPr>
+        <p:spPr bwMode="auto">
+          <a:xfrm>
+            <a:off x="1008063" y="6804025"/>
+            <a:ext cx="8424737" cy="503238"/>
+          </a:xfrm>
+          <a:prstGeom prst="rect">
+            <a:avLst/>
+          </a:prstGeom>
+          <a:noFill/>
+          <a:ln w="9525" cap="flat">
+            <a:noFill/>
+            <a:round/>
+            <a:headEnd/>
+            <a:tailEnd/>
+          </a:ln>
+          <a:effectLst/>
+        </p:spPr>
+        <p:txBody>
+          <a:bodyPr lIns="100800" tIns="50400" rIns="100800" bIns="50400" anchor="ctr"/>
+          <a:lstStyle/>
+          <a:p>
+            <a:pPr hangingPunct="1">
+              <a:buClrTx/>
+              <a:buFontTx/>
+              <a:buNone/>
+              <a:tabLst>
+                <a:tab pos="0" algn="l"/>
+                <a:tab pos="457200" algn="l"/>
+                <a:tab pos="914400" algn="l"/>
+                <a:tab pos="1371600" algn="l"/>
+                <a:tab pos="1828800" algn="l"/>
+                <a:tab pos="2286000" algn="l"/>
+                <a:tab pos="2743200" algn="l"/>
+                <a:tab pos="3200400" algn="l"/>
+                <a:tab pos="3657600" algn="l"/>
+                <a:tab pos="4114800" algn="l"/>
+                <a:tab pos="4572000" algn="l"/>
+                <a:tab pos="5029200" algn="l"/>
+                <a:tab pos="5486400" algn="l"/>
+                <a:tab pos="5943600" algn="l"/>
+                <a:tab pos="6400800" algn="l"/>
+                <a:tab pos="6858000" algn="l"/>
+                <a:tab pos="7315200" algn="l"/>
+                <a:tab pos="7772400" algn="l"/>
+                <a:tab pos="8229600" algn="l"/>
+                <a:tab pos="8686800" algn="l"/>
+                <a:tab pos="9144000" algn="l"/>
+                <a:tab pos="9426575" algn="l"/>
+                <a:tab pos="9875838" algn="l"/>
+                <a:tab pos="10325100" algn="l"/>
+                <a:tab pos="10774363" algn="l"/>
+                <a:tab pos="10775950" algn="l"/>
+                <a:tab pos="10777538" algn="l"/>
+                <a:tab pos="10779125" algn="l"/>
+                <a:tab pos="10780713" algn="l"/>
+              </a:tabLst>
+            </a:pPr>
+            <a:r>
+              <a:rPr lang="el-GR" sz="1500" dirty="0" smtClean="0">
+                <a:solidFill>
+                  <a:srgbClr val="FF0000"/>
+                </a:solidFill>
+                <a:ea typeface="Noto Sans CJK SC" charset="0"/>
+                <a:cs typeface="Noto Sans CJK SC" charset="0"/>
+              </a:rPr>
+              <a:t>Ηλιάδης Αλέξιος, Κόκκινου Ξανθή, </a:t>
+            </a:r>
+            <a:r>
+              <a:rPr lang="el-GR" sz="1500" dirty="0" err="1" smtClean="0">
+                <a:solidFill>
+                  <a:srgbClr val="FF0000"/>
+                </a:solidFill>
+                <a:ea typeface="Noto Sans CJK SC" charset="0"/>
+                <a:cs typeface="Noto Sans CJK SC" charset="0"/>
+              </a:rPr>
+              <a:t>Μήσιος</a:t>
+            </a:r>
+            <a:r>
+              <a:rPr lang="el-GR" sz="1500" dirty="0" smtClean="0">
+                <a:solidFill>
+                  <a:srgbClr val="FF0000"/>
+                </a:solidFill>
+                <a:ea typeface="Noto Sans CJK SC" charset="0"/>
+                <a:cs typeface="Noto Sans CJK SC" charset="0"/>
+              </a:rPr>
+              <a:t> Δημήτριος, Ταουκτσής Βασίλης</a:t>
+            </a:r>
+          </a:p>
+          <a:p>
+            <a:pPr hangingPunct="1">
+              <a:buClrTx/>
+              <a:buFontTx/>
+              <a:buNone/>
+              <a:tabLst>
+                <a:tab pos="0" algn="l"/>
+                <a:tab pos="457200" algn="l"/>
+                <a:tab pos="914400" algn="l"/>
+                <a:tab pos="1371600" algn="l"/>
+                <a:tab pos="1828800" algn="l"/>
+                <a:tab pos="2286000" algn="l"/>
+                <a:tab pos="2743200" algn="l"/>
+                <a:tab pos="3200400" algn="l"/>
+                <a:tab pos="3657600" algn="l"/>
+                <a:tab pos="4114800" algn="l"/>
+                <a:tab pos="4572000" algn="l"/>
+                <a:tab pos="5029200" algn="l"/>
+                <a:tab pos="5486400" algn="l"/>
+                <a:tab pos="5943600" algn="l"/>
+                <a:tab pos="6400800" algn="l"/>
+                <a:tab pos="6858000" algn="l"/>
+                <a:tab pos="7315200" algn="l"/>
+                <a:tab pos="7772400" algn="l"/>
+                <a:tab pos="8229600" algn="l"/>
+                <a:tab pos="8686800" algn="l"/>
+                <a:tab pos="9144000" algn="l"/>
+                <a:tab pos="9426575" algn="l"/>
+                <a:tab pos="9875838" algn="l"/>
+                <a:tab pos="10325100" algn="l"/>
+                <a:tab pos="10774363" algn="l"/>
+                <a:tab pos="10775950" algn="l"/>
+                <a:tab pos="10777538" algn="l"/>
+                <a:tab pos="10779125" algn="l"/>
+                <a:tab pos="10780713" algn="l"/>
+              </a:tabLst>
+            </a:pPr>
+            <a:r>
+              <a:rPr lang="el-GR" sz="1200" dirty="0" smtClean="0">
+                <a:solidFill>
+                  <a:srgbClr val="FF0000"/>
+                </a:solidFill>
+                <a:ea typeface="Noto Sans CJK SC" charset="0"/>
+                <a:cs typeface="Noto Sans CJK SC" charset="0"/>
+              </a:rPr>
+              <a:t>Διαδικτυακή εφαρμογή με χρήση δεδομένων από εξωτερικές πηγές</a:t>
+            </a:r>
+            <a:endParaRPr lang="en-US" sz="1200" dirty="0">
+              <a:solidFill>
+                <a:srgbClr val="FF0000"/>
+              </a:solidFill>
+              <a:ea typeface="Noto Sans CJK SC" charset="0"/>
+              <a:cs typeface="Noto Sans CJK SC" charset="0"/>
+            </a:endParaRPr>
+          </a:p>
+        </p:txBody>
+      </p:sp>
+      <p:sp>
+        <p:nvSpPr>
+          <p:cNvPr id="11267" name="Oval 3"/>
+          <p:cNvSpPr>
+            <a:spLocks noChangeArrowheads="1"/>
+          </p:cNvSpPr>
+          <p:nvPr/>
+        </p:nvSpPr>
+        <p:spPr bwMode="auto">
+          <a:xfrm>
+            <a:off x="161925" y="6845300"/>
+            <a:ext cx="503238" cy="504825"/>
+          </a:xfrm>
+          <a:prstGeom prst="ellipse">
+            <a:avLst/>
+          </a:prstGeom>
+          <a:solidFill>
+            <a:srgbClr val="F0A22E"/>
+          </a:solidFill>
+          <a:ln w="9525" cap="flat">
+            <a:noFill/>
+            <a:round/>
+            <a:headEnd/>
+            <a:tailEnd/>
+          </a:ln>
+          <a:effectLst/>
+        </p:spPr>
+        <p:txBody>
+          <a:bodyPr wrap="none" lIns="0" tIns="0" rIns="0" bIns="0" anchor="ctr" anchorCtr="1"/>
+          <a:lstStyle/>
+          <a:p>
+            <a:pPr algn="ctr" hangingPunct="1">
+              <a:buClrTx/>
+              <a:buFontTx/>
+              <a:buNone/>
+              <a:tabLst>
+                <a:tab pos="0" algn="l"/>
+                <a:tab pos="457200" algn="l"/>
+                <a:tab pos="914400" algn="l"/>
+                <a:tab pos="1371600" algn="l"/>
+                <a:tab pos="1828800" algn="l"/>
+                <a:tab pos="2286000" algn="l"/>
+                <a:tab pos="2743200" algn="l"/>
+                <a:tab pos="3200400" algn="l"/>
+                <a:tab pos="3657600" algn="l"/>
+                <a:tab pos="4114800" algn="l"/>
+                <a:tab pos="4572000" algn="l"/>
+                <a:tab pos="5029200" algn="l"/>
+                <a:tab pos="5486400" algn="l"/>
+                <a:tab pos="5943600" algn="l"/>
+                <a:tab pos="6400800" algn="l"/>
+                <a:tab pos="6858000" algn="l"/>
+                <a:tab pos="7315200" algn="l"/>
+                <a:tab pos="7772400" algn="l"/>
+                <a:tab pos="8229600" algn="l"/>
+                <a:tab pos="8686800" algn="l"/>
+                <a:tab pos="9144000" algn="l"/>
+                <a:tab pos="9426575" algn="l"/>
+                <a:tab pos="9875838" algn="l"/>
+                <a:tab pos="10325100" algn="l"/>
+                <a:tab pos="10774363" algn="l"/>
+                <a:tab pos="10775950" algn="l"/>
+                <a:tab pos="10777538" algn="l"/>
+                <a:tab pos="10779125" algn="l"/>
+                <a:tab pos="10780713" algn="l"/>
+              </a:tabLst>
+            </a:pPr>
+            <a:fld id="{A8DAFBB9-265C-4C19-A5A7-F68C12B958CA}" type="slidenum">
+              <a:rPr lang="en-US" sz="1500">
+                <a:solidFill>
+                  <a:srgbClr val="FFFFFF"/>
+                </a:solidFill>
+                <a:latin typeface="Franklin Gothic Book" pitchFamily="32" charset="0"/>
+                <a:ea typeface="Noto Sans CJK SC" charset="0"/>
+                <a:cs typeface="Noto Sans CJK SC" charset="0"/>
+              </a:rPr>
+              <a:pPr algn="ctr" hangingPunct="1">
+                <a:buClrTx/>
+                <a:buFontTx/>
+                <a:buNone/>
+                <a:tabLst>
+                  <a:tab pos="0" algn="l"/>
+                  <a:tab pos="457200" algn="l"/>
+                  <a:tab pos="914400" algn="l"/>
+                  <a:tab pos="1371600" algn="l"/>
+                  <a:tab pos="1828800" algn="l"/>
+                  <a:tab pos="2286000" algn="l"/>
+                  <a:tab pos="2743200" algn="l"/>
+                  <a:tab pos="3200400" algn="l"/>
+                  <a:tab pos="3657600" algn="l"/>
+                  <a:tab pos="4114800" algn="l"/>
+                  <a:tab pos="4572000" algn="l"/>
+                  <a:tab pos="5029200" algn="l"/>
+                  <a:tab pos="5486400" algn="l"/>
+                  <a:tab pos="5943600" algn="l"/>
+                  <a:tab pos="6400800" algn="l"/>
+                  <a:tab pos="6858000" algn="l"/>
+                  <a:tab pos="7315200" algn="l"/>
+                  <a:tab pos="7772400" algn="l"/>
+                  <a:tab pos="8229600" algn="l"/>
+                  <a:tab pos="8686800" algn="l"/>
+                  <a:tab pos="9144000" algn="l"/>
+                  <a:tab pos="9426575" algn="l"/>
+                  <a:tab pos="9875838" algn="l"/>
+                  <a:tab pos="10325100" algn="l"/>
+                  <a:tab pos="10774363" algn="l"/>
+                  <a:tab pos="10775950" algn="l"/>
+                  <a:tab pos="10777538" algn="l"/>
+                  <a:tab pos="10779125" algn="l"/>
+                  <a:tab pos="10780713" algn="l"/>
+                </a:tabLst>
+              </a:pPr>
+              <a:t>11</a:t>
             </a:fld>
             <a:endParaRPr lang="en-US" sz="1500">
               <a:solidFill>
@@ -13235,11 +14565,6 @@
               </a:rPr>
               <a:t>Κλήση χωρίς σύνδεση</a:t>
             </a:r>
-            <a:endParaRPr lang="el-GR" b="1" dirty="0" smtClean="0">
-              <a:solidFill>
-                <a:schemeClr val="tx1"/>
-              </a:solidFill>
-            </a:endParaRPr>
           </a:p>
         </p:txBody>
       </p:sp>
@@ -13279,7 +14604,7 @@
 </p:sld>
 </file>
 
-<file path=ppt/slides/slide11.xml><?xml version="1.0" encoding="utf-8"?>
+<file path=ppt/slides/slide12.xml><?xml version="1.0" encoding="utf-8"?>
 <p:sld xmlns:a="http://schemas.openxmlformats.org/drawingml/2006/main" xmlns:r="http://schemas.openxmlformats.org/officeDocument/2006/relationships" xmlns:p="http://schemas.openxmlformats.org/presentationml/2006/main">
   <p:cSld>
     <p:spTree>
@@ -13656,7 +14981,7 @@
                   <a:tab pos="10780713" algn="l"/>
                 </a:tabLst>
               </a:pPr>
-              <a:t>11</a:t>
+              <a:t>12</a:t>
             </a:fld>
             <a:endParaRPr lang="en-US" sz="1500">
               <a:solidFill>
@@ -14373,11 +15698,6 @@
               </a:rPr>
               <a:t>Κλήση συνδεδεμένου χρήστη</a:t>
             </a:r>
-            <a:endParaRPr lang="el-GR" b="1" dirty="0" smtClean="0">
-              <a:solidFill>
-                <a:schemeClr val="tx1"/>
-              </a:solidFill>
-            </a:endParaRPr>
           </a:p>
         </p:txBody>
       </p:sp>
@@ -14417,7 +15737,7 @@
 </p:sld>
 </file>
 
-<file path=ppt/slides/slide12.xml><?xml version="1.0" encoding="utf-8"?>
+<file path=ppt/slides/slide13.xml><?xml version="1.0" encoding="utf-8"?>
 <p:sld xmlns:a="http://schemas.openxmlformats.org/drawingml/2006/main" xmlns:r="http://schemas.openxmlformats.org/officeDocument/2006/relationships" xmlns:p="http://schemas.openxmlformats.org/presentationml/2006/main">
   <p:cSld>
     <p:spTree>
@@ -14784,7 +16104,7 @@
                   <a:tab pos="10780713" algn="l"/>
                 </a:tabLst>
               </a:pPr>
-              <a:t>12</a:t>
+              <a:t>13</a:t>
             </a:fld>
             <a:endParaRPr lang="en-US" sz="1500">
               <a:solidFill>
@@ -17022,6 +18342,32 @@
           <a:chExt cx="0" cy="0"/>
         </a:xfrm>
       </p:grpSpPr>
+      <p:pic>
+        <p:nvPicPr>
+          <p:cNvPr id="1028" name="Picture 4" descr="\\Vboxsvr\βασιλησ\ΔΙΚΑ ΜΟΥ\ΣΠΟΥΔΕΣ\ΜΕΤΑΠΤΥΧΙΑΚΟ\1ο ΕΞΑΜΗΝΟ\Μ102 - Μηχανική Λογισμικού για Διαδικτυακές Εφαρμογές\Projects 2020\Screenshot at 2021-01-08 15-33-30.png"/>
+          <p:cNvPicPr>
+            <a:picLocks noChangeAspect="1" noChangeArrowheads="1"/>
+          </p:cNvPicPr>
+          <p:nvPr/>
+        </p:nvPicPr>
+        <p:blipFill>
+          <a:blip r:embed="rId3" cstate="print"/>
+          <a:srcRect/>
+          <a:stretch>
+            <a:fillRect/>
+          </a:stretch>
+        </p:blipFill>
+        <p:spPr bwMode="auto">
+          <a:xfrm>
+            <a:off x="4392240" y="1338014"/>
+            <a:ext cx="5153025" cy="2009775"/>
+          </a:xfrm>
+          <a:prstGeom prst="rect">
+            <a:avLst/>
+          </a:prstGeom>
+          <a:noFill/>
+        </p:spPr>
+      </p:pic>
       <p:sp>
         <p:nvSpPr>
           <p:cNvPr id="13313" name="Text Box 1"/>
@@ -17088,24 +18434,14 @@
               </a:tabLst>
             </a:pPr>
             <a:r>
-              <a:rPr lang="en-US" sz="2800" b="1" dirty="0" err="1" smtClean="0">
+              <a:rPr lang="el-GR" sz="2800" b="1" dirty="0" smtClean="0">
                 <a:solidFill>
                   <a:srgbClr val="000000"/>
                 </a:solidFill>
                 <a:ea typeface="Noto Sans CJK SC" charset="0"/>
                 <a:cs typeface="Noto Sans CJK SC" charset="0"/>
               </a:rPr>
-              <a:t>Songkick</a:t>
-            </a:r>
-            <a:r>
-              <a:rPr lang="en-US" sz="2800" b="1" dirty="0" smtClean="0">
-                <a:solidFill>
-                  <a:srgbClr val="000000"/>
-                </a:solidFill>
-                <a:ea typeface="Noto Sans CJK SC" charset="0"/>
-                <a:cs typeface="Noto Sans CJK SC" charset="0"/>
-              </a:rPr>
-              <a:t> API</a:t>
+              <a:t>Βάση Δεδομένων</a:t>
             </a:r>
             <a:endParaRPr lang="en-US" sz="2800" b="1" dirty="0">
               <a:solidFill>
@@ -17397,14 +18733,14 @@
       </p:sp>
       <p:sp>
         <p:nvSpPr>
-          <p:cNvPr id="8" name="7 - TextBox"/>
+          <p:cNvPr id="7" name="6 - TextBox"/>
           <p:cNvSpPr txBox="1"/>
           <p:nvPr/>
         </p:nvSpPr>
         <p:spPr>
           <a:xfrm>
             <a:off x="504000" y="1332000"/>
-            <a:ext cx="9072816" cy="5078313"/>
+            <a:ext cx="9072816" cy="5632311"/>
           </a:xfrm>
           <a:prstGeom prst="rect">
             <a:avLst/>
@@ -17430,16 +18766,27 @@
                   <a:schemeClr val="tx1"/>
                 </a:solidFill>
               </a:rPr>
-              <a:t> Δόθηκε εκπαιδευτικό κλειδί διάρκειας 3 μηνών</a:t>
-            </a:r>
-            <a:endParaRPr lang="en-US" dirty="0" smtClean="0">
-              <a:solidFill>
-                <a:schemeClr val="tx1"/>
-              </a:solidFill>
-            </a:endParaRPr>
-          </a:p>
-          <a:p>
-            <a:pPr>
+              <a:t> </a:t>
+            </a:r>
+            <a:r>
+              <a:rPr lang="el-GR" dirty="0" smtClean="0">
+                <a:solidFill>
+                  <a:schemeClr val="tx1"/>
+                </a:solidFill>
+              </a:rPr>
+              <a:t>Πίνακες </a:t>
+            </a:r>
+            <a:r>
+              <a:rPr lang="en-US" dirty="0" smtClean="0">
+                <a:solidFill>
+                  <a:schemeClr val="tx1"/>
+                </a:solidFill>
+              </a:rPr>
+              <a:t>users &amp; favorites</a:t>
+            </a:r>
+          </a:p>
+          <a:p>
+            <a:pPr lvl="1">
               <a:lnSpc>
                 <a:spcPct val="200000"/>
               </a:lnSpc>
@@ -17447,20 +18794,12 @@
               <a:buChar char="•"/>
             </a:pPr>
             <a:r>
-              <a:rPr lang="el-GR" dirty="0" smtClean="0">
-                <a:solidFill>
-                  <a:schemeClr val="tx1"/>
-                </a:solidFill>
-              </a:rPr>
-              <a:t> Επιστρέφει </a:t>
-            </a:r>
-            <a:r>
-              <a:rPr lang="en-US" dirty="0" err="1" smtClean="0">
-                <a:solidFill>
-                  <a:schemeClr val="tx1"/>
-                </a:solidFill>
-              </a:rPr>
-              <a:t>Json</a:t>
+              <a:rPr lang="en-US" dirty="0" smtClean="0">
+                <a:solidFill>
+                  <a:schemeClr val="tx1"/>
+                </a:solidFill>
+              </a:rPr>
+              <a:t>users</a:t>
             </a:r>
             <a:endParaRPr lang="el-GR" dirty="0" smtClean="0">
               <a:solidFill>
@@ -17469,7 +18808,7 @@
             </a:endParaRPr>
           </a:p>
           <a:p>
-            <a:pPr>
+            <a:pPr lvl="2">
               <a:lnSpc>
                 <a:spcPct val="200000"/>
               </a:lnSpc>
@@ -17477,28 +18816,20 @@
               <a:buChar char="•"/>
             </a:pPr>
             <a:r>
+              <a:rPr lang="en-US" dirty="0" smtClean="0">
+                <a:solidFill>
+                  <a:schemeClr val="tx1"/>
+                </a:solidFill>
+              </a:rPr>
+              <a:t>email</a:t>
+            </a:r>
+            <a:r>
               <a:rPr lang="el-GR" dirty="0" smtClean="0">
                 <a:solidFill>
                   <a:schemeClr val="tx1"/>
                 </a:solidFill>
               </a:rPr>
-              <a:t>Το </a:t>
-            </a:r>
-            <a:r>
-              <a:rPr lang="en-US" dirty="0" smtClean="0">
-                <a:solidFill>
-                  <a:schemeClr val="tx1"/>
-                </a:solidFill>
-              </a:rPr>
-              <a:t>API </a:t>
-            </a:r>
-            <a:r>
-              <a:rPr lang="el-GR" dirty="0" smtClean="0">
-                <a:solidFill>
-                  <a:schemeClr val="tx1"/>
-                </a:solidFill>
-              </a:rPr>
-              <a:t>υποστηρίζει τα παρακάτω αντικείμενα:</a:t>
+              <a:t> κλειδί</a:t>
             </a:r>
             <a:endParaRPr lang="en-US" dirty="0" smtClean="0">
               <a:solidFill>
@@ -17507,20 +18838,20 @@
             </a:endParaRPr>
           </a:p>
           <a:p>
-            <a:pPr marL="800100" lvl="1" indent="-342900">
+            <a:pPr lvl="2">
               <a:lnSpc>
                 <a:spcPct val="200000"/>
               </a:lnSpc>
-              <a:buFont typeface="+mj-lt"/>
-              <a:buAutoNum type="alphaLcParenR"/>
+              <a:buFont typeface="Arial" pitchFamily="34" charset="0"/>
+              <a:buChar char="•"/>
             </a:pPr>
             <a:r>
-              <a:rPr lang="el-GR" dirty="0" err="1" smtClean="0">
-                <a:solidFill>
-                  <a:schemeClr val="tx1"/>
-                </a:solidFill>
-              </a:rPr>
-              <a:t>Event</a:t>
+              <a:rPr lang="en-US" dirty="0" smtClean="0">
+                <a:solidFill>
+                  <a:schemeClr val="tx1"/>
+                </a:solidFill>
+              </a:rPr>
+              <a:t>active </a:t>
             </a:r>
             <a:r>
               <a:rPr lang="el-GR" dirty="0" smtClean="0">
@@ -17528,40 +18859,24 @@
                   <a:schemeClr val="tx1"/>
                 </a:solidFill>
               </a:rPr>
-              <a:t> </a:t>
-            </a:r>
-            <a:r>
-              <a:rPr lang="el-GR" dirty="0" err="1" smtClean="0">
-                <a:solidFill>
-                  <a:schemeClr val="tx1"/>
-                </a:solidFill>
-              </a:rPr>
-              <a:t>object</a:t>
-            </a:r>
-            <a:r>
-              <a:rPr lang="el-GR" dirty="0" smtClean="0">
-                <a:solidFill>
-                  <a:schemeClr val="tx1"/>
-                </a:solidFill>
-              </a:rPr>
-              <a:t> (Περιγραφή της εκδήλωσης)</a:t>
-            </a:r>
-          </a:p>
-          <a:p>
-            <a:pPr marL="800100" lvl="1" indent="-342900">
+              <a:t>(ολοκληρώθηκε η εγγραφή)</a:t>
+            </a:r>
+          </a:p>
+          <a:p>
+            <a:pPr lvl="2">
               <a:lnSpc>
                 <a:spcPct val="200000"/>
               </a:lnSpc>
-              <a:buFont typeface="+mj-lt"/>
-              <a:buAutoNum type="alphaLcParenR"/>
+              <a:buFont typeface="Arial" pitchFamily="34" charset="0"/>
+              <a:buChar char="•"/>
             </a:pPr>
             <a:r>
-              <a:rPr lang="el-GR" dirty="0" err="1" smtClean="0">
-                <a:solidFill>
-                  <a:schemeClr val="tx1"/>
-                </a:solidFill>
-              </a:rPr>
-              <a:t>Performance</a:t>
+              <a:rPr lang="en-US" dirty="0" smtClean="0">
+                <a:solidFill>
+                  <a:schemeClr val="tx1"/>
+                </a:solidFill>
+              </a:rPr>
+              <a:t>timestamp </a:t>
             </a:r>
             <a:r>
               <a:rPr lang="el-GR" dirty="0" smtClean="0">
@@ -17569,15 +18884,15 @@
                   <a:schemeClr val="tx1"/>
                 </a:solidFill>
               </a:rPr>
-              <a:t> </a:t>
-            </a:r>
-            <a:r>
-              <a:rPr lang="el-GR" dirty="0" err="1" smtClean="0">
-                <a:solidFill>
-                  <a:schemeClr val="tx1"/>
-                </a:solidFill>
-              </a:rPr>
-              <a:t>object</a:t>
+              <a:t>για αφαίρεση προσωρινών καταχωρήσεων</a:t>
+            </a:r>
+            <a:r>
+              <a:rPr lang="en-US" dirty="0" smtClean="0">
+                <a:solidFill>
+                  <a:schemeClr val="tx1"/>
+                </a:solidFill>
+              </a:rPr>
+              <a:t> (script </a:t>
             </a:r>
             <a:r>
               <a:rPr lang="el-GR" dirty="0" smtClean="0">
@@ -17585,41 +18900,131 @@
                   <a:schemeClr val="tx1"/>
                 </a:solidFill>
               </a:rPr>
-              <a:t> (Περιγραφή της παράστασης)</a:t>
-            </a:r>
-          </a:p>
-          <a:p>
-            <a:pPr marL="800100" lvl="1" indent="-342900">
+              <a:t>από </a:t>
+            </a:r>
+            <a:r>
+              <a:rPr lang="en-US" dirty="0" err="1" smtClean="0">
+                <a:solidFill>
+                  <a:schemeClr val="tx1"/>
+                </a:solidFill>
+              </a:rPr>
+              <a:t>crotab</a:t>
+            </a:r>
+            <a:r>
+              <a:rPr lang="en-US" dirty="0" smtClean="0">
+                <a:solidFill>
+                  <a:schemeClr val="tx1"/>
+                </a:solidFill>
+              </a:rPr>
+              <a:t>)</a:t>
+            </a:r>
+            <a:endParaRPr lang="en-US" dirty="0" smtClean="0">
+              <a:solidFill>
+                <a:schemeClr val="tx1"/>
+              </a:solidFill>
+            </a:endParaRPr>
+          </a:p>
+          <a:p>
+            <a:pPr lvl="1">
               <a:lnSpc>
                 <a:spcPct val="200000"/>
               </a:lnSpc>
-              <a:buFont typeface="+mj-lt"/>
-              <a:buAutoNum type="alphaLcParenR"/>
+              <a:buFont typeface="Arial" pitchFamily="34" charset="0"/>
+              <a:buChar char="•"/>
             </a:pPr>
             <a:r>
-              <a:rPr lang="el-GR" dirty="0" err="1" smtClean="0">
-                <a:solidFill>
-                  <a:schemeClr val="tx1"/>
-                </a:solidFill>
-              </a:rPr>
-              <a:t>Artist</a:t>
-            </a:r>
+              <a:rPr lang="en-US" dirty="0" smtClean="0">
+                <a:solidFill>
+                  <a:schemeClr val="tx1"/>
+                </a:solidFill>
+              </a:rPr>
+              <a:t> </a:t>
+            </a:r>
+            <a:r>
+              <a:rPr lang="en-US" dirty="0" smtClean="0">
+                <a:solidFill>
+                  <a:schemeClr val="tx1"/>
+                </a:solidFill>
+              </a:rPr>
+              <a:t>favorites</a:t>
+            </a:r>
+          </a:p>
+          <a:p>
+            <a:pPr lvl="2">
+              <a:lnSpc>
+                <a:spcPct val="200000"/>
+              </a:lnSpc>
+              <a:buFont typeface="Arial" pitchFamily="34" charset="0"/>
+              <a:buChar char="•"/>
+            </a:pPr>
             <a:r>
               <a:rPr lang="el-GR" dirty="0" smtClean="0">
                 <a:solidFill>
                   <a:schemeClr val="tx1"/>
                 </a:solidFill>
               </a:rPr>
+              <a:t>Οι προτιμήσεις του χρήστη</a:t>
+            </a:r>
+            <a:endParaRPr lang="en-US" dirty="0" smtClean="0">
+              <a:solidFill>
+                <a:schemeClr val="tx1"/>
+              </a:solidFill>
+            </a:endParaRPr>
+          </a:p>
+          <a:p>
+            <a:pPr lvl="2">
+              <a:lnSpc>
+                <a:spcPct val="200000"/>
+              </a:lnSpc>
+              <a:buFont typeface="Arial" pitchFamily="34" charset="0"/>
+              <a:buChar char="•"/>
+            </a:pPr>
+            <a:r>
+              <a:rPr lang="en-US" dirty="0" smtClean="0">
+                <a:solidFill>
+                  <a:schemeClr val="tx1"/>
+                </a:solidFill>
+              </a:rPr>
+              <a:t>email &amp; </a:t>
+            </a:r>
+            <a:r>
+              <a:rPr lang="en-US" dirty="0" err="1" smtClean="0">
+                <a:solidFill>
+                  <a:schemeClr val="tx1"/>
+                </a:solidFill>
+              </a:rPr>
+              <a:t>event_id</a:t>
+            </a:r>
+            <a:r>
+              <a:rPr lang="en-US" dirty="0" smtClean="0">
+                <a:solidFill>
+                  <a:schemeClr val="tx1"/>
+                </a:solidFill>
+              </a:rPr>
               <a:t> </a:t>
             </a:r>
             <a:r>
-              <a:rPr lang="el-GR" dirty="0" err="1" smtClean="0">
-                <a:solidFill>
-                  <a:schemeClr val="tx1"/>
-                </a:solidFill>
-              </a:rPr>
-              <a:t>object</a:t>
-            </a:r>
+              <a:rPr lang="el-GR" dirty="0" smtClean="0">
+                <a:solidFill>
+                  <a:schemeClr val="tx1"/>
+                </a:solidFill>
+              </a:rPr>
+              <a:t>κλειδί</a:t>
+            </a:r>
+            <a:endParaRPr lang="en-US" dirty="0" smtClean="0">
+              <a:solidFill>
+                <a:schemeClr val="tx1"/>
+              </a:solidFill>
+            </a:endParaRPr>
+          </a:p>
+          <a:p>
+            <a:pPr lvl="2">
+              <a:lnSpc>
+                <a:spcPct val="200000"/>
+              </a:lnSpc>
+              <a:buFont typeface="Arial" pitchFamily="34" charset="0"/>
+              <a:buChar char="•"/>
+            </a:pPr>
             <a:endParaRPr lang="el-GR" dirty="0" smtClean="0">
               <a:solidFill>
                 <a:schemeClr val="tx1"/>
@@ -17627,116 +19032,13 @@
             </a:endParaRPr>
           </a:p>
           <a:p>
-            <a:pPr marL="800100" lvl="1" indent="-342900">
+            <a:pPr lvl="2">
               <a:lnSpc>
                 <a:spcPct val="200000"/>
               </a:lnSpc>
-              <a:buFont typeface="+mj-lt"/>
-              <a:buAutoNum type="alphaLcParenR"/>
+              <a:buFont typeface="Arial" pitchFamily="34" charset="0"/>
+              <a:buChar char="•"/>
             </a:pPr>
-            <a:r>
-              <a:rPr lang="el-GR" dirty="0" err="1" smtClean="0">
-                <a:solidFill>
-                  <a:schemeClr val="tx1"/>
-                </a:solidFill>
-              </a:rPr>
-              <a:t>Venue</a:t>
-            </a:r>
-            <a:r>
-              <a:rPr lang="el-GR" dirty="0" smtClean="0">
-                <a:solidFill>
-                  <a:schemeClr val="tx1"/>
-                </a:solidFill>
-              </a:rPr>
-              <a:t> </a:t>
-            </a:r>
-            <a:r>
-              <a:rPr lang="el-GR" dirty="0" err="1" smtClean="0">
-                <a:solidFill>
-                  <a:schemeClr val="tx1"/>
-                </a:solidFill>
-              </a:rPr>
-              <a:t>object</a:t>
-            </a:r>
-            <a:r>
-              <a:rPr lang="el-GR" dirty="0" smtClean="0">
-                <a:solidFill>
-                  <a:schemeClr val="tx1"/>
-                </a:solidFill>
-              </a:rPr>
-              <a:t> (Περιγραφή του χώρου)</a:t>
-            </a:r>
-          </a:p>
-          <a:p>
-            <a:pPr marL="800100" lvl="1" indent="-342900">
-              <a:lnSpc>
-                <a:spcPct val="200000"/>
-              </a:lnSpc>
-              <a:buFont typeface="+mj-lt"/>
-              <a:buAutoNum type="alphaLcParenR"/>
-            </a:pPr>
-            <a:r>
-              <a:rPr lang="el-GR" dirty="0" err="1" smtClean="0">
-                <a:solidFill>
-                  <a:schemeClr val="tx1"/>
-                </a:solidFill>
-              </a:rPr>
-              <a:t>Location</a:t>
-            </a:r>
-            <a:r>
-              <a:rPr lang="el-GR" dirty="0" smtClean="0">
-                <a:solidFill>
-                  <a:schemeClr val="tx1"/>
-                </a:solidFill>
-              </a:rPr>
-              <a:t> </a:t>
-            </a:r>
-            <a:r>
-              <a:rPr lang="el-GR" dirty="0" err="1" smtClean="0">
-                <a:solidFill>
-                  <a:schemeClr val="tx1"/>
-                </a:solidFill>
-              </a:rPr>
-              <a:t>object</a:t>
-            </a:r>
-            <a:endParaRPr lang="el-GR" dirty="0" smtClean="0">
-              <a:solidFill>
-                <a:schemeClr val="tx1"/>
-              </a:solidFill>
-            </a:endParaRPr>
-          </a:p>
-          <a:p>
-            <a:pPr marL="800100" lvl="1" indent="-342900">
-              <a:lnSpc>
-                <a:spcPct val="200000"/>
-              </a:lnSpc>
-              <a:buFont typeface="+mj-lt"/>
-              <a:buAutoNum type="alphaLcParenR"/>
-            </a:pPr>
-            <a:r>
-              <a:rPr lang="el-GR" dirty="0" err="1" smtClean="0">
-                <a:solidFill>
-                  <a:schemeClr val="tx1"/>
-                </a:solidFill>
-              </a:rPr>
-              <a:t>City</a:t>
-            </a:r>
-            <a:r>
-              <a:rPr lang="el-GR" dirty="0" smtClean="0">
-                <a:solidFill>
-                  <a:schemeClr val="tx1"/>
-                </a:solidFill>
-              </a:rPr>
-              <a:t> </a:t>
-            </a:r>
-            <a:r>
-              <a:rPr lang="el-GR" dirty="0" err="1" smtClean="0">
-                <a:solidFill>
-                  <a:schemeClr val="tx1"/>
-                </a:solidFill>
-              </a:rPr>
-              <a:t>object</a:t>
-            </a:r>
             <a:endParaRPr lang="el-GR" dirty="0" smtClean="0">
               <a:solidFill>
                 <a:schemeClr val="tx1"/>
@@ -17864,14 +19166,24 @@
               </a:tabLst>
             </a:pPr>
             <a:r>
-              <a:rPr lang="el-GR" sz="2800" b="1" dirty="0" smtClean="0">
+              <a:rPr lang="en-US" sz="2800" b="1" dirty="0" err="1" smtClean="0">
                 <a:solidFill>
                   <a:srgbClr val="000000"/>
                 </a:solidFill>
                 <a:ea typeface="Noto Sans CJK SC" charset="0"/>
                 <a:cs typeface="Noto Sans CJK SC" charset="0"/>
               </a:rPr>
-              <a:t>Εύρεση Κωδικού Πόλης</a:t>
+              <a:t>Songkick</a:t>
+            </a:r>
+            <a:r>
+              <a:rPr lang="en-US" sz="2800" b="1" dirty="0" smtClean="0">
+                <a:solidFill>
+                  <a:srgbClr val="000000"/>
+                </a:solidFill>
+                <a:ea typeface="Noto Sans CJK SC" charset="0"/>
+                <a:cs typeface="Noto Sans CJK SC" charset="0"/>
+              </a:rPr>
+              <a:t> API</a:t>
             </a:r>
             <a:endParaRPr lang="en-US" sz="2800" b="1" dirty="0">
               <a:solidFill>
@@ -18169,8 +19481,8 @@
         </p:nvSpPr>
         <p:spPr>
           <a:xfrm>
-            <a:off x="504000" y="1835621"/>
-            <a:ext cx="9072816" cy="3097002"/>
+            <a:off x="504000" y="1332000"/>
+            <a:ext cx="9072816" cy="5078313"/>
           </a:xfrm>
           <a:prstGeom prst="rect">
             <a:avLst/>
@@ -18183,733 +19495,327 @@
           </a:bodyPr>
           <a:lstStyle/>
           <a:p>
-            <a:r>
-              <a:rPr lang="en-US" sz="700" i="1" dirty="0" smtClean="0">
-                <a:solidFill>
-                  <a:schemeClr val="tx1"/>
-                </a:solidFill>
-              </a:rPr>
-              <a:t>{</a:t>
-            </a:r>
-            <a:endParaRPr lang="el-GR" sz="700" dirty="0" smtClean="0">
+            <a:pPr>
+              <a:lnSpc>
+                <a:spcPct val="200000"/>
+              </a:lnSpc>
+              <a:buFont typeface="Arial" pitchFamily="34" charset="0"/>
+              <a:buChar char="•"/>
+            </a:pPr>
+            <a:r>
+              <a:rPr lang="el-GR" dirty="0" smtClean="0">
+                <a:solidFill>
+                  <a:schemeClr val="tx1"/>
+                </a:solidFill>
+              </a:rPr>
+              <a:t> Δόθηκε εκπαιδευτικό κλειδί διάρκειας 3 μηνών</a:t>
+            </a:r>
+            <a:endParaRPr lang="en-US" dirty="0" smtClean="0">
               <a:solidFill>
                 <a:schemeClr val="tx1"/>
               </a:solidFill>
             </a:endParaRPr>
           </a:p>
           <a:p>
-            <a:r>
-              <a:rPr lang="en-US" sz="700" i="1" dirty="0" smtClean="0">
-                <a:solidFill>
-                  <a:schemeClr val="tx1"/>
-                </a:solidFill>
-              </a:rPr>
-              <a:t>    "</a:t>
-            </a:r>
-            <a:r>
-              <a:rPr lang="en-US" sz="700" i="1" dirty="0" err="1" smtClean="0">
-                <a:solidFill>
-                  <a:schemeClr val="tx1"/>
-                </a:solidFill>
-              </a:rPr>
-              <a:t>resultsPage</a:t>
-            </a:r>
-            <a:r>
-              <a:rPr lang="en-US" sz="700" i="1" dirty="0" smtClean="0">
-                <a:solidFill>
-                  <a:schemeClr val="tx1"/>
-                </a:solidFill>
-              </a:rPr>
-              <a:t>": {</a:t>
-            </a:r>
-            <a:endParaRPr lang="el-GR" sz="700" dirty="0" smtClean="0">
+            <a:pPr>
+              <a:lnSpc>
+                <a:spcPct val="200000"/>
+              </a:lnSpc>
+              <a:buFont typeface="Arial" pitchFamily="34" charset="0"/>
+              <a:buChar char="•"/>
+            </a:pPr>
+            <a:r>
+              <a:rPr lang="el-GR" dirty="0" smtClean="0">
+                <a:solidFill>
+                  <a:schemeClr val="tx1"/>
+                </a:solidFill>
+              </a:rPr>
+              <a:t> Επιστρέφει </a:t>
+            </a:r>
+            <a:r>
+              <a:rPr lang="en-US" dirty="0" err="1" smtClean="0">
+                <a:solidFill>
+                  <a:schemeClr val="tx1"/>
+                </a:solidFill>
+              </a:rPr>
+              <a:t>Json</a:t>
+            </a:r>
+            <a:endParaRPr lang="el-GR" dirty="0" smtClean="0">
               <a:solidFill>
                 <a:schemeClr val="tx1"/>
               </a:solidFill>
             </a:endParaRPr>
           </a:p>
           <a:p>
-            <a:r>
-              <a:rPr lang="en-US" sz="700" i="1" dirty="0" smtClean="0">
-                <a:solidFill>
-                  <a:schemeClr val="tx1"/>
-                </a:solidFill>
-              </a:rPr>
-              <a:t>        "status": "ok",</a:t>
-            </a:r>
-            <a:endParaRPr lang="el-GR" sz="700" dirty="0" smtClean="0">
+            <a:pPr>
+              <a:lnSpc>
+                <a:spcPct val="200000"/>
+              </a:lnSpc>
+              <a:buFont typeface="Arial" pitchFamily="34" charset="0"/>
+              <a:buChar char="•"/>
+            </a:pPr>
+            <a:r>
+              <a:rPr lang="el-GR" dirty="0" smtClean="0">
+                <a:solidFill>
+                  <a:schemeClr val="tx1"/>
+                </a:solidFill>
+              </a:rPr>
+              <a:t>Το </a:t>
+            </a:r>
+            <a:r>
+              <a:rPr lang="en-US" dirty="0" smtClean="0">
+                <a:solidFill>
+                  <a:schemeClr val="tx1"/>
+                </a:solidFill>
+              </a:rPr>
+              <a:t>API </a:t>
+            </a:r>
+            <a:r>
+              <a:rPr lang="el-GR" dirty="0" smtClean="0">
+                <a:solidFill>
+                  <a:schemeClr val="tx1"/>
+                </a:solidFill>
+              </a:rPr>
+              <a:t>υποστηρίζει τα παρακάτω αντικείμενα:</a:t>
+            </a:r>
+            <a:endParaRPr lang="en-US" dirty="0" smtClean="0">
               <a:solidFill>
                 <a:schemeClr val="tx1"/>
               </a:solidFill>
             </a:endParaRPr>
           </a:p>
           <a:p>
-            <a:r>
-              <a:rPr lang="en-US" sz="700" i="1" dirty="0" smtClean="0">
-                <a:solidFill>
-                  <a:schemeClr val="tx1"/>
-                </a:solidFill>
-              </a:rPr>
-              <a:t>        "results": {</a:t>
-            </a:r>
-            <a:endParaRPr lang="el-GR" sz="700" dirty="0" smtClean="0">
+            <a:pPr marL="800100" lvl="1" indent="-342900">
+              <a:lnSpc>
+                <a:spcPct val="200000"/>
+              </a:lnSpc>
+              <a:buFont typeface="+mj-lt"/>
+              <a:buAutoNum type="alphaLcParenR"/>
+            </a:pPr>
+            <a:r>
+              <a:rPr lang="el-GR" dirty="0" err="1" smtClean="0">
+                <a:solidFill>
+                  <a:schemeClr val="tx1"/>
+                </a:solidFill>
+              </a:rPr>
+              <a:t>Event</a:t>
+            </a:r>
+            <a:r>
+              <a:rPr lang="el-GR" dirty="0" smtClean="0">
+                <a:solidFill>
+                  <a:schemeClr val="tx1"/>
+                </a:solidFill>
+              </a:rPr>
+              <a:t> </a:t>
+            </a:r>
+            <a:r>
+              <a:rPr lang="el-GR" dirty="0" err="1" smtClean="0">
+                <a:solidFill>
+                  <a:schemeClr val="tx1"/>
+                </a:solidFill>
+              </a:rPr>
+              <a:t>object</a:t>
+            </a:r>
+            <a:r>
+              <a:rPr lang="el-GR" dirty="0" smtClean="0">
+                <a:solidFill>
+                  <a:schemeClr val="tx1"/>
+                </a:solidFill>
+              </a:rPr>
+              <a:t> (Περιγραφή της εκδήλωσης)</a:t>
+            </a:r>
+          </a:p>
+          <a:p>
+            <a:pPr marL="800100" lvl="1" indent="-342900">
+              <a:lnSpc>
+                <a:spcPct val="200000"/>
+              </a:lnSpc>
+              <a:buFont typeface="+mj-lt"/>
+              <a:buAutoNum type="alphaLcParenR"/>
+            </a:pPr>
+            <a:r>
+              <a:rPr lang="el-GR" dirty="0" err="1" smtClean="0">
+                <a:solidFill>
+                  <a:schemeClr val="tx1"/>
+                </a:solidFill>
+              </a:rPr>
+              <a:t>Performance</a:t>
+            </a:r>
+            <a:r>
+              <a:rPr lang="el-GR" dirty="0" smtClean="0">
+                <a:solidFill>
+                  <a:schemeClr val="tx1"/>
+                </a:solidFill>
+              </a:rPr>
+              <a:t> </a:t>
+            </a:r>
+            <a:r>
+              <a:rPr lang="el-GR" dirty="0" err="1" smtClean="0">
+                <a:solidFill>
+                  <a:schemeClr val="tx1"/>
+                </a:solidFill>
+              </a:rPr>
+              <a:t>object</a:t>
+            </a:r>
+            <a:r>
+              <a:rPr lang="el-GR" dirty="0" smtClean="0">
+                <a:solidFill>
+                  <a:schemeClr val="tx1"/>
+                </a:solidFill>
+              </a:rPr>
+              <a:t> (Περιγραφή της παράστασης)</a:t>
+            </a:r>
+          </a:p>
+          <a:p>
+            <a:pPr marL="800100" lvl="1" indent="-342900">
+              <a:lnSpc>
+                <a:spcPct val="200000"/>
+              </a:lnSpc>
+              <a:buFont typeface="+mj-lt"/>
+              <a:buAutoNum type="alphaLcParenR"/>
+            </a:pPr>
+            <a:r>
+              <a:rPr lang="el-GR" dirty="0" err="1" smtClean="0">
+                <a:solidFill>
+                  <a:schemeClr val="tx1"/>
+                </a:solidFill>
+              </a:rPr>
+              <a:t>Artist</a:t>
+            </a:r>
+            <a:r>
+              <a:rPr lang="el-GR" dirty="0" smtClean="0">
+                <a:solidFill>
+                  <a:schemeClr val="tx1"/>
+                </a:solidFill>
+              </a:rPr>
+              <a:t> </a:t>
+            </a:r>
+            <a:r>
+              <a:rPr lang="el-GR" dirty="0" err="1" smtClean="0">
+                <a:solidFill>
+                  <a:schemeClr val="tx1"/>
+                </a:solidFill>
+              </a:rPr>
+              <a:t>object</a:t>
+            </a:r>
+            <a:endParaRPr lang="el-GR" dirty="0" smtClean="0">
               <a:solidFill>
                 <a:schemeClr val="tx1"/>
               </a:solidFill>
             </a:endParaRPr>
           </a:p>
           <a:p>
-            <a:r>
-              <a:rPr lang="en-US" sz="700" i="1" dirty="0" smtClean="0">
-                <a:solidFill>
-                  <a:schemeClr val="tx1"/>
-                </a:solidFill>
-              </a:rPr>
-              <a:t>            "location": [{</a:t>
-            </a:r>
-            <a:endParaRPr lang="el-GR" sz="700" dirty="0" smtClean="0">
+            <a:pPr marL="800100" lvl="1" indent="-342900">
+              <a:lnSpc>
+                <a:spcPct val="200000"/>
+              </a:lnSpc>
+              <a:buFont typeface="+mj-lt"/>
+              <a:buAutoNum type="alphaLcParenR"/>
+            </a:pPr>
+            <a:r>
+              <a:rPr lang="el-GR" dirty="0" err="1" smtClean="0">
+                <a:solidFill>
+                  <a:schemeClr val="tx1"/>
+                </a:solidFill>
+              </a:rPr>
+              <a:t>Venue</a:t>
+            </a:r>
+            <a:r>
+              <a:rPr lang="el-GR" dirty="0" smtClean="0">
+                <a:solidFill>
+                  <a:schemeClr val="tx1"/>
+                </a:solidFill>
+              </a:rPr>
+              <a:t> </a:t>
+            </a:r>
+            <a:r>
+              <a:rPr lang="el-GR" dirty="0" err="1" smtClean="0">
+                <a:solidFill>
+                  <a:schemeClr val="tx1"/>
+                </a:solidFill>
+              </a:rPr>
+              <a:t>object</a:t>
+            </a:r>
+            <a:r>
+              <a:rPr lang="el-GR" dirty="0" smtClean="0">
+                <a:solidFill>
+                  <a:schemeClr val="tx1"/>
+                </a:solidFill>
+              </a:rPr>
+              <a:t> (Περιγραφή του χώρου)</a:t>
+            </a:r>
+          </a:p>
+          <a:p>
+            <a:pPr marL="800100" lvl="1" indent="-342900">
+              <a:lnSpc>
+                <a:spcPct val="200000"/>
+              </a:lnSpc>
+              <a:buFont typeface="+mj-lt"/>
+              <a:buAutoNum type="alphaLcParenR"/>
+            </a:pPr>
+            <a:r>
+              <a:rPr lang="el-GR" dirty="0" err="1" smtClean="0">
+                <a:solidFill>
+                  <a:schemeClr val="tx1"/>
+                </a:solidFill>
+              </a:rPr>
+              <a:t>Location</a:t>
+            </a:r>
+            <a:r>
+              <a:rPr lang="el-GR" dirty="0" smtClean="0">
+                <a:solidFill>
+                  <a:schemeClr val="tx1"/>
+                </a:solidFill>
+              </a:rPr>
+              <a:t> </a:t>
+            </a:r>
+            <a:r>
+              <a:rPr lang="el-GR" dirty="0" err="1" smtClean="0">
+                <a:solidFill>
+                  <a:schemeClr val="tx1"/>
+                </a:solidFill>
+              </a:rPr>
+              <a:t>object</a:t>
+            </a:r>
+            <a:endParaRPr lang="el-GR" dirty="0" smtClean="0">
               <a:solidFill>
                 <a:schemeClr val="tx1"/>
               </a:solidFill>
             </a:endParaRPr>
           </a:p>
           <a:p>
-            <a:r>
-              <a:rPr lang="en-US" sz="700" i="1" dirty="0" smtClean="0">
-                <a:solidFill>
-                  <a:schemeClr val="tx1"/>
-                </a:solidFill>
-              </a:rPr>
-              <a:t>                    "</a:t>
-            </a:r>
-            <a:r>
-              <a:rPr lang="en-US" sz="700" i="1" dirty="0" err="1" smtClean="0">
-                <a:solidFill>
-                  <a:schemeClr val="tx1"/>
-                </a:solidFill>
-              </a:rPr>
-              <a:t>metroArea</a:t>
-            </a:r>
-            <a:r>
-              <a:rPr lang="en-US" sz="700" i="1" dirty="0" smtClean="0">
-                <a:solidFill>
-                  <a:schemeClr val="tx1"/>
-                </a:solidFill>
-              </a:rPr>
-              <a:t>": {</a:t>
-            </a:r>
-            <a:endParaRPr lang="el-GR" sz="700" dirty="0" smtClean="0">
-              <a:solidFill>
-                <a:schemeClr val="tx1"/>
-              </a:solidFill>
-            </a:endParaRPr>
-          </a:p>
-          <a:p>
-            <a:r>
-              <a:rPr lang="en-US" sz="700" i="1" dirty="0" smtClean="0">
-                <a:solidFill>
-                  <a:schemeClr val="tx1"/>
-                </a:solidFill>
-              </a:rPr>
-              <a:t>                        "lat": 40.6403,</a:t>
-            </a:r>
-            <a:endParaRPr lang="el-GR" sz="700" dirty="0" smtClean="0">
-              <a:solidFill>
-                <a:schemeClr val="tx1"/>
-              </a:solidFill>
-            </a:endParaRPr>
-          </a:p>
-          <a:p>
-            <a:r>
-              <a:rPr lang="en-US" sz="700" i="1" dirty="0" smtClean="0">
-                <a:solidFill>
-                  <a:schemeClr val="tx1"/>
-                </a:solidFill>
-              </a:rPr>
-              <a:t>                        "</a:t>
-            </a:r>
-            <a:r>
-              <a:rPr lang="en-US" sz="700" i="1" dirty="0" err="1" smtClean="0">
-                <a:solidFill>
-                  <a:schemeClr val="tx1"/>
-                </a:solidFill>
-              </a:rPr>
-              <a:t>lng</a:t>
-            </a:r>
-            <a:r>
-              <a:rPr lang="en-US" sz="700" i="1" dirty="0" smtClean="0">
-                <a:solidFill>
-                  <a:schemeClr val="tx1"/>
-                </a:solidFill>
-              </a:rPr>
-              <a:t>": 22.9439,</a:t>
-            </a:r>
-            <a:endParaRPr lang="el-GR" sz="700" dirty="0" smtClean="0">
-              <a:solidFill>
-                <a:schemeClr val="tx1"/>
-              </a:solidFill>
-            </a:endParaRPr>
-          </a:p>
-          <a:p>
-            <a:r>
-              <a:rPr lang="en-US" sz="700" i="1" dirty="0" smtClean="0">
-                <a:solidFill>
-                  <a:schemeClr val="tx1"/>
-                </a:solidFill>
-              </a:rPr>
-              <a:t>                        "country": {</a:t>
-            </a:r>
-            <a:endParaRPr lang="el-GR" sz="700" dirty="0" smtClean="0">
-              <a:solidFill>
-                <a:schemeClr val="tx1"/>
-              </a:solidFill>
-            </a:endParaRPr>
-          </a:p>
-          <a:p>
-            <a:r>
-              <a:rPr lang="en-US" sz="700" i="1" dirty="0" smtClean="0">
-                <a:solidFill>
-                  <a:schemeClr val="tx1"/>
-                </a:solidFill>
-              </a:rPr>
-              <a:t>                            "</a:t>
-            </a:r>
-            <a:r>
-              <a:rPr lang="en-US" sz="700" i="1" dirty="0" err="1" smtClean="0">
-                <a:solidFill>
-                  <a:schemeClr val="tx1"/>
-                </a:solidFill>
-              </a:rPr>
-              <a:t>displayName</a:t>
-            </a:r>
-            <a:r>
-              <a:rPr lang="en-US" sz="700" i="1" dirty="0" smtClean="0">
-                <a:solidFill>
-                  <a:schemeClr val="tx1"/>
-                </a:solidFill>
-              </a:rPr>
-              <a:t>": "Greece"</a:t>
-            </a:r>
-            <a:endParaRPr lang="el-GR" sz="700" dirty="0" smtClean="0">
-              <a:solidFill>
-                <a:schemeClr val="tx1"/>
-              </a:solidFill>
-            </a:endParaRPr>
-          </a:p>
-          <a:p>
-            <a:r>
-              <a:rPr lang="en-US" sz="700" i="1" dirty="0" smtClean="0">
-                <a:solidFill>
-                  <a:schemeClr val="tx1"/>
-                </a:solidFill>
-              </a:rPr>
-              <a:t>                        },</a:t>
-            </a:r>
-            <a:endParaRPr lang="el-GR" sz="700" dirty="0" smtClean="0">
-              <a:solidFill>
-                <a:schemeClr val="tx1"/>
-              </a:solidFill>
-            </a:endParaRPr>
-          </a:p>
-          <a:p>
-            <a:r>
-              <a:rPr lang="en-US" sz="700" i="1" dirty="0" smtClean="0">
-                <a:solidFill>
-                  <a:schemeClr val="tx1"/>
-                </a:solidFill>
-              </a:rPr>
-              <a:t>                        "</a:t>
-            </a:r>
-            <a:r>
-              <a:rPr lang="en-US" sz="700" i="1" dirty="0" err="1" smtClean="0">
-                <a:solidFill>
-                  <a:schemeClr val="tx1"/>
-                </a:solidFill>
-              </a:rPr>
-              <a:t>displayName</a:t>
-            </a:r>
-            <a:r>
-              <a:rPr lang="en-US" sz="700" i="1" dirty="0" smtClean="0">
-                <a:solidFill>
-                  <a:schemeClr val="tx1"/>
-                </a:solidFill>
-              </a:rPr>
-              <a:t>": "</a:t>
-            </a:r>
-            <a:r>
-              <a:rPr lang="en-US" sz="700" i="1" dirty="0" err="1" smtClean="0">
-                <a:solidFill>
-                  <a:schemeClr val="tx1"/>
-                </a:solidFill>
-              </a:rPr>
-              <a:t>Thessaloníki</a:t>
-            </a:r>
-            <a:r>
-              <a:rPr lang="en-US" sz="700" i="1" dirty="0" smtClean="0">
-                <a:solidFill>
-                  <a:schemeClr val="tx1"/>
-                </a:solidFill>
-              </a:rPr>
-              <a:t>",</a:t>
-            </a:r>
-            <a:endParaRPr lang="el-GR" sz="700" dirty="0" smtClean="0">
-              <a:solidFill>
-                <a:schemeClr val="tx1"/>
-              </a:solidFill>
-            </a:endParaRPr>
-          </a:p>
-          <a:p>
-            <a:r>
-              <a:rPr lang="en-US" sz="700" i="1" dirty="0" smtClean="0">
-                <a:solidFill>
-                  <a:schemeClr val="tx1"/>
-                </a:solidFill>
-              </a:rPr>
-              <a:t>                        "</a:t>
-            </a:r>
-            <a:r>
-              <a:rPr lang="en-US" sz="700" i="1" dirty="0" err="1" smtClean="0">
-                <a:solidFill>
-                  <a:schemeClr val="tx1"/>
-                </a:solidFill>
-              </a:rPr>
-              <a:t>uri</a:t>
-            </a:r>
-            <a:r>
-              <a:rPr lang="en-US" sz="700" i="1" dirty="0" smtClean="0">
-                <a:solidFill>
-                  <a:schemeClr val="tx1"/>
-                </a:solidFill>
-              </a:rPr>
-              <a:t>": "http://www.songkick.com/metro_areas/28999-greece-thessaloniki?utm_source=59402&amp;utm_medium=partner",</a:t>
-            </a:r>
-            <a:endParaRPr lang="el-GR" sz="700" dirty="0" smtClean="0">
-              <a:solidFill>
-                <a:schemeClr val="tx1"/>
-              </a:solidFill>
-            </a:endParaRPr>
-          </a:p>
-          <a:p>
-            <a:r>
-              <a:rPr lang="en-US" sz="700" i="1" dirty="0" smtClean="0">
-                <a:solidFill>
-                  <a:schemeClr val="tx1"/>
-                </a:solidFill>
-              </a:rPr>
-              <a:t>                        "id": 28999</a:t>
-            </a:r>
-            <a:endParaRPr lang="el-GR" sz="700" dirty="0" smtClean="0">
-              <a:solidFill>
-                <a:schemeClr val="tx1"/>
-              </a:solidFill>
-            </a:endParaRPr>
-          </a:p>
-          <a:p>
-            <a:r>
-              <a:rPr lang="en-US" sz="700" i="1" dirty="0" smtClean="0">
-                <a:solidFill>
-                  <a:schemeClr val="tx1"/>
-                </a:solidFill>
-              </a:rPr>
-              <a:t>                    },</a:t>
-            </a:r>
-            <a:endParaRPr lang="el-GR" sz="700" dirty="0" smtClean="0">
-              <a:solidFill>
-                <a:schemeClr val="tx1"/>
-              </a:solidFill>
-            </a:endParaRPr>
-          </a:p>
-          <a:p>
-            <a:r>
-              <a:rPr lang="en-US" sz="700" i="1" dirty="0" smtClean="0">
-                <a:solidFill>
-                  <a:schemeClr val="tx1"/>
-                </a:solidFill>
-              </a:rPr>
-              <a:t>                    "city": {</a:t>
-            </a:r>
-            <a:endParaRPr lang="el-GR" sz="700" dirty="0" smtClean="0">
-              <a:solidFill>
-                <a:schemeClr val="tx1"/>
-              </a:solidFill>
-            </a:endParaRPr>
-          </a:p>
-          <a:p>
-            <a:r>
-              <a:rPr lang="en-US" sz="700" i="1" dirty="0" smtClean="0">
-                <a:solidFill>
-                  <a:schemeClr val="tx1"/>
-                </a:solidFill>
-              </a:rPr>
-              <a:t>                        "lat": 40.6403,</a:t>
-            </a:r>
-            <a:endParaRPr lang="el-GR" sz="700" dirty="0" smtClean="0">
-              <a:solidFill>
-                <a:schemeClr val="tx1"/>
-              </a:solidFill>
-            </a:endParaRPr>
-          </a:p>
-          <a:p>
-            <a:r>
-              <a:rPr lang="en-US" sz="700" i="1" dirty="0" smtClean="0">
-                <a:solidFill>
-                  <a:schemeClr val="tx1"/>
-                </a:solidFill>
-              </a:rPr>
-              <a:t>                        "</a:t>
-            </a:r>
-            <a:r>
-              <a:rPr lang="en-US" sz="700" i="1" dirty="0" err="1" smtClean="0">
-                <a:solidFill>
-                  <a:schemeClr val="tx1"/>
-                </a:solidFill>
-              </a:rPr>
-              <a:t>lng</a:t>
-            </a:r>
-            <a:r>
-              <a:rPr lang="en-US" sz="700" i="1" dirty="0" smtClean="0">
-                <a:solidFill>
-                  <a:schemeClr val="tx1"/>
-                </a:solidFill>
-              </a:rPr>
-              <a:t>": 22.9439,</a:t>
-            </a:r>
-            <a:endParaRPr lang="el-GR" sz="700" dirty="0" smtClean="0">
-              <a:solidFill>
-                <a:schemeClr val="tx1"/>
-              </a:solidFill>
-            </a:endParaRPr>
-          </a:p>
-          <a:p>
-            <a:r>
-              <a:rPr lang="en-US" sz="700" i="1" dirty="0" smtClean="0">
-                <a:solidFill>
-                  <a:schemeClr val="tx1"/>
-                </a:solidFill>
-              </a:rPr>
-              <a:t>                        "country": {</a:t>
-            </a:r>
-            <a:endParaRPr lang="el-GR" sz="700" dirty="0" smtClean="0">
-              <a:solidFill>
-                <a:schemeClr val="tx1"/>
-              </a:solidFill>
-            </a:endParaRPr>
-          </a:p>
-          <a:p>
-            <a:r>
-              <a:rPr lang="en-US" sz="700" i="1" dirty="0" smtClean="0">
-                <a:solidFill>
-                  <a:schemeClr val="tx1"/>
-                </a:solidFill>
-              </a:rPr>
-              <a:t>                            "</a:t>
-            </a:r>
-            <a:r>
-              <a:rPr lang="en-US" sz="700" i="1" dirty="0" err="1" smtClean="0">
-                <a:solidFill>
-                  <a:schemeClr val="tx1"/>
-                </a:solidFill>
-              </a:rPr>
-              <a:t>displayName</a:t>
-            </a:r>
-            <a:r>
-              <a:rPr lang="en-US" sz="700" i="1" dirty="0" smtClean="0">
-                <a:solidFill>
-                  <a:schemeClr val="tx1"/>
-                </a:solidFill>
-              </a:rPr>
-              <a:t>": "Greece"</a:t>
-            </a:r>
-            <a:endParaRPr lang="el-GR" sz="700" dirty="0" smtClean="0">
-              <a:solidFill>
-                <a:schemeClr val="tx1"/>
-              </a:solidFill>
-            </a:endParaRPr>
-          </a:p>
-          <a:p>
-            <a:r>
-              <a:rPr lang="en-US" sz="700" i="1" dirty="0" smtClean="0">
-                <a:solidFill>
-                  <a:schemeClr val="tx1"/>
-                </a:solidFill>
-              </a:rPr>
-              <a:t>                        },</a:t>
-            </a:r>
-            <a:endParaRPr lang="el-GR" sz="700" dirty="0" smtClean="0">
-              <a:solidFill>
-                <a:schemeClr val="tx1"/>
-              </a:solidFill>
-            </a:endParaRPr>
-          </a:p>
-          <a:p>
-            <a:r>
-              <a:rPr lang="en-US" sz="700" i="1" dirty="0" smtClean="0">
-                <a:solidFill>
-                  <a:schemeClr val="tx1"/>
-                </a:solidFill>
-              </a:rPr>
-              <a:t>                        "</a:t>
-            </a:r>
-            <a:r>
-              <a:rPr lang="en-US" sz="700" i="1" dirty="0" err="1" smtClean="0">
-                <a:solidFill>
-                  <a:schemeClr val="tx1"/>
-                </a:solidFill>
-              </a:rPr>
-              <a:t>displayName</a:t>
-            </a:r>
-            <a:r>
-              <a:rPr lang="en-US" sz="700" i="1" dirty="0" smtClean="0">
-                <a:solidFill>
-                  <a:schemeClr val="tx1"/>
-                </a:solidFill>
-              </a:rPr>
-              <a:t>": "</a:t>
-            </a:r>
-            <a:r>
-              <a:rPr lang="en-US" sz="700" i="1" dirty="0" err="1" smtClean="0">
-                <a:solidFill>
-                  <a:schemeClr val="tx1"/>
-                </a:solidFill>
-              </a:rPr>
-              <a:t>Thessaloníki</a:t>
-            </a:r>
-            <a:r>
-              <a:rPr lang="en-US" sz="700" i="1" dirty="0" smtClean="0">
-                <a:solidFill>
-                  <a:schemeClr val="tx1"/>
-                </a:solidFill>
-              </a:rPr>
-              <a:t>"</a:t>
-            </a:r>
-            <a:endParaRPr lang="el-GR" sz="700" dirty="0" smtClean="0">
-              <a:solidFill>
-                <a:schemeClr val="tx1"/>
-              </a:solidFill>
-            </a:endParaRPr>
-          </a:p>
-          <a:p>
-            <a:r>
-              <a:rPr lang="en-US" sz="700" i="1" dirty="0" smtClean="0">
-                <a:solidFill>
-                  <a:schemeClr val="tx1"/>
-                </a:solidFill>
-              </a:rPr>
-              <a:t>                    }</a:t>
-            </a:r>
-            <a:endParaRPr lang="el-GR" sz="700" dirty="0" smtClean="0">
-              <a:solidFill>
-                <a:schemeClr val="tx1"/>
-              </a:solidFill>
-            </a:endParaRPr>
-          </a:p>
-          <a:p>
-            <a:r>
-              <a:rPr lang="en-US" sz="700" i="1" dirty="0" smtClean="0">
-                <a:solidFill>
-                  <a:schemeClr val="tx1"/>
-                </a:solidFill>
-              </a:rPr>
-              <a:t>                }]</a:t>
-            </a:r>
-            <a:endParaRPr lang="el-GR" sz="700" dirty="0" smtClean="0">
-              <a:solidFill>
-                <a:schemeClr val="tx1"/>
-              </a:solidFill>
-            </a:endParaRPr>
-          </a:p>
-          <a:p>
-            <a:r>
-              <a:rPr lang="en-US" sz="700" i="1" dirty="0" smtClean="0">
-                <a:solidFill>
-                  <a:schemeClr val="tx1"/>
-                </a:solidFill>
-              </a:rPr>
-              <a:t>        },</a:t>
-            </a:r>
-            <a:endParaRPr lang="el-GR" sz="700" dirty="0" smtClean="0">
-              <a:solidFill>
-                <a:schemeClr val="tx1"/>
-              </a:solidFill>
-            </a:endParaRPr>
-          </a:p>
-          <a:p>
-            <a:r>
-              <a:rPr lang="en-US" sz="700" i="1" dirty="0" smtClean="0">
-                <a:solidFill>
-                  <a:schemeClr val="tx1"/>
-                </a:solidFill>
-              </a:rPr>
-              <a:t>        "</a:t>
-            </a:r>
-            <a:r>
-              <a:rPr lang="en-US" sz="700" i="1" dirty="0" err="1" smtClean="0">
-                <a:solidFill>
-                  <a:schemeClr val="tx1"/>
-                </a:solidFill>
-              </a:rPr>
-              <a:t>perPage</a:t>
-            </a:r>
-            <a:r>
-              <a:rPr lang="en-US" sz="700" i="1" dirty="0" smtClean="0">
-                <a:solidFill>
-                  <a:schemeClr val="tx1"/>
-                </a:solidFill>
-              </a:rPr>
-              <a:t>": 50,</a:t>
-            </a:r>
-            <a:endParaRPr lang="el-GR" sz="700" dirty="0" smtClean="0">
-              <a:solidFill>
-                <a:schemeClr val="tx1"/>
-              </a:solidFill>
-            </a:endParaRPr>
-          </a:p>
-          <a:p>
-            <a:r>
-              <a:rPr lang="en-US" sz="700" i="1" dirty="0" smtClean="0">
-                <a:solidFill>
-                  <a:schemeClr val="tx1"/>
-                </a:solidFill>
-              </a:rPr>
-              <a:t>        "page": 1,</a:t>
-            </a:r>
-            <a:endParaRPr lang="el-GR" sz="700" dirty="0" smtClean="0">
-              <a:solidFill>
-                <a:schemeClr val="tx1"/>
-              </a:solidFill>
-            </a:endParaRPr>
-          </a:p>
-          <a:p>
-            <a:r>
-              <a:rPr lang="en-US" sz="700" i="1" dirty="0" smtClean="0">
-                <a:solidFill>
-                  <a:schemeClr val="tx1"/>
-                </a:solidFill>
-              </a:rPr>
-              <a:t>        "</a:t>
-            </a:r>
-            <a:r>
-              <a:rPr lang="en-US" sz="700" i="1" dirty="0" err="1" smtClean="0">
-                <a:solidFill>
-                  <a:schemeClr val="tx1"/>
-                </a:solidFill>
-              </a:rPr>
-              <a:t>totalEntries</a:t>
-            </a:r>
-            <a:r>
-              <a:rPr lang="en-US" sz="700" i="1" dirty="0" smtClean="0">
-                <a:solidFill>
-                  <a:schemeClr val="tx1"/>
-                </a:solidFill>
-              </a:rPr>
-              <a:t>": 1</a:t>
-            </a:r>
-            <a:endParaRPr lang="el-GR" sz="700" dirty="0" smtClean="0">
-              <a:solidFill>
-                <a:schemeClr val="tx1"/>
-              </a:solidFill>
-            </a:endParaRPr>
-          </a:p>
-          <a:p>
-            <a:r>
-              <a:rPr lang="en-US" sz="700" i="1" dirty="0" smtClean="0">
-                <a:solidFill>
-                  <a:schemeClr val="tx1"/>
-                </a:solidFill>
-              </a:rPr>
-              <a:t>    }</a:t>
-            </a:r>
-            <a:endParaRPr lang="el-GR" sz="700" dirty="0" smtClean="0">
-              <a:solidFill>
-                <a:schemeClr val="tx1"/>
-              </a:solidFill>
-            </a:endParaRPr>
-          </a:p>
-          <a:p>
-            <a:r>
-              <a:rPr lang="en-US" sz="700" i="1" dirty="0" smtClean="0">
-                <a:solidFill>
-                  <a:schemeClr val="tx1"/>
-                </a:solidFill>
-              </a:rPr>
-              <a:t>}</a:t>
-            </a:r>
-            <a:endParaRPr lang="el-GR" sz="700" dirty="0">
-              <a:solidFill>
-                <a:schemeClr val="tx1"/>
-              </a:solidFill>
-            </a:endParaRPr>
-          </a:p>
-        </p:txBody>
-      </p:sp>
-      <p:sp>
-        <p:nvSpPr>
-          <p:cNvPr id="6" name="5 - TextBox"/>
-          <p:cNvSpPr txBox="1"/>
-          <p:nvPr/>
-        </p:nvSpPr>
-        <p:spPr>
-          <a:xfrm>
-            <a:off x="504000" y="1332000"/>
-            <a:ext cx="9072816" cy="404406"/>
-          </a:xfrm>
-          <a:prstGeom prst="rect">
-            <a:avLst/>
-          </a:prstGeom>
-          <a:noFill/>
-        </p:spPr>
-        <p:txBody>
-          <a:bodyPr wrap="square" rtlCol="0">
-            <a:spAutoFit/>
-          </a:bodyPr>
-          <a:lstStyle/>
-          <a:p>
-            <a:pPr>
+            <a:pPr marL="800100" lvl="1" indent="-342900">
               <a:lnSpc>
                 <a:spcPct val="200000"/>
               </a:lnSpc>
+              <a:buFont typeface="+mj-lt"/>
+              <a:buAutoNum type="alphaLcParenR"/>
             </a:pPr>
             <a:r>
-              <a:rPr lang="en-US" sz="1200" b="1" dirty="0" smtClean="0">
-                <a:solidFill>
-                  <a:schemeClr val="tx1"/>
-                </a:solidFill>
-              </a:rPr>
-              <a:t>https://api.songkick.com/api/3.0/search/locations.json?query={</a:t>
-            </a:r>
-            <a:r>
-              <a:rPr lang="en-US" sz="1200" b="1" dirty="0" smtClean="0">
-                <a:solidFill>
-                  <a:srgbClr val="FF0000"/>
-                </a:solidFill>
-              </a:rPr>
-              <a:t>city_name</a:t>
-            </a:r>
-            <a:r>
-              <a:rPr lang="en-US" sz="1200" b="1" dirty="0" smtClean="0">
-                <a:solidFill>
-                  <a:schemeClr val="tx1"/>
-                </a:solidFill>
-              </a:rPr>
-              <a:t>}&amp;apikey={</a:t>
-            </a:r>
-            <a:r>
-              <a:rPr lang="en-US" sz="1200" b="1" dirty="0" smtClean="0">
-                <a:solidFill>
-                  <a:srgbClr val="FF0000"/>
-                </a:solidFill>
-              </a:rPr>
-              <a:t>your_api_key</a:t>
-            </a:r>
-            <a:r>
-              <a:rPr lang="en-US" sz="1200" b="1" dirty="0" smtClean="0">
-                <a:solidFill>
-                  <a:schemeClr val="tx1"/>
-                </a:solidFill>
-              </a:rPr>
-              <a:t>}</a:t>
-            </a:r>
-            <a:endParaRPr lang="el-GR" sz="1200" b="1" dirty="0" smtClean="0">
+              <a:rPr lang="el-GR" dirty="0" err="1" smtClean="0">
+                <a:solidFill>
+                  <a:schemeClr val="tx1"/>
+                </a:solidFill>
+              </a:rPr>
+              <a:t>City</a:t>
+            </a:r>
+            <a:r>
+              <a:rPr lang="el-GR" dirty="0" smtClean="0">
+                <a:solidFill>
+                  <a:schemeClr val="tx1"/>
+                </a:solidFill>
+              </a:rPr>
+              <a:t> </a:t>
+            </a:r>
+            <a:r>
+              <a:rPr lang="el-GR" dirty="0" err="1" smtClean="0">
+                <a:solidFill>
+                  <a:schemeClr val="tx1"/>
+                </a:solidFill>
+              </a:rPr>
+              <a:t>object</a:t>
+            </a:r>
+            <a:endParaRPr lang="el-GR" dirty="0" smtClean="0">
               <a:solidFill>
                 <a:schemeClr val="tx1"/>
               </a:solidFill>
@@ -19036,14 +19942,14 @@
               </a:tabLst>
             </a:pPr>
             <a:r>
-              <a:rPr lang="en-US" sz="2800" b="1" dirty="0" smtClean="0">
+              <a:rPr lang="el-GR" sz="2800" b="1" dirty="0" smtClean="0">
                 <a:solidFill>
                   <a:srgbClr val="000000"/>
                 </a:solidFill>
                 <a:ea typeface="Noto Sans CJK SC" charset="0"/>
                 <a:cs typeface="Noto Sans CJK SC" charset="0"/>
               </a:rPr>
-              <a:t>Event Object</a:t>
+              <a:t>Εύρεση Κωδικού Πόλης</a:t>
             </a:r>
             <a:endParaRPr lang="en-US" sz="2800" b="1" dirty="0">
               <a:solidFill>
@@ -19321,6 +20227,1178 @@
                 </a:tabLst>
               </a:pPr>
               <a:t>7</a:t>
+            </a:fld>
+            <a:endParaRPr lang="en-US" sz="1500">
+              <a:solidFill>
+                <a:srgbClr val="FFFFFF"/>
+              </a:solidFill>
+              <a:latin typeface="Franklin Gothic Book" pitchFamily="32" charset="0"/>
+              <a:ea typeface="Noto Sans CJK SC" charset="0"/>
+              <a:cs typeface="Noto Sans CJK SC" charset="0"/>
+            </a:endParaRPr>
+          </a:p>
+        </p:txBody>
+      </p:sp>
+      <p:sp>
+        <p:nvSpPr>
+          <p:cNvPr id="8" name="7 - TextBox"/>
+          <p:cNvSpPr txBox="1"/>
+          <p:nvPr/>
+        </p:nvSpPr>
+        <p:spPr>
+          <a:xfrm>
+            <a:off x="504000" y="1835621"/>
+            <a:ext cx="9072816" cy="3097002"/>
+          </a:xfrm>
+          <a:prstGeom prst="rect">
+            <a:avLst/>
+          </a:prstGeom>
+          <a:noFill/>
+        </p:spPr>
+        <p:txBody>
+          <a:bodyPr wrap="square" rtlCol="0">
+            <a:spAutoFit/>
+          </a:bodyPr>
+          <a:lstStyle/>
+          <a:p>
+            <a:r>
+              <a:rPr lang="en-US" sz="700" i="1" dirty="0" smtClean="0">
+                <a:solidFill>
+                  <a:schemeClr val="tx1"/>
+                </a:solidFill>
+              </a:rPr>
+              <a:t>{</a:t>
+            </a:r>
+            <a:endParaRPr lang="el-GR" sz="700" dirty="0" smtClean="0">
+              <a:solidFill>
+                <a:schemeClr val="tx1"/>
+              </a:solidFill>
+            </a:endParaRPr>
+          </a:p>
+          <a:p>
+            <a:r>
+              <a:rPr lang="en-US" sz="700" i="1" dirty="0" smtClean="0">
+                <a:solidFill>
+                  <a:schemeClr val="tx1"/>
+                </a:solidFill>
+              </a:rPr>
+              <a:t>    "</a:t>
+            </a:r>
+            <a:r>
+              <a:rPr lang="en-US" sz="700" i="1" dirty="0" err="1" smtClean="0">
+                <a:solidFill>
+                  <a:schemeClr val="tx1"/>
+                </a:solidFill>
+              </a:rPr>
+              <a:t>resultsPage</a:t>
+            </a:r>
+            <a:r>
+              <a:rPr lang="en-US" sz="700" i="1" dirty="0" smtClean="0">
+                <a:solidFill>
+                  <a:schemeClr val="tx1"/>
+                </a:solidFill>
+              </a:rPr>
+              <a:t>": {</a:t>
+            </a:r>
+            <a:endParaRPr lang="el-GR" sz="700" dirty="0" smtClean="0">
+              <a:solidFill>
+                <a:schemeClr val="tx1"/>
+              </a:solidFill>
+            </a:endParaRPr>
+          </a:p>
+          <a:p>
+            <a:r>
+              <a:rPr lang="en-US" sz="700" i="1" dirty="0" smtClean="0">
+                <a:solidFill>
+                  <a:schemeClr val="tx1"/>
+                </a:solidFill>
+              </a:rPr>
+              <a:t>        "status": "ok",</a:t>
+            </a:r>
+            <a:endParaRPr lang="el-GR" sz="700" dirty="0" smtClean="0">
+              <a:solidFill>
+                <a:schemeClr val="tx1"/>
+              </a:solidFill>
+            </a:endParaRPr>
+          </a:p>
+          <a:p>
+            <a:r>
+              <a:rPr lang="en-US" sz="700" i="1" dirty="0" smtClean="0">
+                <a:solidFill>
+                  <a:schemeClr val="tx1"/>
+                </a:solidFill>
+              </a:rPr>
+              <a:t>        "results": {</a:t>
+            </a:r>
+            <a:endParaRPr lang="el-GR" sz="700" dirty="0" smtClean="0">
+              <a:solidFill>
+                <a:schemeClr val="tx1"/>
+              </a:solidFill>
+            </a:endParaRPr>
+          </a:p>
+          <a:p>
+            <a:r>
+              <a:rPr lang="en-US" sz="700" i="1" dirty="0" smtClean="0">
+                <a:solidFill>
+                  <a:schemeClr val="tx1"/>
+                </a:solidFill>
+              </a:rPr>
+              <a:t>            "location": [{</a:t>
+            </a:r>
+            <a:endParaRPr lang="el-GR" sz="700" dirty="0" smtClean="0">
+              <a:solidFill>
+                <a:schemeClr val="tx1"/>
+              </a:solidFill>
+            </a:endParaRPr>
+          </a:p>
+          <a:p>
+            <a:r>
+              <a:rPr lang="en-US" sz="700" i="1" dirty="0" smtClean="0">
+                <a:solidFill>
+                  <a:schemeClr val="tx1"/>
+                </a:solidFill>
+              </a:rPr>
+              <a:t>                    "</a:t>
+            </a:r>
+            <a:r>
+              <a:rPr lang="en-US" sz="700" i="1" dirty="0" err="1" smtClean="0">
+                <a:solidFill>
+                  <a:schemeClr val="tx1"/>
+                </a:solidFill>
+              </a:rPr>
+              <a:t>metroArea</a:t>
+            </a:r>
+            <a:r>
+              <a:rPr lang="en-US" sz="700" i="1" dirty="0" smtClean="0">
+                <a:solidFill>
+                  <a:schemeClr val="tx1"/>
+                </a:solidFill>
+              </a:rPr>
+              <a:t>": {</a:t>
+            </a:r>
+            <a:endParaRPr lang="el-GR" sz="700" dirty="0" smtClean="0">
+              <a:solidFill>
+                <a:schemeClr val="tx1"/>
+              </a:solidFill>
+            </a:endParaRPr>
+          </a:p>
+          <a:p>
+            <a:r>
+              <a:rPr lang="en-US" sz="700" i="1" dirty="0" smtClean="0">
+                <a:solidFill>
+                  <a:schemeClr val="tx1"/>
+                </a:solidFill>
+              </a:rPr>
+              <a:t>                        "lat": 40.6403,</a:t>
+            </a:r>
+            <a:endParaRPr lang="el-GR" sz="700" dirty="0" smtClean="0">
+              <a:solidFill>
+                <a:schemeClr val="tx1"/>
+              </a:solidFill>
+            </a:endParaRPr>
+          </a:p>
+          <a:p>
+            <a:r>
+              <a:rPr lang="en-US" sz="700" i="1" dirty="0" smtClean="0">
+                <a:solidFill>
+                  <a:schemeClr val="tx1"/>
+                </a:solidFill>
+              </a:rPr>
+              <a:t>                        "</a:t>
+            </a:r>
+            <a:r>
+              <a:rPr lang="en-US" sz="700" i="1" dirty="0" err="1" smtClean="0">
+                <a:solidFill>
+                  <a:schemeClr val="tx1"/>
+                </a:solidFill>
+              </a:rPr>
+              <a:t>lng</a:t>
+            </a:r>
+            <a:r>
+              <a:rPr lang="en-US" sz="700" i="1" dirty="0" smtClean="0">
+                <a:solidFill>
+                  <a:schemeClr val="tx1"/>
+                </a:solidFill>
+              </a:rPr>
+              <a:t>": 22.9439,</a:t>
+            </a:r>
+            <a:endParaRPr lang="el-GR" sz="700" dirty="0" smtClean="0">
+              <a:solidFill>
+                <a:schemeClr val="tx1"/>
+              </a:solidFill>
+            </a:endParaRPr>
+          </a:p>
+          <a:p>
+            <a:r>
+              <a:rPr lang="en-US" sz="700" i="1" dirty="0" smtClean="0">
+                <a:solidFill>
+                  <a:schemeClr val="tx1"/>
+                </a:solidFill>
+              </a:rPr>
+              <a:t>                        "country": {</a:t>
+            </a:r>
+            <a:endParaRPr lang="el-GR" sz="700" dirty="0" smtClean="0">
+              <a:solidFill>
+                <a:schemeClr val="tx1"/>
+              </a:solidFill>
+            </a:endParaRPr>
+          </a:p>
+          <a:p>
+            <a:r>
+              <a:rPr lang="en-US" sz="700" i="1" dirty="0" smtClean="0">
+                <a:solidFill>
+                  <a:schemeClr val="tx1"/>
+                </a:solidFill>
+              </a:rPr>
+              <a:t>                            "</a:t>
+            </a:r>
+            <a:r>
+              <a:rPr lang="en-US" sz="700" i="1" dirty="0" err="1" smtClean="0">
+                <a:solidFill>
+                  <a:schemeClr val="tx1"/>
+                </a:solidFill>
+              </a:rPr>
+              <a:t>displayName</a:t>
+            </a:r>
+            <a:r>
+              <a:rPr lang="en-US" sz="700" i="1" dirty="0" smtClean="0">
+                <a:solidFill>
+                  <a:schemeClr val="tx1"/>
+                </a:solidFill>
+              </a:rPr>
+              <a:t>": "Greece"</a:t>
+            </a:r>
+            <a:endParaRPr lang="el-GR" sz="700" dirty="0" smtClean="0">
+              <a:solidFill>
+                <a:schemeClr val="tx1"/>
+              </a:solidFill>
+            </a:endParaRPr>
+          </a:p>
+          <a:p>
+            <a:r>
+              <a:rPr lang="en-US" sz="700" i="1" dirty="0" smtClean="0">
+                <a:solidFill>
+                  <a:schemeClr val="tx1"/>
+                </a:solidFill>
+              </a:rPr>
+              <a:t>                        },</a:t>
+            </a:r>
+            <a:endParaRPr lang="el-GR" sz="700" dirty="0" smtClean="0">
+              <a:solidFill>
+                <a:schemeClr val="tx1"/>
+              </a:solidFill>
+            </a:endParaRPr>
+          </a:p>
+          <a:p>
+            <a:r>
+              <a:rPr lang="en-US" sz="700" i="1" dirty="0" smtClean="0">
+                <a:solidFill>
+                  <a:schemeClr val="tx1"/>
+                </a:solidFill>
+              </a:rPr>
+              <a:t>                        "</a:t>
+            </a:r>
+            <a:r>
+              <a:rPr lang="en-US" sz="700" i="1" dirty="0" err="1" smtClean="0">
+                <a:solidFill>
+                  <a:schemeClr val="tx1"/>
+                </a:solidFill>
+              </a:rPr>
+              <a:t>displayName</a:t>
+            </a:r>
+            <a:r>
+              <a:rPr lang="en-US" sz="700" i="1" dirty="0" smtClean="0">
+                <a:solidFill>
+                  <a:schemeClr val="tx1"/>
+                </a:solidFill>
+              </a:rPr>
+              <a:t>": "</a:t>
+            </a:r>
+            <a:r>
+              <a:rPr lang="en-US" sz="700" i="1" dirty="0" err="1" smtClean="0">
+                <a:solidFill>
+                  <a:schemeClr val="tx1"/>
+                </a:solidFill>
+              </a:rPr>
+              <a:t>Thessaloníki</a:t>
+            </a:r>
+            <a:r>
+              <a:rPr lang="en-US" sz="700" i="1" dirty="0" smtClean="0">
+                <a:solidFill>
+                  <a:schemeClr val="tx1"/>
+                </a:solidFill>
+              </a:rPr>
+              <a:t>",</a:t>
+            </a:r>
+            <a:endParaRPr lang="el-GR" sz="700" dirty="0" smtClean="0">
+              <a:solidFill>
+                <a:schemeClr val="tx1"/>
+              </a:solidFill>
+            </a:endParaRPr>
+          </a:p>
+          <a:p>
+            <a:r>
+              <a:rPr lang="en-US" sz="700" i="1" dirty="0" smtClean="0">
+                <a:solidFill>
+                  <a:schemeClr val="tx1"/>
+                </a:solidFill>
+              </a:rPr>
+              <a:t>                        "</a:t>
+            </a:r>
+            <a:r>
+              <a:rPr lang="en-US" sz="700" i="1" dirty="0" err="1" smtClean="0">
+                <a:solidFill>
+                  <a:schemeClr val="tx1"/>
+                </a:solidFill>
+              </a:rPr>
+              <a:t>uri</a:t>
+            </a:r>
+            <a:r>
+              <a:rPr lang="en-US" sz="700" i="1" dirty="0" smtClean="0">
+                <a:solidFill>
+                  <a:schemeClr val="tx1"/>
+                </a:solidFill>
+              </a:rPr>
+              <a:t>": "http://www.songkick.com/metro_areas/28999-greece-thessaloniki?utm_source=59402&amp;utm_medium=partner",</a:t>
+            </a:r>
+            <a:endParaRPr lang="el-GR" sz="700" dirty="0" smtClean="0">
+              <a:solidFill>
+                <a:schemeClr val="tx1"/>
+              </a:solidFill>
+            </a:endParaRPr>
+          </a:p>
+          <a:p>
+            <a:r>
+              <a:rPr lang="en-US" sz="700" i="1" dirty="0" smtClean="0">
+                <a:solidFill>
+                  <a:schemeClr val="tx1"/>
+                </a:solidFill>
+              </a:rPr>
+              <a:t>                        "id": 28999</a:t>
+            </a:r>
+            <a:endParaRPr lang="el-GR" sz="700" dirty="0" smtClean="0">
+              <a:solidFill>
+                <a:schemeClr val="tx1"/>
+              </a:solidFill>
+            </a:endParaRPr>
+          </a:p>
+          <a:p>
+            <a:r>
+              <a:rPr lang="en-US" sz="700" i="1" dirty="0" smtClean="0">
+                <a:solidFill>
+                  <a:schemeClr val="tx1"/>
+                </a:solidFill>
+              </a:rPr>
+              <a:t>                    },</a:t>
+            </a:r>
+            <a:endParaRPr lang="el-GR" sz="700" dirty="0" smtClean="0">
+              <a:solidFill>
+                <a:schemeClr val="tx1"/>
+              </a:solidFill>
+            </a:endParaRPr>
+          </a:p>
+          <a:p>
+            <a:r>
+              <a:rPr lang="en-US" sz="700" i="1" dirty="0" smtClean="0">
+                <a:solidFill>
+                  <a:schemeClr val="tx1"/>
+                </a:solidFill>
+              </a:rPr>
+              <a:t>                    "city": {</a:t>
+            </a:r>
+            <a:endParaRPr lang="el-GR" sz="700" dirty="0" smtClean="0">
+              <a:solidFill>
+                <a:schemeClr val="tx1"/>
+              </a:solidFill>
+            </a:endParaRPr>
+          </a:p>
+          <a:p>
+            <a:r>
+              <a:rPr lang="en-US" sz="700" i="1" dirty="0" smtClean="0">
+                <a:solidFill>
+                  <a:schemeClr val="tx1"/>
+                </a:solidFill>
+              </a:rPr>
+              <a:t>                        "lat": 40.6403,</a:t>
+            </a:r>
+            <a:endParaRPr lang="el-GR" sz="700" dirty="0" smtClean="0">
+              <a:solidFill>
+                <a:schemeClr val="tx1"/>
+              </a:solidFill>
+            </a:endParaRPr>
+          </a:p>
+          <a:p>
+            <a:r>
+              <a:rPr lang="en-US" sz="700" i="1" dirty="0" smtClean="0">
+                <a:solidFill>
+                  <a:schemeClr val="tx1"/>
+                </a:solidFill>
+              </a:rPr>
+              <a:t>                        "</a:t>
+            </a:r>
+            <a:r>
+              <a:rPr lang="en-US" sz="700" i="1" dirty="0" err="1" smtClean="0">
+                <a:solidFill>
+                  <a:schemeClr val="tx1"/>
+                </a:solidFill>
+              </a:rPr>
+              <a:t>lng</a:t>
+            </a:r>
+            <a:r>
+              <a:rPr lang="en-US" sz="700" i="1" dirty="0" smtClean="0">
+                <a:solidFill>
+                  <a:schemeClr val="tx1"/>
+                </a:solidFill>
+              </a:rPr>
+              <a:t>": 22.9439,</a:t>
+            </a:r>
+            <a:endParaRPr lang="el-GR" sz="700" dirty="0" smtClean="0">
+              <a:solidFill>
+                <a:schemeClr val="tx1"/>
+              </a:solidFill>
+            </a:endParaRPr>
+          </a:p>
+          <a:p>
+            <a:r>
+              <a:rPr lang="en-US" sz="700" i="1" dirty="0" smtClean="0">
+                <a:solidFill>
+                  <a:schemeClr val="tx1"/>
+                </a:solidFill>
+              </a:rPr>
+              <a:t>                        "country": {</a:t>
+            </a:r>
+            <a:endParaRPr lang="el-GR" sz="700" dirty="0" smtClean="0">
+              <a:solidFill>
+                <a:schemeClr val="tx1"/>
+              </a:solidFill>
+            </a:endParaRPr>
+          </a:p>
+          <a:p>
+            <a:r>
+              <a:rPr lang="en-US" sz="700" i="1" dirty="0" smtClean="0">
+                <a:solidFill>
+                  <a:schemeClr val="tx1"/>
+                </a:solidFill>
+              </a:rPr>
+              <a:t>                            "</a:t>
+            </a:r>
+            <a:r>
+              <a:rPr lang="en-US" sz="700" i="1" dirty="0" err="1" smtClean="0">
+                <a:solidFill>
+                  <a:schemeClr val="tx1"/>
+                </a:solidFill>
+              </a:rPr>
+              <a:t>displayName</a:t>
+            </a:r>
+            <a:r>
+              <a:rPr lang="en-US" sz="700" i="1" dirty="0" smtClean="0">
+                <a:solidFill>
+                  <a:schemeClr val="tx1"/>
+                </a:solidFill>
+              </a:rPr>
+              <a:t>": "Greece"</a:t>
+            </a:r>
+            <a:endParaRPr lang="el-GR" sz="700" dirty="0" smtClean="0">
+              <a:solidFill>
+                <a:schemeClr val="tx1"/>
+              </a:solidFill>
+            </a:endParaRPr>
+          </a:p>
+          <a:p>
+            <a:r>
+              <a:rPr lang="en-US" sz="700" i="1" dirty="0" smtClean="0">
+                <a:solidFill>
+                  <a:schemeClr val="tx1"/>
+                </a:solidFill>
+              </a:rPr>
+              <a:t>                        },</a:t>
+            </a:r>
+            <a:endParaRPr lang="el-GR" sz="700" dirty="0" smtClean="0">
+              <a:solidFill>
+                <a:schemeClr val="tx1"/>
+              </a:solidFill>
+            </a:endParaRPr>
+          </a:p>
+          <a:p>
+            <a:r>
+              <a:rPr lang="en-US" sz="700" i="1" dirty="0" smtClean="0">
+                <a:solidFill>
+                  <a:schemeClr val="tx1"/>
+                </a:solidFill>
+              </a:rPr>
+              <a:t>                        "</a:t>
+            </a:r>
+            <a:r>
+              <a:rPr lang="en-US" sz="700" i="1" dirty="0" err="1" smtClean="0">
+                <a:solidFill>
+                  <a:schemeClr val="tx1"/>
+                </a:solidFill>
+              </a:rPr>
+              <a:t>displayName</a:t>
+            </a:r>
+            <a:r>
+              <a:rPr lang="en-US" sz="700" i="1" dirty="0" smtClean="0">
+                <a:solidFill>
+                  <a:schemeClr val="tx1"/>
+                </a:solidFill>
+              </a:rPr>
+              <a:t>": "</a:t>
+            </a:r>
+            <a:r>
+              <a:rPr lang="en-US" sz="700" i="1" dirty="0" err="1" smtClean="0">
+                <a:solidFill>
+                  <a:schemeClr val="tx1"/>
+                </a:solidFill>
+              </a:rPr>
+              <a:t>Thessaloníki</a:t>
+            </a:r>
+            <a:r>
+              <a:rPr lang="en-US" sz="700" i="1" dirty="0" smtClean="0">
+                <a:solidFill>
+                  <a:schemeClr val="tx1"/>
+                </a:solidFill>
+              </a:rPr>
+              <a:t>"</a:t>
+            </a:r>
+            <a:endParaRPr lang="el-GR" sz="700" dirty="0" smtClean="0">
+              <a:solidFill>
+                <a:schemeClr val="tx1"/>
+              </a:solidFill>
+            </a:endParaRPr>
+          </a:p>
+          <a:p>
+            <a:r>
+              <a:rPr lang="en-US" sz="700" i="1" dirty="0" smtClean="0">
+                <a:solidFill>
+                  <a:schemeClr val="tx1"/>
+                </a:solidFill>
+              </a:rPr>
+              <a:t>                    }</a:t>
+            </a:r>
+            <a:endParaRPr lang="el-GR" sz="700" dirty="0" smtClean="0">
+              <a:solidFill>
+                <a:schemeClr val="tx1"/>
+              </a:solidFill>
+            </a:endParaRPr>
+          </a:p>
+          <a:p>
+            <a:r>
+              <a:rPr lang="en-US" sz="700" i="1" dirty="0" smtClean="0">
+                <a:solidFill>
+                  <a:schemeClr val="tx1"/>
+                </a:solidFill>
+              </a:rPr>
+              <a:t>                }]</a:t>
+            </a:r>
+            <a:endParaRPr lang="el-GR" sz="700" dirty="0" smtClean="0">
+              <a:solidFill>
+                <a:schemeClr val="tx1"/>
+              </a:solidFill>
+            </a:endParaRPr>
+          </a:p>
+          <a:p>
+            <a:r>
+              <a:rPr lang="en-US" sz="700" i="1" dirty="0" smtClean="0">
+                <a:solidFill>
+                  <a:schemeClr val="tx1"/>
+                </a:solidFill>
+              </a:rPr>
+              <a:t>        },</a:t>
+            </a:r>
+            <a:endParaRPr lang="el-GR" sz="700" dirty="0" smtClean="0">
+              <a:solidFill>
+                <a:schemeClr val="tx1"/>
+              </a:solidFill>
+            </a:endParaRPr>
+          </a:p>
+          <a:p>
+            <a:r>
+              <a:rPr lang="en-US" sz="700" i="1" dirty="0" smtClean="0">
+                <a:solidFill>
+                  <a:schemeClr val="tx1"/>
+                </a:solidFill>
+              </a:rPr>
+              <a:t>        "</a:t>
+            </a:r>
+            <a:r>
+              <a:rPr lang="en-US" sz="700" i="1" dirty="0" err="1" smtClean="0">
+                <a:solidFill>
+                  <a:schemeClr val="tx1"/>
+                </a:solidFill>
+              </a:rPr>
+              <a:t>perPage</a:t>
+            </a:r>
+            <a:r>
+              <a:rPr lang="en-US" sz="700" i="1" dirty="0" smtClean="0">
+                <a:solidFill>
+                  <a:schemeClr val="tx1"/>
+                </a:solidFill>
+              </a:rPr>
+              <a:t>": 50,</a:t>
+            </a:r>
+            <a:endParaRPr lang="el-GR" sz="700" dirty="0" smtClean="0">
+              <a:solidFill>
+                <a:schemeClr val="tx1"/>
+              </a:solidFill>
+            </a:endParaRPr>
+          </a:p>
+          <a:p>
+            <a:r>
+              <a:rPr lang="en-US" sz="700" i="1" dirty="0" smtClean="0">
+                <a:solidFill>
+                  <a:schemeClr val="tx1"/>
+                </a:solidFill>
+              </a:rPr>
+              <a:t>        "page": 1,</a:t>
+            </a:r>
+            <a:endParaRPr lang="el-GR" sz="700" dirty="0" smtClean="0">
+              <a:solidFill>
+                <a:schemeClr val="tx1"/>
+              </a:solidFill>
+            </a:endParaRPr>
+          </a:p>
+          <a:p>
+            <a:r>
+              <a:rPr lang="en-US" sz="700" i="1" dirty="0" smtClean="0">
+                <a:solidFill>
+                  <a:schemeClr val="tx1"/>
+                </a:solidFill>
+              </a:rPr>
+              <a:t>        "</a:t>
+            </a:r>
+            <a:r>
+              <a:rPr lang="en-US" sz="700" i="1" dirty="0" err="1" smtClean="0">
+                <a:solidFill>
+                  <a:schemeClr val="tx1"/>
+                </a:solidFill>
+              </a:rPr>
+              <a:t>totalEntries</a:t>
+            </a:r>
+            <a:r>
+              <a:rPr lang="en-US" sz="700" i="1" dirty="0" smtClean="0">
+                <a:solidFill>
+                  <a:schemeClr val="tx1"/>
+                </a:solidFill>
+              </a:rPr>
+              <a:t>": 1</a:t>
+            </a:r>
+            <a:endParaRPr lang="el-GR" sz="700" dirty="0" smtClean="0">
+              <a:solidFill>
+                <a:schemeClr val="tx1"/>
+              </a:solidFill>
+            </a:endParaRPr>
+          </a:p>
+          <a:p>
+            <a:r>
+              <a:rPr lang="en-US" sz="700" i="1" dirty="0" smtClean="0">
+                <a:solidFill>
+                  <a:schemeClr val="tx1"/>
+                </a:solidFill>
+              </a:rPr>
+              <a:t>    }</a:t>
+            </a:r>
+            <a:endParaRPr lang="el-GR" sz="700" dirty="0" smtClean="0">
+              <a:solidFill>
+                <a:schemeClr val="tx1"/>
+              </a:solidFill>
+            </a:endParaRPr>
+          </a:p>
+          <a:p>
+            <a:r>
+              <a:rPr lang="en-US" sz="700" i="1" dirty="0" smtClean="0">
+                <a:solidFill>
+                  <a:schemeClr val="tx1"/>
+                </a:solidFill>
+              </a:rPr>
+              <a:t>}</a:t>
+            </a:r>
+            <a:endParaRPr lang="el-GR" sz="700" dirty="0">
+              <a:solidFill>
+                <a:schemeClr val="tx1"/>
+              </a:solidFill>
+            </a:endParaRPr>
+          </a:p>
+        </p:txBody>
+      </p:sp>
+      <p:sp>
+        <p:nvSpPr>
+          <p:cNvPr id="6" name="5 - TextBox"/>
+          <p:cNvSpPr txBox="1"/>
+          <p:nvPr/>
+        </p:nvSpPr>
+        <p:spPr>
+          <a:xfrm>
+            <a:off x="504000" y="1332000"/>
+            <a:ext cx="9072816" cy="404406"/>
+          </a:xfrm>
+          <a:prstGeom prst="rect">
+            <a:avLst/>
+          </a:prstGeom>
+          <a:noFill/>
+        </p:spPr>
+        <p:txBody>
+          <a:bodyPr wrap="square" rtlCol="0">
+            <a:spAutoFit/>
+          </a:bodyPr>
+          <a:lstStyle/>
+          <a:p>
+            <a:pPr>
+              <a:lnSpc>
+                <a:spcPct val="200000"/>
+              </a:lnSpc>
+            </a:pPr>
+            <a:r>
+              <a:rPr lang="en-US" sz="1200" b="1" dirty="0" smtClean="0">
+                <a:solidFill>
+                  <a:schemeClr val="tx1"/>
+                </a:solidFill>
+              </a:rPr>
+              <a:t>https://api.songkick.com/api/3.0/search/locations.json?query={</a:t>
+            </a:r>
+            <a:r>
+              <a:rPr lang="en-US" sz="1200" b="1" dirty="0" smtClean="0">
+                <a:solidFill>
+                  <a:srgbClr val="FF0000"/>
+                </a:solidFill>
+              </a:rPr>
+              <a:t>city_name</a:t>
+            </a:r>
+            <a:r>
+              <a:rPr lang="en-US" sz="1200" b="1" dirty="0" smtClean="0">
+                <a:solidFill>
+                  <a:schemeClr val="tx1"/>
+                </a:solidFill>
+              </a:rPr>
+              <a:t>}&amp;apikey={</a:t>
+            </a:r>
+            <a:r>
+              <a:rPr lang="en-US" sz="1200" b="1" dirty="0" smtClean="0">
+                <a:solidFill>
+                  <a:srgbClr val="FF0000"/>
+                </a:solidFill>
+              </a:rPr>
+              <a:t>your_api_key</a:t>
+            </a:r>
+            <a:r>
+              <a:rPr lang="en-US" sz="1200" b="1" dirty="0" smtClean="0">
+                <a:solidFill>
+                  <a:schemeClr val="tx1"/>
+                </a:solidFill>
+              </a:rPr>
+              <a:t>}</a:t>
+            </a:r>
+            <a:endParaRPr lang="el-GR" sz="1200" b="1" dirty="0" smtClean="0">
+              <a:solidFill>
+                <a:schemeClr val="tx1"/>
+              </a:solidFill>
+            </a:endParaRPr>
+          </a:p>
+        </p:txBody>
+      </p:sp>
+    </p:spTree>
+  </p:cSld>
+  <p:clrMapOvr>
+    <a:masterClrMapping/>
+  </p:clrMapOvr>
+  <p:transition spd="med"/>
+  <p:timing>
+    <p:tnLst>
+      <p:par>
+        <p:cTn id="1" dur="indefinite" restart="never" nodeType="tmRoot">
+          <p:childTnLst>
+            <p:seq concurrent="1" nextAc="seek">
+              <p:cTn id="2" dur="indefinite" nodeType="mainSeq"/>
+              <p:prevCondLst>
+                <p:cond evt="onPrev" delay="0">
+                  <p:tgtEl>
+                    <p:sldTgt/>
+                  </p:tgtEl>
+                </p:cond>
+              </p:prevCondLst>
+              <p:nextCondLst>
+                <p:cond evt="onNext" delay="0">
+                  <p:tgtEl>
+                    <p:sldTgt/>
+                  </p:tgtEl>
+                </p:cond>
+              </p:nextCondLst>
+            </p:seq>
+          </p:childTnLst>
+        </p:cTn>
+      </p:par>
+    </p:tnLst>
+  </p:timing>
+</p:sld>
+</file>
+
+<file path=ppt/slides/slide8.xml><?xml version="1.0" encoding="utf-8"?>
+<p:sld xmlns:a="http://schemas.openxmlformats.org/drawingml/2006/main" xmlns:r="http://schemas.openxmlformats.org/officeDocument/2006/relationships" xmlns:p="http://schemas.openxmlformats.org/presentationml/2006/main">
+  <p:cSld>
+    <p:spTree>
+      <p:nvGrpSpPr>
+        <p:cNvPr id="1" name=""/>
+        <p:cNvGrpSpPr/>
+        <p:nvPr/>
+      </p:nvGrpSpPr>
+      <p:grpSpPr>
+        <a:xfrm>
+          <a:off x="0" y="0"/>
+          <a:ext cx="0" cy="0"/>
+          <a:chOff x="0" y="0"/>
+          <a:chExt cx="0" cy="0"/>
+        </a:xfrm>
+      </p:grpSpPr>
+      <p:sp>
+        <p:nvSpPr>
+          <p:cNvPr id="13313" name="Text Box 1"/>
+          <p:cNvSpPr txBox="1">
+            <a:spLocks noChangeArrowheads="1"/>
+          </p:cNvSpPr>
+          <p:nvPr/>
+        </p:nvSpPr>
+        <p:spPr bwMode="auto">
+          <a:xfrm>
+            <a:off x="354013" y="301625"/>
+            <a:ext cx="9439275" cy="958850"/>
+          </a:xfrm>
+          <a:prstGeom prst="rect">
+            <a:avLst/>
+          </a:prstGeom>
+          <a:noFill/>
+          <a:ln w="9525" cap="flat">
+            <a:noFill/>
+            <a:round/>
+            <a:headEnd/>
+            <a:tailEnd/>
+          </a:ln>
+          <a:effectLst/>
+        </p:spPr>
+        <p:txBody>
+          <a:bodyPr lIns="0" tIns="24840" rIns="0" bIns="0" anchor="ctr"/>
+          <a:lstStyle/>
+          <a:p>
+            <a:pPr hangingPunct="1">
+              <a:buClrTx/>
+              <a:buFontTx/>
+              <a:buNone/>
+              <a:tabLst>
+                <a:tab pos="0" algn="l"/>
+                <a:tab pos="457200" algn="l"/>
+                <a:tab pos="914400" algn="l"/>
+                <a:tab pos="1371600" algn="l"/>
+                <a:tab pos="1828800" algn="l"/>
+                <a:tab pos="2286000" algn="l"/>
+                <a:tab pos="2743200" algn="l"/>
+                <a:tab pos="3200400" algn="l"/>
+                <a:tab pos="3657600" algn="l"/>
+                <a:tab pos="4114800" algn="l"/>
+                <a:tab pos="4572000" algn="l"/>
+                <a:tab pos="5029200" algn="l"/>
+                <a:tab pos="5486400" algn="l"/>
+                <a:tab pos="5943600" algn="l"/>
+                <a:tab pos="6400800" algn="l"/>
+                <a:tab pos="6858000" algn="l"/>
+                <a:tab pos="7315200" algn="l"/>
+                <a:tab pos="7772400" algn="l"/>
+                <a:tab pos="8229600" algn="l"/>
+                <a:tab pos="8686800" algn="l"/>
+                <a:tab pos="9144000" algn="l"/>
+                <a:tab pos="9601200" algn="l"/>
+                <a:tab pos="10058400" algn="l"/>
+                <a:tab pos="10515600" algn="l"/>
+                <a:tab pos="10774363" algn="l"/>
+                <a:tab pos="10775950" algn="l"/>
+                <a:tab pos="10777538" algn="l"/>
+                <a:tab pos="10779125" algn="l"/>
+                <a:tab pos="10780713" algn="l"/>
+              </a:tabLst>
+            </a:pPr>
+            <a:r>
+              <a:rPr lang="en-US" sz="2800" b="1" dirty="0" smtClean="0">
+                <a:solidFill>
+                  <a:srgbClr val="000000"/>
+                </a:solidFill>
+                <a:ea typeface="Noto Sans CJK SC" charset="0"/>
+                <a:cs typeface="Noto Sans CJK SC" charset="0"/>
+              </a:rPr>
+              <a:t>Event Object</a:t>
+            </a:r>
+            <a:endParaRPr lang="en-US" sz="2800" b="1" dirty="0">
+              <a:solidFill>
+                <a:srgbClr val="000000"/>
+              </a:solidFill>
+              <a:ea typeface="Noto Sans CJK SC" charset="0"/>
+              <a:cs typeface="Noto Sans CJK SC" charset="0"/>
+            </a:endParaRPr>
+          </a:p>
+        </p:txBody>
+      </p:sp>
+      <p:sp>
+        <p:nvSpPr>
+          <p:cNvPr id="13314" name="Text Box 2"/>
+          <p:cNvSpPr txBox="1">
+            <a:spLocks noChangeArrowheads="1"/>
+          </p:cNvSpPr>
+          <p:nvPr/>
+        </p:nvSpPr>
+        <p:spPr bwMode="auto">
+          <a:xfrm>
+            <a:off x="1008063" y="6804025"/>
+            <a:ext cx="7632649" cy="503238"/>
+          </a:xfrm>
+          <a:prstGeom prst="rect">
+            <a:avLst/>
+          </a:prstGeom>
+          <a:noFill/>
+          <a:ln w="9525" cap="flat">
+            <a:noFill/>
+            <a:round/>
+            <a:headEnd/>
+            <a:tailEnd/>
+          </a:ln>
+          <a:effectLst/>
+        </p:spPr>
+        <p:txBody>
+          <a:bodyPr lIns="100800" tIns="50400" rIns="100800" bIns="50400" anchor="ctr"/>
+          <a:lstStyle/>
+          <a:p>
+            <a:pPr hangingPunct="1">
+              <a:buClrTx/>
+              <a:buFontTx/>
+              <a:buNone/>
+              <a:tabLst>
+                <a:tab pos="0" algn="l"/>
+                <a:tab pos="457200" algn="l"/>
+                <a:tab pos="914400" algn="l"/>
+                <a:tab pos="1371600" algn="l"/>
+                <a:tab pos="1828800" algn="l"/>
+                <a:tab pos="2286000" algn="l"/>
+                <a:tab pos="2743200" algn="l"/>
+                <a:tab pos="3200400" algn="l"/>
+                <a:tab pos="3657600" algn="l"/>
+                <a:tab pos="4114800" algn="l"/>
+                <a:tab pos="4572000" algn="l"/>
+                <a:tab pos="5029200" algn="l"/>
+                <a:tab pos="5486400" algn="l"/>
+                <a:tab pos="5943600" algn="l"/>
+                <a:tab pos="6400800" algn="l"/>
+                <a:tab pos="6858000" algn="l"/>
+                <a:tab pos="7315200" algn="l"/>
+                <a:tab pos="7772400" algn="l"/>
+                <a:tab pos="8229600" algn="l"/>
+                <a:tab pos="8686800" algn="l"/>
+                <a:tab pos="9144000" algn="l"/>
+                <a:tab pos="9426575" algn="l"/>
+                <a:tab pos="9875838" algn="l"/>
+                <a:tab pos="10325100" algn="l"/>
+                <a:tab pos="10774363" algn="l"/>
+                <a:tab pos="10775950" algn="l"/>
+                <a:tab pos="10777538" algn="l"/>
+                <a:tab pos="10779125" algn="l"/>
+                <a:tab pos="10780713" algn="l"/>
+              </a:tabLst>
+            </a:pPr>
+            <a:r>
+              <a:rPr lang="el-GR" sz="1500" dirty="0" smtClean="0">
+                <a:solidFill>
+                  <a:srgbClr val="FF0000"/>
+                </a:solidFill>
+                <a:ea typeface="Noto Sans CJK SC" charset="0"/>
+                <a:cs typeface="Noto Sans CJK SC" charset="0"/>
+              </a:rPr>
+              <a:t>Ηλιάδης Αλέξιος, Κόκκινου Ξανθή, </a:t>
+            </a:r>
+            <a:r>
+              <a:rPr lang="el-GR" sz="1500" dirty="0" err="1" smtClean="0">
+                <a:solidFill>
+                  <a:srgbClr val="FF0000"/>
+                </a:solidFill>
+                <a:ea typeface="Noto Sans CJK SC" charset="0"/>
+                <a:cs typeface="Noto Sans CJK SC" charset="0"/>
+              </a:rPr>
+              <a:t>Μήσιος</a:t>
+            </a:r>
+            <a:r>
+              <a:rPr lang="el-GR" sz="1500" dirty="0" smtClean="0">
+                <a:solidFill>
+                  <a:srgbClr val="FF0000"/>
+                </a:solidFill>
+                <a:ea typeface="Noto Sans CJK SC" charset="0"/>
+                <a:cs typeface="Noto Sans CJK SC" charset="0"/>
+              </a:rPr>
+              <a:t> Δημήτριος, Ταουκτσής Βασίλης</a:t>
+            </a:r>
+          </a:p>
+          <a:p>
+            <a:pPr hangingPunct="1">
+              <a:buClrTx/>
+              <a:buFontTx/>
+              <a:buNone/>
+              <a:tabLst>
+                <a:tab pos="0" algn="l"/>
+                <a:tab pos="457200" algn="l"/>
+                <a:tab pos="914400" algn="l"/>
+                <a:tab pos="1371600" algn="l"/>
+                <a:tab pos="1828800" algn="l"/>
+                <a:tab pos="2286000" algn="l"/>
+                <a:tab pos="2743200" algn="l"/>
+                <a:tab pos="3200400" algn="l"/>
+                <a:tab pos="3657600" algn="l"/>
+                <a:tab pos="4114800" algn="l"/>
+                <a:tab pos="4572000" algn="l"/>
+                <a:tab pos="5029200" algn="l"/>
+                <a:tab pos="5486400" algn="l"/>
+                <a:tab pos="5943600" algn="l"/>
+                <a:tab pos="6400800" algn="l"/>
+                <a:tab pos="6858000" algn="l"/>
+                <a:tab pos="7315200" algn="l"/>
+                <a:tab pos="7772400" algn="l"/>
+                <a:tab pos="8229600" algn="l"/>
+                <a:tab pos="8686800" algn="l"/>
+                <a:tab pos="9144000" algn="l"/>
+                <a:tab pos="9426575" algn="l"/>
+                <a:tab pos="9875838" algn="l"/>
+                <a:tab pos="10325100" algn="l"/>
+                <a:tab pos="10774363" algn="l"/>
+                <a:tab pos="10775950" algn="l"/>
+                <a:tab pos="10777538" algn="l"/>
+                <a:tab pos="10779125" algn="l"/>
+                <a:tab pos="10780713" algn="l"/>
+              </a:tabLst>
+            </a:pPr>
+            <a:r>
+              <a:rPr lang="el-GR" sz="1200" dirty="0" smtClean="0">
+                <a:solidFill>
+                  <a:srgbClr val="FF0000"/>
+                </a:solidFill>
+                <a:ea typeface="Noto Sans CJK SC" charset="0"/>
+                <a:cs typeface="Noto Sans CJK SC" charset="0"/>
+              </a:rPr>
+              <a:t>Διαδικτυακή εφαρμογή με χρήση δεδομένων από εξωτερικές πηγές</a:t>
+            </a:r>
+            <a:endParaRPr lang="en-US" sz="1200" dirty="0">
+              <a:solidFill>
+                <a:srgbClr val="FF0000"/>
+              </a:solidFill>
+              <a:ea typeface="Noto Sans CJK SC" charset="0"/>
+              <a:cs typeface="Noto Sans CJK SC" charset="0"/>
+            </a:endParaRPr>
+          </a:p>
+        </p:txBody>
+      </p:sp>
+      <p:sp>
+        <p:nvSpPr>
+          <p:cNvPr id="13315" name="Oval 3"/>
+          <p:cNvSpPr>
+            <a:spLocks noChangeArrowheads="1"/>
+          </p:cNvSpPr>
+          <p:nvPr/>
+        </p:nvSpPr>
+        <p:spPr bwMode="auto">
+          <a:xfrm>
+            <a:off x="161925" y="6845300"/>
+            <a:ext cx="503238" cy="504825"/>
+          </a:xfrm>
+          <a:prstGeom prst="ellipse">
+            <a:avLst/>
+          </a:prstGeom>
+          <a:solidFill>
+            <a:srgbClr val="F0A22E"/>
+          </a:solidFill>
+          <a:ln w="9525" cap="flat">
+            <a:noFill/>
+            <a:round/>
+            <a:headEnd/>
+            <a:tailEnd/>
+          </a:ln>
+          <a:effectLst/>
+        </p:spPr>
+        <p:txBody>
+          <a:bodyPr wrap="none" lIns="0" tIns="0" rIns="0" bIns="0" anchor="ctr" anchorCtr="1"/>
+          <a:lstStyle/>
+          <a:p>
+            <a:pPr algn="ctr" hangingPunct="1">
+              <a:buClrTx/>
+              <a:buFontTx/>
+              <a:buNone/>
+              <a:tabLst>
+                <a:tab pos="0" algn="l"/>
+                <a:tab pos="457200" algn="l"/>
+                <a:tab pos="914400" algn="l"/>
+                <a:tab pos="1371600" algn="l"/>
+                <a:tab pos="1828800" algn="l"/>
+                <a:tab pos="2286000" algn="l"/>
+                <a:tab pos="2743200" algn="l"/>
+                <a:tab pos="3200400" algn="l"/>
+                <a:tab pos="3657600" algn="l"/>
+                <a:tab pos="4114800" algn="l"/>
+                <a:tab pos="4572000" algn="l"/>
+                <a:tab pos="5029200" algn="l"/>
+                <a:tab pos="5486400" algn="l"/>
+                <a:tab pos="5943600" algn="l"/>
+                <a:tab pos="6400800" algn="l"/>
+                <a:tab pos="6858000" algn="l"/>
+                <a:tab pos="7315200" algn="l"/>
+                <a:tab pos="7772400" algn="l"/>
+                <a:tab pos="8229600" algn="l"/>
+                <a:tab pos="8686800" algn="l"/>
+                <a:tab pos="9144000" algn="l"/>
+                <a:tab pos="9426575" algn="l"/>
+                <a:tab pos="9875838" algn="l"/>
+                <a:tab pos="10325100" algn="l"/>
+                <a:tab pos="10774363" algn="l"/>
+                <a:tab pos="10775950" algn="l"/>
+                <a:tab pos="10777538" algn="l"/>
+                <a:tab pos="10779125" algn="l"/>
+                <a:tab pos="10780713" algn="l"/>
+              </a:tabLst>
+            </a:pPr>
+            <a:fld id="{282ADBE4-33FF-471D-BF6A-229031AF6951}" type="slidenum">
+              <a:rPr lang="en-US" sz="1500">
+                <a:solidFill>
+                  <a:srgbClr val="FFFFFF"/>
+                </a:solidFill>
+                <a:latin typeface="Franklin Gothic Book" pitchFamily="32" charset="0"/>
+                <a:ea typeface="Noto Sans CJK SC" charset="0"/>
+                <a:cs typeface="Noto Sans CJK SC" charset="0"/>
+              </a:rPr>
+              <a:pPr algn="ctr" hangingPunct="1">
+                <a:buClrTx/>
+                <a:buFontTx/>
+                <a:buNone/>
+                <a:tabLst>
+                  <a:tab pos="0" algn="l"/>
+                  <a:tab pos="457200" algn="l"/>
+                  <a:tab pos="914400" algn="l"/>
+                  <a:tab pos="1371600" algn="l"/>
+                  <a:tab pos="1828800" algn="l"/>
+                  <a:tab pos="2286000" algn="l"/>
+                  <a:tab pos="2743200" algn="l"/>
+                  <a:tab pos="3200400" algn="l"/>
+                  <a:tab pos="3657600" algn="l"/>
+                  <a:tab pos="4114800" algn="l"/>
+                  <a:tab pos="4572000" algn="l"/>
+                  <a:tab pos="5029200" algn="l"/>
+                  <a:tab pos="5486400" algn="l"/>
+                  <a:tab pos="5943600" algn="l"/>
+                  <a:tab pos="6400800" algn="l"/>
+                  <a:tab pos="6858000" algn="l"/>
+                  <a:tab pos="7315200" algn="l"/>
+                  <a:tab pos="7772400" algn="l"/>
+                  <a:tab pos="8229600" algn="l"/>
+                  <a:tab pos="8686800" algn="l"/>
+                  <a:tab pos="9144000" algn="l"/>
+                  <a:tab pos="9426575" algn="l"/>
+                  <a:tab pos="9875838" algn="l"/>
+                  <a:tab pos="10325100" algn="l"/>
+                  <a:tab pos="10774363" algn="l"/>
+                  <a:tab pos="10775950" algn="l"/>
+                  <a:tab pos="10777538" algn="l"/>
+                  <a:tab pos="10779125" algn="l"/>
+                  <a:tab pos="10780713" algn="l"/>
+                </a:tabLst>
+              </a:pPr>
+              <a:t>8</a:t>
             </a:fld>
             <a:endParaRPr lang="en-US" sz="1500">
               <a:solidFill>
@@ -20372,7 +22450,7 @@
 </p:sld>
 </file>
 
-<file path=ppt/slides/slide8.xml><?xml version="1.0" encoding="utf-8"?>
+<file path=ppt/slides/slide9.xml><?xml version="1.0" encoding="utf-8"?>
 <p:sld xmlns:a="http://schemas.openxmlformats.org/drawingml/2006/main" xmlns:r="http://schemas.openxmlformats.org/officeDocument/2006/relationships" xmlns:p="http://schemas.openxmlformats.org/presentationml/2006/main">
   <p:cSld>
     <p:spTree>
@@ -20695,1491 +22773,6 @@
               </a:tabLst>
             </a:pPr>
             <a:fld id="{282ADBE4-33FF-471D-BF6A-229031AF6951}" type="slidenum">
-              <a:rPr lang="en-US" sz="1500">
-                <a:solidFill>
-                  <a:srgbClr val="FFFFFF"/>
-                </a:solidFill>
-                <a:latin typeface="Franklin Gothic Book" pitchFamily="32" charset="0"/>
-                <a:ea typeface="Noto Sans CJK SC" charset="0"/>
-                <a:cs typeface="Noto Sans CJK SC" charset="0"/>
-              </a:rPr>
-              <a:pPr algn="ctr" hangingPunct="1">
-                <a:buClrTx/>
-                <a:buFontTx/>
-                <a:buNone/>
-                <a:tabLst>
-                  <a:tab pos="0" algn="l"/>
-                  <a:tab pos="457200" algn="l"/>
-                  <a:tab pos="914400" algn="l"/>
-                  <a:tab pos="1371600" algn="l"/>
-                  <a:tab pos="1828800" algn="l"/>
-                  <a:tab pos="2286000" algn="l"/>
-                  <a:tab pos="2743200" algn="l"/>
-                  <a:tab pos="3200400" algn="l"/>
-                  <a:tab pos="3657600" algn="l"/>
-                  <a:tab pos="4114800" algn="l"/>
-                  <a:tab pos="4572000" algn="l"/>
-                  <a:tab pos="5029200" algn="l"/>
-                  <a:tab pos="5486400" algn="l"/>
-                  <a:tab pos="5943600" algn="l"/>
-                  <a:tab pos="6400800" algn="l"/>
-                  <a:tab pos="6858000" algn="l"/>
-                  <a:tab pos="7315200" algn="l"/>
-                  <a:tab pos="7772400" algn="l"/>
-                  <a:tab pos="8229600" algn="l"/>
-                  <a:tab pos="8686800" algn="l"/>
-                  <a:tab pos="9144000" algn="l"/>
-                  <a:tab pos="9426575" algn="l"/>
-                  <a:tab pos="9875838" algn="l"/>
-                  <a:tab pos="10325100" algn="l"/>
-                  <a:tab pos="10774363" algn="l"/>
-                  <a:tab pos="10775950" algn="l"/>
-                  <a:tab pos="10777538" algn="l"/>
-                  <a:tab pos="10779125" algn="l"/>
-                  <a:tab pos="10780713" algn="l"/>
-                </a:tabLst>
-              </a:pPr>
-              <a:t>8</a:t>
-            </a:fld>
-            <a:endParaRPr lang="en-US" sz="1500">
-              <a:solidFill>
-                <a:srgbClr val="FFFFFF"/>
-              </a:solidFill>
-              <a:latin typeface="Franklin Gothic Book" pitchFamily="32" charset="0"/>
-              <a:ea typeface="Noto Sans CJK SC" charset="0"/>
-              <a:cs typeface="Noto Sans CJK SC" charset="0"/>
-            </a:endParaRPr>
-          </a:p>
-        </p:txBody>
-      </p:sp>
-      <p:sp>
-        <p:nvSpPr>
-          <p:cNvPr id="8" name="7 - TextBox"/>
-          <p:cNvSpPr txBox="1"/>
-          <p:nvPr/>
-        </p:nvSpPr>
-        <p:spPr>
-          <a:xfrm>
-            <a:off x="575816" y="1691604"/>
-            <a:ext cx="9001000" cy="4799647"/>
-          </a:xfrm>
-          <a:prstGeom prst="rect">
-            <a:avLst/>
-          </a:prstGeom>
-          <a:noFill/>
-        </p:spPr>
-        <p:txBody>
-          <a:bodyPr wrap="square" rtlCol="0">
-            <a:spAutoFit/>
-          </a:bodyPr>
-          <a:lstStyle/>
-          <a:p>
-            <a:r>
-              <a:rPr lang="en-US" sz="700" dirty="0" smtClean="0">
-                <a:solidFill>
-                  <a:schemeClr val="tx1"/>
-                </a:solidFill>
-              </a:rPr>
-              <a:t>{</a:t>
-            </a:r>
-            <a:endParaRPr lang="el-GR" sz="700" dirty="0" smtClean="0">
-              <a:solidFill>
-                <a:schemeClr val="tx1"/>
-              </a:solidFill>
-            </a:endParaRPr>
-          </a:p>
-          <a:p>
-            <a:r>
-              <a:rPr lang="en-US" sz="700" i="1" dirty="0" smtClean="0">
-                <a:solidFill>
-                  <a:schemeClr val="tx1"/>
-                </a:solidFill>
-              </a:rPr>
-              <a:t>    "id":11129128,</a:t>
-            </a:r>
-            <a:endParaRPr lang="el-GR" sz="700" dirty="0" smtClean="0">
-              <a:solidFill>
-                <a:schemeClr val="tx1"/>
-              </a:solidFill>
-            </a:endParaRPr>
-          </a:p>
-          <a:p>
-            <a:r>
-              <a:rPr lang="en-US" sz="700" i="1" dirty="0" smtClean="0">
-                <a:solidFill>
-                  <a:schemeClr val="tx1"/>
-                </a:solidFill>
-              </a:rPr>
-              <a:t>    "type":"Concert",</a:t>
-            </a:r>
-            <a:endParaRPr lang="el-GR" sz="700" dirty="0" smtClean="0">
-              <a:solidFill>
-                <a:schemeClr val="tx1"/>
-              </a:solidFill>
-            </a:endParaRPr>
-          </a:p>
-          <a:p>
-            <a:r>
-              <a:rPr lang="en-US" sz="700" i="1" dirty="0" smtClean="0">
-                <a:solidFill>
-                  <a:schemeClr val="tx1"/>
-                </a:solidFill>
-              </a:rPr>
-              <a:t>    "</a:t>
-            </a:r>
-            <a:r>
-              <a:rPr lang="en-US" sz="700" i="1" dirty="0" err="1" smtClean="0">
-                <a:solidFill>
-                  <a:schemeClr val="tx1"/>
-                </a:solidFill>
-              </a:rPr>
-              <a:t>uri</a:t>
-            </a:r>
-            <a:r>
-              <a:rPr lang="en-US" sz="700" i="1" dirty="0" smtClean="0">
-                <a:solidFill>
-                  <a:schemeClr val="tx1"/>
-                </a:solidFill>
-              </a:rPr>
-              <a:t>":"http://www.songkick.com/concerts/11129128-wild-flag-at-fillmore?utm_source=PARTNER_ID&amp;utm_medium=partner",</a:t>
-            </a:r>
-            <a:endParaRPr lang="el-GR" sz="700" dirty="0" smtClean="0">
-              <a:solidFill>
-                <a:schemeClr val="tx1"/>
-              </a:solidFill>
-            </a:endParaRPr>
-          </a:p>
-          <a:p>
-            <a:r>
-              <a:rPr lang="en-US" sz="700" i="1" dirty="0" smtClean="0">
-                <a:solidFill>
-                  <a:schemeClr val="tx1"/>
-                </a:solidFill>
-              </a:rPr>
-              <a:t>    "</a:t>
-            </a:r>
-            <a:r>
-              <a:rPr lang="en-US" sz="700" i="1" dirty="0" err="1" smtClean="0">
-                <a:solidFill>
-                  <a:schemeClr val="tx1"/>
-                </a:solidFill>
-              </a:rPr>
-              <a:t>displayName</a:t>
-            </a:r>
-            <a:r>
-              <a:rPr lang="en-US" sz="700" i="1" dirty="0" smtClean="0">
-                <a:solidFill>
-                  <a:schemeClr val="tx1"/>
-                </a:solidFill>
-              </a:rPr>
-              <a:t>":"Wild Flag at The Fillmore (April 18, 2012)",</a:t>
-            </a:r>
-            <a:endParaRPr lang="el-GR" sz="700" dirty="0" smtClean="0">
-              <a:solidFill>
-                <a:schemeClr val="tx1"/>
-              </a:solidFill>
-            </a:endParaRPr>
-          </a:p>
-          <a:p>
-            <a:r>
-              <a:rPr lang="en-US" sz="700" i="1" dirty="0" smtClean="0">
-                <a:solidFill>
-                  <a:schemeClr val="tx1"/>
-                </a:solidFill>
-              </a:rPr>
-              <a:t>    "start": {</a:t>
-            </a:r>
-            <a:endParaRPr lang="el-GR" sz="700" dirty="0" smtClean="0">
-              <a:solidFill>
-                <a:schemeClr val="tx1"/>
-              </a:solidFill>
-            </a:endParaRPr>
-          </a:p>
-          <a:p>
-            <a:r>
-              <a:rPr lang="en-US" sz="700" i="1" dirty="0" smtClean="0">
-                <a:solidFill>
-                  <a:schemeClr val="tx1"/>
-                </a:solidFill>
-              </a:rPr>
-              <a:t>      "time":"20:00:00",</a:t>
-            </a:r>
-            <a:endParaRPr lang="el-GR" sz="700" dirty="0" smtClean="0">
-              <a:solidFill>
-                <a:schemeClr val="tx1"/>
-              </a:solidFill>
-            </a:endParaRPr>
-          </a:p>
-          <a:p>
-            <a:r>
-              <a:rPr lang="en-US" sz="700" i="1" dirty="0" smtClean="0">
-                <a:solidFill>
-                  <a:schemeClr val="tx1"/>
-                </a:solidFill>
-              </a:rPr>
-              <a:t>      "date":"2012-04-18",</a:t>
-            </a:r>
-            <a:endParaRPr lang="el-GR" sz="700" dirty="0" smtClean="0">
-              <a:solidFill>
-                <a:schemeClr val="tx1"/>
-              </a:solidFill>
-            </a:endParaRPr>
-          </a:p>
-          <a:p>
-            <a:r>
-              <a:rPr lang="en-US" sz="700" i="1" dirty="0" smtClean="0">
-                <a:solidFill>
-                  <a:schemeClr val="tx1"/>
-                </a:solidFill>
-              </a:rPr>
-              <a:t>      "</a:t>
-            </a:r>
-            <a:r>
-              <a:rPr lang="en-US" sz="700" i="1" dirty="0" err="1" smtClean="0">
-                <a:solidFill>
-                  <a:schemeClr val="tx1"/>
-                </a:solidFill>
-              </a:rPr>
-              <a:t>datetime</a:t>
-            </a:r>
-            <a:r>
-              <a:rPr lang="en-US" sz="700" i="1" dirty="0" smtClean="0">
-                <a:solidFill>
-                  <a:schemeClr val="tx1"/>
-                </a:solidFill>
-              </a:rPr>
-              <a:t>":"2012-04-18T20:00:00-0800"</a:t>
-            </a:r>
-            <a:endParaRPr lang="el-GR" sz="700" dirty="0" smtClean="0">
-              <a:solidFill>
-                <a:schemeClr val="tx1"/>
-              </a:solidFill>
-            </a:endParaRPr>
-          </a:p>
-          <a:p>
-            <a:r>
-              <a:rPr lang="en-US" sz="700" i="1" dirty="0" smtClean="0">
-                <a:solidFill>
-                  <a:schemeClr val="tx1"/>
-                </a:solidFill>
-              </a:rPr>
-              <a:t>    },</a:t>
-            </a:r>
-            <a:endParaRPr lang="el-GR" sz="700" dirty="0" smtClean="0">
-              <a:solidFill>
-                <a:schemeClr val="tx1"/>
-              </a:solidFill>
-            </a:endParaRPr>
-          </a:p>
-          <a:p>
-            <a:r>
-              <a:rPr lang="en-US" sz="700" i="1" dirty="0" smtClean="0">
-                <a:solidFill>
-                  <a:schemeClr val="tx1"/>
-                </a:solidFill>
-              </a:rPr>
-              <a:t>    "performance": [</a:t>
-            </a:r>
-            <a:endParaRPr lang="el-GR" sz="700" dirty="0" smtClean="0">
-              <a:solidFill>
-                <a:schemeClr val="tx1"/>
-              </a:solidFill>
-            </a:endParaRPr>
-          </a:p>
-          <a:p>
-            <a:r>
-              <a:rPr lang="en-US" sz="700" i="1" dirty="0" smtClean="0">
-                <a:solidFill>
-                  <a:schemeClr val="tx1"/>
-                </a:solidFill>
-              </a:rPr>
-              <a:t>      {</a:t>
-            </a:r>
-            <a:endParaRPr lang="el-GR" sz="700" dirty="0" smtClean="0">
-              <a:solidFill>
-                <a:schemeClr val="tx1"/>
-              </a:solidFill>
-            </a:endParaRPr>
-          </a:p>
-          <a:p>
-            <a:r>
-              <a:rPr lang="en-US" sz="700" i="1" dirty="0" smtClean="0">
-                <a:solidFill>
-                  <a:schemeClr val="tx1"/>
-                </a:solidFill>
-              </a:rPr>
-              <a:t>        "artist":{</a:t>
-            </a:r>
-            <a:endParaRPr lang="el-GR" sz="700" dirty="0" smtClean="0">
-              <a:solidFill>
-                <a:schemeClr val="tx1"/>
-              </a:solidFill>
-            </a:endParaRPr>
-          </a:p>
-          <a:p>
-            <a:r>
-              <a:rPr lang="en-US" sz="700" i="1" dirty="0" smtClean="0">
-                <a:solidFill>
-                  <a:schemeClr val="tx1"/>
-                </a:solidFill>
-              </a:rPr>
-              <a:t>          "</a:t>
-            </a:r>
-            <a:r>
-              <a:rPr lang="en-US" sz="700" i="1" dirty="0" err="1" smtClean="0">
-                <a:solidFill>
-                  <a:schemeClr val="tx1"/>
-                </a:solidFill>
-              </a:rPr>
-              <a:t>uri</a:t>
-            </a:r>
-            <a:r>
-              <a:rPr lang="en-US" sz="700" i="1" dirty="0" smtClean="0">
-                <a:solidFill>
-                  <a:schemeClr val="tx1"/>
-                </a:solidFill>
-              </a:rPr>
-              <a:t>":"http://www.songkick.com/artists/29835-wild-flag?utm_source=PARTNER_ID&amp;utm_medium=partner",</a:t>
-            </a:r>
-            <a:endParaRPr lang="el-GR" sz="700" dirty="0" smtClean="0">
-              <a:solidFill>
-                <a:schemeClr val="tx1"/>
-              </a:solidFill>
-            </a:endParaRPr>
-          </a:p>
-          <a:p>
-            <a:r>
-              <a:rPr lang="en-US" sz="700" i="1" dirty="0" smtClean="0">
-                <a:solidFill>
-                  <a:schemeClr val="tx1"/>
-                </a:solidFill>
-              </a:rPr>
-              <a:t>          "</a:t>
-            </a:r>
-            <a:r>
-              <a:rPr lang="en-US" sz="700" i="1" dirty="0" err="1" smtClean="0">
-                <a:solidFill>
-                  <a:schemeClr val="tx1"/>
-                </a:solidFill>
-              </a:rPr>
-              <a:t>displayName</a:t>
-            </a:r>
-            <a:r>
-              <a:rPr lang="en-US" sz="700" i="1" dirty="0" smtClean="0">
-                <a:solidFill>
-                  <a:schemeClr val="tx1"/>
-                </a:solidFill>
-              </a:rPr>
-              <a:t>":"Wild Flag",</a:t>
-            </a:r>
-            <a:endParaRPr lang="el-GR" sz="700" dirty="0" smtClean="0">
-              <a:solidFill>
-                <a:schemeClr val="tx1"/>
-              </a:solidFill>
-            </a:endParaRPr>
-          </a:p>
-          <a:p>
-            <a:r>
-              <a:rPr lang="en-US" sz="700" i="1" dirty="0" smtClean="0">
-                <a:solidFill>
-                  <a:schemeClr val="tx1"/>
-                </a:solidFill>
-              </a:rPr>
-              <a:t>          "id":29835,</a:t>
-            </a:r>
-            <a:endParaRPr lang="el-GR" sz="700" dirty="0" smtClean="0">
-              <a:solidFill>
-                <a:schemeClr val="tx1"/>
-              </a:solidFill>
-            </a:endParaRPr>
-          </a:p>
-          <a:p>
-            <a:r>
-              <a:rPr lang="en-US" sz="700" i="1" dirty="0" smtClean="0">
-                <a:solidFill>
-                  <a:schemeClr val="tx1"/>
-                </a:solidFill>
-              </a:rPr>
-              <a:t>          "identifier":[]</a:t>
-            </a:r>
-            <a:endParaRPr lang="el-GR" sz="700" dirty="0" smtClean="0">
-              <a:solidFill>
-                <a:schemeClr val="tx1"/>
-              </a:solidFill>
-            </a:endParaRPr>
-          </a:p>
-          <a:p>
-            <a:r>
-              <a:rPr lang="en-US" sz="700" i="1" dirty="0" smtClean="0">
-                <a:solidFill>
-                  <a:schemeClr val="tx1"/>
-                </a:solidFill>
-              </a:rPr>
-              <a:t>        },</a:t>
-            </a:r>
-            <a:endParaRPr lang="el-GR" sz="700" dirty="0" smtClean="0">
-              <a:solidFill>
-                <a:schemeClr val="tx1"/>
-              </a:solidFill>
-            </a:endParaRPr>
-          </a:p>
-          <a:p>
-            <a:r>
-              <a:rPr lang="en-US" sz="700" i="1" dirty="0" smtClean="0">
-                <a:solidFill>
-                  <a:schemeClr val="tx1"/>
-                </a:solidFill>
-              </a:rPr>
-              <a:t>        "id":21579303,</a:t>
-            </a:r>
-            <a:endParaRPr lang="el-GR" sz="700" dirty="0" smtClean="0">
-              <a:solidFill>
-                <a:schemeClr val="tx1"/>
-              </a:solidFill>
-            </a:endParaRPr>
-          </a:p>
-          <a:p>
-            <a:r>
-              <a:rPr lang="en-US" sz="700" i="1" dirty="0" smtClean="0">
-                <a:solidFill>
-                  <a:schemeClr val="tx1"/>
-                </a:solidFill>
-              </a:rPr>
-              <a:t>        "</a:t>
-            </a:r>
-            <a:r>
-              <a:rPr lang="en-US" sz="700" i="1" dirty="0" err="1" smtClean="0">
-                <a:solidFill>
-                  <a:schemeClr val="tx1"/>
-                </a:solidFill>
-              </a:rPr>
-              <a:t>displayName</a:t>
-            </a:r>
-            <a:r>
-              <a:rPr lang="en-US" sz="700" i="1" dirty="0" smtClean="0">
-                <a:solidFill>
-                  <a:schemeClr val="tx1"/>
-                </a:solidFill>
-              </a:rPr>
-              <a:t>":"Wild Flag",</a:t>
-            </a:r>
-            <a:endParaRPr lang="el-GR" sz="700" dirty="0" smtClean="0">
-              <a:solidFill>
-                <a:schemeClr val="tx1"/>
-              </a:solidFill>
-            </a:endParaRPr>
-          </a:p>
-          <a:p>
-            <a:r>
-              <a:rPr lang="en-US" sz="700" i="1" dirty="0" smtClean="0">
-                <a:solidFill>
-                  <a:schemeClr val="tx1"/>
-                </a:solidFill>
-              </a:rPr>
-              <a:t>        "</a:t>
-            </a:r>
-            <a:r>
-              <a:rPr lang="en-US" sz="700" i="1" dirty="0" err="1" smtClean="0">
-                <a:solidFill>
-                  <a:schemeClr val="tx1"/>
-                </a:solidFill>
-              </a:rPr>
-              <a:t>billingIndex</a:t>
-            </a:r>
-            <a:r>
-              <a:rPr lang="en-US" sz="700" i="1" dirty="0" smtClean="0">
-                <a:solidFill>
-                  <a:schemeClr val="tx1"/>
-                </a:solidFill>
-              </a:rPr>
-              <a:t>":1,</a:t>
-            </a:r>
-            <a:endParaRPr lang="el-GR" sz="700" dirty="0" smtClean="0">
-              <a:solidFill>
-                <a:schemeClr val="tx1"/>
-              </a:solidFill>
-            </a:endParaRPr>
-          </a:p>
-          <a:p>
-            <a:r>
-              <a:rPr lang="en-US" sz="700" i="1" dirty="0" smtClean="0">
-                <a:solidFill>
-                  <a:schemeClr val="tx1"/>
-                </a:solidFill>
-              </a:rPr>
-              <a:t>        "billing":"headline"</a:t>
-            </a:r>
-            <a:endParaRPr lang="el-GR" sz="700" dirty="0" smtClean="0">
-              <a:solidFill>
-                <a:schemeClr val="tx1"/>
-              </a:solidFill>
-            </a:endParaRPr>
-          </a:p>
-          <a:p>
-            <a:r>
-              <a:rPr lang="en-US" sz="700" i="1" dirty="0" smtClean="0">
-                <a:solidFill>
-                  <a:schemeClr val="tx1"/>
-                </a:solidFill>
-              </a:rPr>
-              <a:t>      }</a:t>
-            </a:r>
-            <a:endParaRPr lang="el-GR" sz="700" dirty="0" smtClean="0">
-              <a:solidFill>
-                <a:schemeClr val="tx1"/>
-              </a:solidFill>
-            </a:endParaRPr>
-          </a:p>
-          <a:p>
-            <a:r>
-              <a:rPr lang="en-US" sz="700" i="1" dirty="0" smtClean="0">
-                <a:solidFill>
-                  <a:schemeClr val="tx1"/>
-                </a:solidFill>
-              </a:rPr>
-              <a:t>    ],</a:t>
-            </a:r>
-            <a:endParaRPr lang="el-GR" sz="700" dirty="0" smtClean="0">
-              <a:solidFill>
-                <a:schemeClr val="tx1"/>
-              </a:solidFill>
-            </a:endParaRPr>
-          </a:p>
-          <a:p>
-            <a:r>
-              <a:rPr lang="en-US" sz="700" i="1" dirty="0" smtClean="0">
-                <a:solidFill>
-                  <a:schemeClr val="tx1"/>
-                </a:solidFill>
-              </a:rPr>
-              <a:t>    "location": {</a:t>
-            </a:r>
-            <a:endParaRPr lang="el-GR" sz="700" dirty="0" smtClean="0">
-              <a:solidFill>
-                <a:schemeClr val="tx1"/>
-              </a:solidFill>
-            </a:endParaRPr>
-          </a:p>
-          <a:p>
-            <a:r>
-              <a:rPr lang="en-US" sz="700" i="1" dirty="0" smtClean="0">
-                <a:solidFill>
-                  <a:schemeClr val="tx1"/>
-                </a:solidFill>
-              </a:rPr>
-              <a:t>      "city":"San Francisco, CA, US",</a:t>
-            </a:r>
-            <a:endParaRPr lang="el-GR" sz="700" dirty="0" smtClean="0">
-              <a:solidFill>
-                <a:schemeClr val="tx1"/>
-              </a:solidFill>
-            </a:endParaRPr>
-          </a:p>
-          <a:p>
-            <a:r>
-              <a:rPr lang="en-US" sz="700" i="1" dirty="0" smtClean="0">
-                <a:solidFill>
-                  <a:schemeClr val="tx1"/>
-                </a:solidFill>
-              </a:rPr>
-              <a:t>      </a:t>
-            </a:r>
-            <a:r>
-              <a:rPr lang="el-GR" sz="700" i="1" dirty="0" smtClean="0">
-                <a:solidFill>
-                  <a:schemeClr val="tx1"/>
-                </a:solidFill>
-              </a:rPr>
-              <a:t>"lng":-122.4332937,</a:t>
-            </a:r>
-            <a:endParaRPr lang="el-GR" sz="700" dirty="0" smtClean="0">
-              <a:solidFill>
-                <a:schemeClr val="tx1"/>
-              </a:solidFill>
-            </a:endParaRPr>
-          </a:p>
-          <a:p>
-            <a:r>
-              <a:rPr lang="el-GR" sz="700" i="1" dirty="0" smtClean="0">
-                <a:solidFill>
-                  <a:schemeClr val="tx1"/>
-                </a:solidFill>
-              </a:rPr>
-              <a:t>      "lat":37.7842398</a:t>
-            </a:r>
-            <a:endParaRPr lang="el-GR" sz="700" dirty="0" smtClean="0">
-              <a:solidFill>
-                <a:schemeClr val="tx1"/>
-              </a:solidFill>
-            </a:endParaRPr>
-          </a:p>
-          <a:p>
-            <a:r>
-              <a:rPr lang="el-GR" sz="700" i="1" dirty="0" smtClean="0">
-                <a:solidFill>
-                  <a:schemeClr val="tx1"/>
-                </a:solidFill>
-              </a:rPr>
-              <a:t>    },</a:t>
-            </a:r>
-            <a:endParaRPr lang="el-GR" sz="700" dirty="0" smtClean="0">
-              <a:solidFill>
-                <a:schemeClr val="tx1"/>
-              </a:solidFill>
-            </a:endParaRPr>
-          </a:p>
-          <a:p>
-            <a:r>
-              <a:rPr lang="el-GR" sz="700" i="1" dirty="0" smtClean="0">
-                <a:solidFill>
-                  <a:schemeClr val="tx1"/>
-                </a:solidFill>
-              </a:rPr>
-              <a:t>    "</a:t>
-            </a:r>
-            <a:r>
-              <a:rPr lang="el-GR" sz="700" i="1" dirty="0" err="1" smtClean="0">
-                <a:solidFill>
-                  <a:schemeClr val="tx1"/>
-                </a:solidFill>
-              </a:rPr>
-              <a:t>venue</a:t>
-            </a:r>
-            <a:r>
-              <a:rPr lang="el-GR" sz="700" i="1" dirty="0" smtClean="0">
-                <a:solidFill>
-                  <a:schemeClr val="tx1"/>
-                </a:solidFill>
-              </a:rPr>
-              <a:t>": {</a:t>
-            </a:r>
-            <a:endParaRPr lang="el-GR" sz="700" dirty="0" smtClean="0">
-              <a:solidFill>
-                <a:schemeClr val="tx1"/>
-              </a:solidFill>
-            </a:endParaRPr>
-          </a:p>
-          <a:p>
-            <a:r>
-              <a:rPr lang="en-US" sz="700" i="1" dirty="0" smtClean="0">
-                <a:solidFill>
-                  <a:schemeClr val="tx1"/>
-                </a:solidFill>
-              </a:rPr>
-              <a:t>      "id":6239,</a:t>
-            </a:r>
-            <a:endParaRPr lang="el-GR" sz="700" dirty="0" smtClean="0">
-              <a:solidFill>
-                <a:schemeClr val="tx1"/>
-              </a:solidFill>
-            </a:endParaRPr>
-          </a:p>
-          <a:p>
-            <a:r>
-              <a:rPr lang="en-US" sz="700" i="1" dirty="0" smtClean="0">
-                <a:solidFill>
-                  <a:schemeClr val="tx1"/>
-                </a:solidFill>
-              </a:rPr>
-              <a:t>      "</a:t>
-            </a:r>
-            <a:r>
-              <a:rPr lang="en-US" sz="700" i="1" dirty="0" err="1" smtClean="0">
-                <a:solidFill>
-                  <a:schemeClr val="tx1"/>
-                </a:solidFill>
-              </a:rPr>
-              <a:t>displayName</a:t>
-            </a:r>
-            <a:r>
-              <a:rPr lang="en-US" sz="700" i="1" dirty="0" smtClean="0">
-                <a:solidFill>
-                  <a:schemeClr val="tx1"/>
-                </a:solidFill>
-              </a:rPr>
-              <a:t>":"The Fillmore",</a:t>
-            </a:r>
-            <a:endParaRPr lang="el-GR" sz="700" dirty="0" smtClean="0">
-              <a:solidFill>
-                <a:schemeClr val="tx1"/>
-              </a:solidFill>
-            </a:endParaRPr>
-          </a:p>
-          <a:p>
-            <a:r>
-              <a:rPr lang="en-US" sz="700" i="1" dirty="0" smtClean="0">
-                <a:solidFill>
-                  <a:schemeClr val="tx1"/>
-                </a:solidFill>
-              </a:rPr>
-              <a:t>      "</a:t>
-            </a:r>
-            <a:r>
-              <a:rPr lang="en-US" sz="700" i="1" dirty="0" err="1" smtClean="0">
-                <a:solidFill>
-                  <a:schemeClr val="tx1"/>
-                </a:solidFill>
-              </a:rPr>
-              <a:t>uri</a:t>
-            </a:r>
-            <a:r>
-              <a:rPr lang="en-US" sz="700" i="1" dirty="0" smtClean="0">
-                <a:solidFill>
-                  <a:schemeClr val="tx1"/>
-                </a:solidFill>
-              </a:rPr>
-              <a:t>":"http://www.songkick.com/venues/6239-fillmore?utm_source=PARTNER_ID&amp;utm_medium=partner",</a:t>
-            </a:r>
-            <a:endParaRPr lang="el-GR" sz="700" dirty="0" smtClean="0">
-              <a:solidFill>
-                <a:schemeClr val="tx1"/>
-              </a:solidFill>
-            </a:endParaRPr>
-          </a:p>
-          <a:p>
-            <a:r>
-              <a:rPr lang="en-US" sz="700" i="1" dirty="0" smtClean="0">
-                <a:solidFill>
-                  <a:schemeClr val="tx1"/>
-                </a:solidFill>
-              </a:rPr>
-              <a:t>      "</a:t>
-            </a:r>
-            <a:r>
-              <a:rPr lang="en-US" sz="700" i="1" dirty="0" err="1" smtClean="0">
-                <a:solidFill>
-                  <a:schemeClr val="tx1"/>
-                </a:solidFill>
-              </a:rPr>
-              <a:t>lng</a:t>
-            </a:r>
-            <a:r>
-              <a:rPr lang="en-US" sz="700" i="1" dirty="0" smtClean="0">
-                <a:solidFill>
-                  <a:schemeClr val="tx1"/>
-                </a:solidFill>
-              </a:rPr>
-              <a:t>":-122.4332937,</a:t>
-            </a:r>
-            <a:endParaRPr lang="el-GR" sz="700" dirty="0" smtClean="0">
-              <a:solidFill>
-                <a:schemeClr val="tx1"/>
-              </a:solidFill>
-            </a:endParaRPr>
-          </a:p>
-          <a:p>
-            <a:r>
-              <a:rPr lang="en-US" sz="700" i="1" dirty="0" smtClean="0">
-                <a:solidFill>
-                  <a:schemeClr val="tx1"/>
-                </a:solidFill>
-              </a:rPr>
-              <a:t>      "lat":37.7842398,</a:t>
-            </a:r>
-            <a:endParaRPr lang="el-GR" sz="700" dirty="0" smtClean="0">
-              <a:solidFill>
-                <a:schemeClr val="tx1"/>
-              </a:solidFill>
-            </a:endParaRPr>
-          </a:p>
-          <a:p>
-            <a:r>
-              <a:rPr lang="en-US" sz="700" i="1" dirty="0" smtClean="0">
-                <a:solidFill>
-                  <a:schemeClr val="tx1"/>
-                </a:solidFill>
-              </a:rPr>
-              <a:t>      "</a:t>
-            </a:r>
-            <a:r>
-              <a:rPr lang="en-US" sz="700" i="1" dirty="0" err="1" smtClean="0">
-                <a:solidFill>
-                  <a:schemeClr val="tx1"/>
-                </a:solidFill>
-              </a:rPr>
-              <a:t>metroArea</a:t>
-            </a:r>
-            <a:r>
-              <a:rPr lang="en-US" sz="700" i="1" dirty="0" smtClean="0">
-                <a:solidFill>
-                  <a:schemeClr val="tx1"/>
-                </a:solidFill>
-              </a:rPr>
-              <a:t>": {</a:t>
-            </a:r>
-            <a:endParaRPr lang="el-GR" sz="700" dirty="0" smtClean="0">
-              <a:solidFill>
-                <a:schemeClr val="tx1"/>
-              </a:solidFill>
-            </a:endParaRPr>
-          </a:p>
-          <a:p>
-            <a:r>
-              <a:rPr lang="en-US" sz="700" i="1" dirty="0" smtClean="0">
-                <a:solidFill>
-                  <a:schemeClr val="tx1"/>
-                </a:solidFill>
-              </a:rPr>
-              <a:t>        "</a:t>
-            </a:r>
-            <a:r>
-              <a:rPr lang="en-US" sz="700" i="1" dirty="0" err="1" smtClean="0">
-                <a:solidFill>
-                  <a:schemeClr val="tx1"/>
-                </a:solidFill>
-              </a:rPr>
-              <a:t>uri</a:t>
-            </a:r>
-            <a:r>
-              <a:rPr lang="en-US" sz="700" i="1" dirty="0" smtClean="0">
-                <a:solidFill>
-                  <a:schemeClr val="tx1"/>
-                </a:solidFill>
-              </a:rPr>
-              <a:t>":"http://www.songkick.com/metro-areas/26330-us-sf-bay-area?utm_source=PARTNER_ID&amp;utm_medium=partner",</a:t>
-            </a:r>
-            <a:endParaRPr lang="el-GR" sz="700" dirty="0" smtClean="0">
-              <a:solidFill>
-                <a:schemeClr val="tx1"/>
-              </a:solidFill>
-            </a:endParaRPr>
-          </a:p>
-          <a:p>
-            <a:r>
-              <a:rPr lang="en-US" sz="700" i="1" dirty="0" smtClean="0">
-                <a:solidFill>
-                  <a:schemeClr val="tx1"/>
-                </a:solidFill>
-              </a:rPr>
-              <a:t>        "</a:t>
-            </a:r>
-            <a:r>
-              <a:rPr lang="en-US" sz="700" i="1" dirty="0" err="1" smtClean="0">
-                <a:solidFill>
-                  <a:schemeClr val="tx1"/>
-                </a:solidFill>
-              </a:rPr>
-              <a:t>displayName</a:t>
-            </a:r>
-            <a:r>
-              <a:rPr lang="en-US" sz="700" i="1" dirty="0" smtClean="0">
-                <a:solidFill>
-                  <a:schemeClr val="tx1"/>
-                </a:solidFill>
-              </a:rPr>
-              <a:t>":"SF Bay Area",</a:t>
-            </a:r>
-            <a:endParaRPr lang="el-GR" sz="700" dirty="0" smtClean="0">
-              <a:solidFill>
-                <a:schemeClr val="tx1"/>
-              </a:solidFill>
-            </a:endParaRPr>
-          </a:p>
-          <a:p>
-            <a:r>
-              <a:rPr lang="en-US" sz="700" i="1" dirty="0" smtClean="0">
-                <a:solidFill>
-                  <a:schemeClr val="tx1"/>
-                </a:solidFill>
-              </a:rPr>
-              <a:t>        "country": { "</a:t>
-            </a:r>
-            <a:r>
-              <a:rPr lang="en-US" sz="700" i="1" dirty="0" err="1" smtClean="0">
-                <a:solidFill>
-                  <a:schemeClr val="tx1"/>
-                </a:solidFill>
-              </a:rPr>
-              <a:t>displayName</a:t>
-            </a:r>
-            <a:r>
-              <a:rPr lang="en-US" sz="700" i="1" dirty="0" smtClean="0">
-                <a:solidFill>
-                  <a:schemeClr val="tx1"/>
-                </a:solidFill>
-              </a:rPr>
-              <a:t>":"US" },</a:t>
-            </a:r>
-            <a:endParaRPr lang="el-GR" sz="700" dirty="0" smtClean="0">
-              <a:solidFill>
-                <a:schemeClr val="tx1"/>
-              </a:solidFill>
-            </a:endParaRPr>
-          </a:p>
-          <a:p>
-            <a:r>
-              <a:rPr lang="en-US" sz="700" i="1" dirty="0" smtClean="0">
-                <a:solidFill>
-                  <a:schemeClr val="tx1"/>
-                </a:solidFill>
-              </a:rPr>
-              <a:t>        "id":26330,</a:t>
-            </a:r>
-            <a:endParaRPr lang="el-GR" sz="700" dirty="0" smtClean="0">
-              <a:solidFill>
-                <a:schemeClr val="tx1"/>
-              </a:solidFill>
-            </a:endParaRPr>
-          </a:p>
-          <a:p>
-            <a:r>
-              <a:rPr lang="en-US" sz="700" i="1" dirty="0" smtClean="0">
-                <a:solidFill>
-                  <a:schemeClr val="tx1"/>
-                </a:solidFill>
-              </a:rPr>
-              <a:t>        "state": { "</a:t>
-            </a:r>
-            <a:r>
-              <a:rPr lang="en-US" sz="700" i="1" dirty="0" err="1" smtClean="0">
-                <a:solidFill>
-                  <a:schemeClr val="tx1"/>
-                </a:solidFill>
-              </a:rPr>
-              <a:t>displayName</a:t>
-            </a:r>
-            <a:r>
-              <a:rPr lang="en-US" sz="700" i="1" dirty="0" smtClean="0">
-                <a:solidFill>
-                  <a:schemeClr val="tx1"/>
-                </a:solidFill>
-              </a:rPr>
-              <a:t>":"CA" }</a:t>
-            </a:r>
-            <a:endParaRPr lang="el-GR" sz="700" dirty="0" smtClean="0">
-              <a:solidFill>
-                <a:schemeClr val="tx1"/>
-              </a:solidFill>
-            </a:endParaRPr>
-          </a:p>
-          <a:p>
-            <a:r>
-              <a:rPr lang="en-US" sz="700" i="1" dirty="0" smtClean="0">
-                <a:solidFill>
-                  <a:schemeClr val="tx1"/>
-                </a:solidFill>
-              </a:rPr>
-              <a:t>      }</a:t>
-            </a:r>
-            <a:endParaRPr lang="el-GR" sz="700" dirty="0" smtClean="0">
-              <a:solidFill>
-                <a:schemeClr val="tx1"/>
-              </a:solidFill>
-            </a:endParaRPr>
-          </a:p>
-          <a:p>
-            <a:r>
-              <a:rPr lang="en-US" sz="700" i="1" dirty="0" smtClean="0">
-                <a:solidFill>
-                  <a:schemeClr val="tx1"/>
-                </a:solidFill>
-              </a:rPr>
-              <a:t>    },</a:t>
-            </a:r>
-            <a:endParaRPr lang="el-GR" sz="700" dirty="0" smtClean="0">
-              <a:solidFill>
-                <a:schemeClr val="tx1"/>
-              </a:solidFill>
-            </a:endParaRPr>
-          </a:p>
-          <a:p>
-            <a:r>
-              <a:rPr lang="en-US" sz="700" i="1" dirty="0" smtClean="0">
-                <a:solidFill>
-                  <a:schemeClr val="tx1"/>
-                </a:solidFill>
-              </a:rPr>
-              <a:t>    "status":"ok",</a:t>
-            </a:r>
-            <a:endParaRPr lang="el-GR" sz="700" dirty="0" smtClean="0">
-              <a:solidFill>
-                <a:schemeClr val="tx1"/>
-              </a:solidFill>
-            </a:endParaRPr>
-          </a:p>
-          <a:p>
-            <a:r>
-              <a:rPr lang="en-US" sz="700" i="1" dirty="0" smtClean="0">
-                <a:solidFill>
-                  <a:schemeClr val="tx1"/>
-                </a:solidFill>
-              </a:rPr>
-              <a:t>    </a:t>
-            </a:r>
-            <a:r>
-              <a:rPr lang="el-GR" sz="700" i="1" dirty="0" smtClean="0">
-                <a:solidFill>
-                  <a:schemeClr val="tx1"/>
-                </a:solidFill>
-              </a:rPr>
-              <a:t>"popularity":0.012763</a:t>
-            </a:r>
-            <a:endParaRPr lang="el-GR" sz="700" dirty="0" smtClean="0">
-              <a:solidFill>
-                <a:schemeClr val="tx1"/>
-              </a:solidFill>
-            </a:endParaRPr>
-          </a:p>
-          <a:p>
-            <a:r>
-              <a:rPr lang="el-GR" sz="700" i="1" dirty="0" smtClean="0">
-                <a:solidFill>
-                  <a:schemeClr val="tx1"/>
-                </a:solidFill>
-              </a:rPr>
-              <a:t>  }</a:t>
-            </a:r>
-            <a:endParaRPr lang="el-GR" sz="700" dirty="0" smtClean="0">
-              <a:solidFill>
-                <a:schemeClr val="tx1"/>
-              </a:solidFill>
-            </a:endParaRPr>
-          </a:p>
-          <a:p>
-            <a:endParaRPr lang="en-US" sz="700" dirty="0">
-              <a:solidFill>
-                <a:schemeClr val="tx1"/>
-              </a:solidFill>
-              <a:ea typeface="Noto Sans CJK SC" charset="0"/>
-              <a:cs typeface="Noto Sans CJK SC" charset="0"/>
-            </a:endParaRPr>
-          </a:p>
-        </p:txBody>
-      </p:sp>
-      <p:sp>
-        <p:nvSpPr>
-          <p:cNvPr id="7" name="6 - TextBox"/>
-          <p:cNvSpPr txBox="1"/>
-          <p:nvPr/>
-        </p:nvSpPr>
-        <p:spPr>
-          <a:xfrm>
-            <a:off x="504000" y="1332000"/>
-            <a:ext cx="9072816" cy="404406"/>
-          </a:xfrm>
-          <a:prstGeom prst="rect">
-            <a:avLst/>
-          </a:prstGeom>
-          <a:noFill/>
-        </p:spPr>
-        <p:txBody>
-          <a:bodyPr wrap="square" rtlCol="0">
-            <a:spAutoFit/>
-          </a:bodyPr>
-          <a:lstStyle/>
-          <a:p>
-            <a:pPr>
-              <a:lnSpc>
-                <a:spcPct val="200000"/>
-              </a:lnSpc>
-            </a:pPr>
-            <a:r>
-              <a:rPr lang="en-US" sz="1200" b="1" dirty="0" smtClean="0">
-                <a:solidFill>
-                  <a:schemeClr val="tx1"/>
-                </a:solidFill>
-              </a:rPr>
-              <a:t>https://api.songkick.com/api/3.0/metro_areas/{</a:t>
-            </a:r>
-            <a:r>
-              <a:rPr lang="en-US" sz="1200" b="1" dirty="0" smtClean="0">
-                <a:solidFill>
-                  <a:srgbClr val="FF0000"/>
-                </a:solidFill>
-              </a:rPr>
-              <a:t>city_code</a:t>
-            </a:r>
-            <a:r>
-              <a:rPr lang="en-US" sz="1200" b="1" dirty="0" smtClean="0">
-                <a:solidFill>
-                  <a:schemeClr val="tx1"/>
-                </a:solidFill>
-              </a:rPr>
-              <a:t>}/calendar.json?apikey={</a:t>
-            </a:r>
-            <a:r>
-              <a:rPr lang="en-US" sz="1200" b="1" dirty="0" smtClean="0">
-                <a:solidFill>
-                  <a:srgbClr val="FF0000"/>
-                </a:solidFill>
-              </a:rPr>
-              <a:t>api_key</a:t>
-            </a:r>
-            <a:r>
-              <a:rPr lang="en-US" sz="1200" b="1" dirty="0" smtClean="0">
-                <a:solidFill>
-                  <a:schemeClr val="tx1"/>
-                </a:solidFill>
-              </a:rPr>
-              <a:t>}&amp;page=1&amp;per_page =20</a:t>
-            </a:r>
-            <a:endParaRPr lang="el-GR" sz="1200" b="1" dirty="0" smtClean="0">
-              <a:solidFill>
-                <a:schemeClr val="tx1"/>
-              </a:solidFill>
-            </a:endParaRPr>
-          </a:p>
-        </p:txBody>
-      </p:sp>
-    </p:spTree>
-  </p:cSld>
-  <p:clrMapOvr>
-    <a:masterClrMapping/>
-  </p:clrMapOvr>
-  <p:transition spd="med"/>
-  <p:timing>
-    <p:tnLst>
-      <p:par>
-        <p:cTn id="1" dur="indefinite" restart="never" nodeType="tmRoot">
-          <p:childTnLst>
-            <p:seq concurrent="1" nextAc="seek">
-              <p:cTn id="2" dur="indefinite" nodeType="mainSeq"/>
-              <p:prevCondLst>
-                <p:cond evt="onPrev" delay="0">
-                  <p:tgtEl>
-                    <p:sldTgt/>
-                  </p:tgtEl>
-                </p:cond>
-              </p:prevCondLst>
-              <p:nextCondLst>
-                <p:cond evt="onNext" delay="0">
-                  <p:tgtEl>
-                    <p:sldTgt/>
-                  </p:tgtEl>
-                </p:cond>
-              </p:nextCondLst>
-            </p:seq>
-          </p:childTnLst>
-        </p:cTn>
-      </p:par>
-    </p:tnLst>
-  </p:timing>
-</p:sld>
-</file>
-
-<file path=ppt/slides/slide9.xml><?xml version="1.0" encoding="utf-8"?>
-<p:sld xmlns:a="http://schemas.openxmlformats.org/drawingml/2006/main" xmlns:r="http://schemas.openxmlformats.org/officeDocument/2006/relationships" xmlns:p="http://schemas.openxmlformats.org/presentationml/2006/main">
-  <p:cSld>
-    <p:spTree>
-      <p:nvGrpSpPr>
-        <p:cNvPr id="1" name=""/>
-        <p:cNvGrpSpPr/>
-        <p:nvPr/>
-      </p:nvGrpSpPr>
-      <p:grpSpPr>
-        <a:xfrm>
-          <a:off x="0" y="0"/>
-          <a:ext cx="0" cy="0"/>
-          <a:chOff x="0" y="0"/>
-          <a:chExt cx="0" cy="0"/>
-        </a:xfrm>
-      </p:grpSpPr>
-      <p:sp>
-        <p:nvSpPr>
-          <p:cNvPr id="11265" name="Text Box 1"/>
-          <p:cNvSpPr txBox="1">
-            <a:spLocks noChangeArrowheads="1"/>
-          </p:cNvSpPr>
-          <p:nvPr/>
-        </p:nvSpPr>
-        <p:spPr bwMode="auto">
-          <a:xfrm>
-            <a:off x="354013" y="301625"/>
-            <a:ext cx="9439275" cy="958850"/>
-          </a:xfrm>
-          <a:prstGeom prst="rect">
-            <a:avLst/>
-          </a:prstGeom>
-          <a:noFill/>
-          <a:ln w="9525" cap="flat">
-            <a:noFill/>
-            <a:round/>
-            <a:headEnd/>
-            <a:tailEnd/>
-          </a:ln>
-          <a:effectLst/>
-        </p:spPr>
-        <p:txBody>
-          <a:bodyPr lIns="0" tIns="24840" rIns="0" bIns="0" anchor="ctr"/>
-          <a:lstStyle/>
-          <a:p>
-            <a:pPr hangingPunct="1">
-              <a:buClrTx/>
-              <a:buFontTx/>
-              <a:buNone/>
-              <a:tabLst>
-                <a:tab pos="0" algn="l"/>
-                <a:tab pos="457200" algn="l"/>
-                <a:tab pos="914400" algn="l"/>
-                <a:tab pos="1371600" algn="l"/>
-                <a:tab pos="1828800" algn="l"/>
-                <a:tab pos="2286000" algn="l"/>
-                <a:tab pos="2743200" algn="l"/>
-                <a:tab pos="3200400" algn="l"/>
-                <a:tab pos="3657600" algn="l"/>
-                <a:tab pos="4114800" algn="l"/>
-                <a:tab pos="4572000" algn="l"/>
-                <a:tab pos="5029200" algn="l"/>
-                <a:tab pos="5486400" algn="l"/>
-                <a:tab pos="5943600" algn="l"/>
-                <a:tab pos="6400800" algn="l"/>
-                <a:tab pos="6858000" algn="l"/>
-                <a:tab pos="7315200" algn="l"/>
-                <a:tab pos="7772400" algn="l"/>
-                <a:tab pos="8229600" algn="l"/>
-                <a:tab pos="8686800" algn="l"/>
-                <a:tab pos="9144000" algn="l"/>
-                <a:tab pos="9601200" algn="l"/>
-                <a:tab pos="10058400" algn="l"/>
-                <a:tab pos="10515600" algn="l"/>
-                <a:tab pos="10774363" algn="l"/>
-                <a:tab pos="10775950" algn="l"/>
-                <a:tab pos="10777538" algn="l"/>
-                <a:tab pos="10779125" algn="l"/>
-                <a:tab pos="10780713" algn="l"/>
-              </a:tabLst>
-            </a:pPr>
-            <a:r>
-              <a:rPr lang="en-US" sz="2800" b="1" dirty="0" smtClean="0">
-                <a:solidFill>
-                  <a:srgbClr val="000000"/>
-                </a:solidFill>
-                <a:ea typeface="Noto Sans CJK SC" charset="0"/>
-                <a:cs typeface="Noto Sans CJK SC" charset="0"/>
-              </a:rPr>
-              <a:t>Events information</a:t>
-            </a:r>
-            <a:endParaRPr lang="el-GR" sz="2800" b="1" dirty="0">
-              <a:solidFill>
-                <a:srgbClr val="000000"/>
-              </a:solidFill>
-              <a:ea typeface="Noto Sans CJK SC" charset="0"/>
-              <a:cs typeface="Noto Sans CJK SC" charset="0"/>
-            </a:endParaRPr>
-          </a:p>
-        </p:txBody>
-      </p:sp>
-      <p:sp>
-        <p:nvSpPr>
-          <p:cNvPr id="11266" name="Text Box 2"/>
-          <p:cNvSpPr txBox="1">
-            <a:spLocks noChangeArrowheads="1"/>
-          </p:cNvSpPr>
-          <p:nvPr/>
-        </p:nvSpPr>
-        <p:spPr bwMode="auto">
-          <a:xfrm>
-            <a:off x="1008063" y="6804025"/>
-            <a:ext cx="8424737" cy="503238"/>
-          </a:xfrm>
-          <a:prstGeom prst="rect">
-            <a:avLst/>
-          </a:prstGeom>
-          <a:noFill/>
-          <a:ln w="9525" cap="flat">
-            <a:noFill/>
-            <a:round/>
-            <a:headEnd/>
-            <a:tailEnd/>
-          </a:ln>
-          <a:effectLst/>
-        </p:spPr>
-        <p:txBody>
-          <a:bodyPr lIns="100800" tIns="50400" rIns="100800" bIns="50400" anchor="ctr"/>
-          <a:lstStyle/>
-          <a:p>
-            <a:pPr hangingPunct="1">
-              <a:buClrTx/>
-              <a:buFontTx/>
-              <a:buNone/>
-              <a:tabLst>
-                <a:tab pos="0" algn="l"/>
-                <a:tab pos="457200" algn="l"/>
-                <a:tab pos="914400" algn="l"/>
-                <a:tab pos="1371600" algn="l"/>
-                <a:tab pos="1828800" algn="l"/>
-                <a:tab pos="2286000" algn="l"/>
-                <a:tab pos="2743200" algn="l"/>
-                <a:tab pos="3200400" algn="l"/>
-                <a:tab pos="3657600" algn="l"/>
-                <a:tab pos="4114800" algn="l"/>
-                <a:tab pos="4572000" algn="l"/>
-                <a:tab pos="5029200" algn="l"/>
-                <a:tab pos="5486400" algn="l"/>
-                <a:tab pos="5943600" algn="l"/>
-                <a:tab pos="6400800" algn="l"/>
-                <a:tab pos="6858000" algn="l"/>
-                <a:tab pos="7315200" algn="l"/>
-                <a:tab pos="7772400" algn="l"/>
-                <a:tab pos="8229600" algn="l"/>
-                <a:tab pos="8686800" algn="l"/>
-                <a:tab pos="9144000" algn="l"/>
-                <a:tab pos="9426575" algn="l"/>
-                <a:tab pos="9875838" algn="l"/>
-                <a:tab pos="10325100" algn="l"/>
-                <a:tab pos="10774363" algn="l"/>
-                <a:tab pos="10775950" algn="l"/>
-                <a:tab pos="10777538" algn="l"/>
-                <a:tab pos="10779125" algn="l"/>
-                <a:tab pos="10780713" algn="l"/>
-              </a:tabLst>
-            </a:pPr>
-            <a:r>
-              <a:rPr lang="el-GR" sz="1500" dirty="0" smtClean="0">
-                <a:solidFill>
-                  <a:srgbClr val="FF0000"/>
-                </a:solidFill>
-                <a:ea typeface="Noto Sans CJK SC" charset="0"/>
-                <a:cs typeface="Noto Sans CJK SC" charset="0"/>
-              </a:rPr>
-              <a:t>Ηλιάδης Αλέξιος, Κόκκινου Ξανθή, </a:t>
-            </a:r>
-            <a:r>
-              <a:rPr lang="el-GR" sz="1500" dirty="0" err="1" smtClean="0">
-                <a:solidFill>
-                  <a:srgbClr val="FF0000"/>
-                </a:solidFill>
-                <a:ea typeface="Noto Sans CJK SC" charset="0"/>
-                <a:cs typeface="Noto Sans CJK SC" charset="0"/>
-              </a:rPr>
-              <a:t>Μήσιος</a:t>
-            </a:r>
-            <a:r>
-              <a:rPr lang="el-GR" sz="1500" dirty="0" smtClean="0">
-                <a:solidFill>
-                  <a:srgbClr val="FF0000"/>
-                </a:solidFill>
-                <a:ea typeface="Noto Sans CJK SC" charset="0"/>
-                <a:cs typeface="Noto Sans CJK SC" charset="0"/>
-              </a:rPr>
-              <a:t> Δημήτριος, Ταουκτσής Βασίλης</a:t>
-            </a:r>
-          </a:p>
-          <a:p>
-            <a:pPr hangingPunct="1">
-              <a:buClrTx/>
-              <a:buFontTx/>
-              <a:buNone/>
-              <a:tabLst>
-                <a:tab pos="0" algn="l"/>
-                <a:tab pos="457200" algn="l"/>
-                <a:tab pos="914400" algn="l"/>
-                <a:tab pos="1371600" algn="l"/>
-                <a:tab pos="1828800" algn="l"/>
-                <a:tab pos="2286000" algn="l"/>
-                <a:tab pos="2743200" algn="l"/>
-                <a:tab pos="3200400" algn="l"/>
-                <a:tab pos="3657600" algn="l"/>
-                <a:tab pos="4114800" algn="l"/>
-                <a:tab pos="4572000" algn="l"/>
-                <a:tab pos="5029200" algn="l"/>
-                <a:tab pos="5486400" algn="l"/>
-                <a:tab pos="5943600" algn="l"/>
-                <a:tab pos="6400800" algn="l"/>
-                <a:tab pos="6858000" algn="l"/>
-                <a:tab pos="7315200" algn="l"/>
-                <a:tab pos="7772400" algn="l"/>
-                <a:tab pos="8229600" algn="l"/>
-                <a:tab pos="8686800" algn="l"/>
-                <a:tab pos="9144000" algn="l"/>
-                <a:tab pos="9426575" algn="l"/>
-                <a:tab pos="9875838" algn="l"/>
-                <a:tab pos="10325100" algn="l"/>
-                <a:tab pos="10774363" algn="l"/>
-                <a:tab pos="10775950" algn="l"/>
-                <a:tab pos="10777538" algn="l"/>
-                <a:tab pos="10779125" algn="l"/>
-                <a:tab pos="10780713" algn="l"/>
-              </a:tabLst>
-            </a:pPr>
-            <a:r>
-              <a:rPr lang="el-GR" sz="1200" dirty="0" smtClean="0">
-                <a:solidFill>
-                  <a:srgbClr val="FF0000"/>
-                </a:solidFill>
-                <a:ea typeface="Noto Sans CJK SC" charset="0"/>
-                <a:cs typeface="Noto Sans CJK SC" charset="0"/>
-              </a:rPr>
-              <a:t>Διαδικτυακή εφαρμογή με χρήση δεδομένων από εξωτερικές πηγές</a:t>
-            </a:r>
-            <a:endParaRPr lang="en-US" sz="1200" dirty="0">
-              <a:solidFill>
-                <a:srgbClr val="FF0000"/>
-              </a:solidFill>
-              <a:ea typeface="Noto Sans CJK SC" charset="0"/>
-              <a:cs typeface="Noto Sans CJK SC" charset="0"/>
-            </a:endParaRPr>
-          </a:p>
-        </p:txBody>
-      </p:sp>
-      <p:sp>
-        <p:nvSpPr>
-          <p:cNvPr id="11267" name="Oval 3"/>
-          <p:cNvSpPr>
-            <a:spLocks noChangeArrowheads="1"/>
-          </p:cNvSpPr>
-          <p:nvPr/>
-        </p:nvSpPr>
-        <p:spPr bwMode="auto">
-          <a:xfrm>
-            <a:off x="161925" y="6845300"/>
-            <a:ext cx="503238" cy="504825"/>
-          </a:xfrm>
-          <a:prstGeom prst="ellipse">
-            <a:avLst/>
-          </a:prstGeom>
-          <a:solidFill>
-            <a:srgbClr val="F0A22E"/>
-          </a:solidFill>
-          <a:ln w="9525" cap="flat">
-            <a:noFill/>
-            <a:round/>
-            <a:headEnd/>
-            <a:tailEnd/>
-          </a:ln>
-          <a:effectLst/>
-        </p:spPr>
-        <p:txBody>
-          <a:bodyPr wrap="none" lIns="0" tIns="0" rIns="0" bIns="0" anchor="ctr" anchorCtr="1"/>
-          <a:lstStyle/>
-          <a:p>
-            <a:pPr algn="ctr" hangingPunct="1">
-              <a:buClrTx/>
-              <a:buFontTx/>
-              <a:buNone/>
-              <a:tabLst>
-                <a:tab pos="0" algn="l"/>
-                <a:tab pos="457200" algn="l"/>
-                <a:tab pos="914400" algn="l"/>
-                <a:tab pos="1371600" algn="l"/>
-                <a:tab pos="1828800" algn="l"/>
-                <a:tab pos="2286000" algn="l"/>
-                <a:tab pos="2743200" algn="l"/>
-                <a:tab pos="3200400" algn="l"/>
-                <a:tab pos="3657600" algn="l"/>
-                <a:tab pos="4114800" algn="l"/>
-                <a:tab pos="4572000" algn="l"/>
-                <a:tab pos="5029200" algn="l"/>
-                <a:tab pos="5486400" algn="l"/>
-                <a:tab pos="5943600" algn="l"/>
-                <a:tab pos="6400800" algn="l"/>
-                <a:tab pos="6858000" algn="l"/>
-                <a:tab pos="7315200" algn="l"/>
-                <a:tab pos="7772400" algn="l"/>
-                <a:tab pos="8229600" algn="l"/>
-                <a:tab pos="8686800" algn="l"/>
-                <a:tab pos="9144000" algn="l"/>
-                <a:tab pos="9426575" algn="l"/>
-                <a:tab pos="9875838" algn="l"/>
-                <a:tab pos="10325100" algn="l"/>
-                <a:tab pos="10774363" algn="l"/>
-                <a:tab pos="10775950" algn="l"/>
-                <a:tab pos="10777538" algn="l"/>
-                <a:tab pos="10779125" algn="l"/>
-                <a:tab pos="10780713" algn="l"/>
-              </a:tabLst>
-            </a:pPr>
-            <a:fld id="{A8DAFBB9-265C-4C19-A5A7-F68C12B958CA}" type="slidenum">
               <a:rPr lang="en-US" sz="1500">
                 <a:solidFill>
                   <a:srgbClr val="FFFFFF"/>
@@ -22239,31 +22832,1016 @@
       </p:sp>
       <p:sp>
         <p:nvSpPr>
-          <p:cNvPr id="7" name="Text Box 5"/>
-          <p:cNvSpPr txBox="1">
-            <a:spLocks noChangeArrowheads="1"/>
-          </p:cNvSpPr>
+          <p:cNvPr id="8" name="7 - TextBox"/>
+          <p:cNvSpPr txBox="1"/>
           <p:nvPr/>
         </p:nvSpPr>
-        <p:spPr bwMode="auto">
+        <p:spPr>
           <a:xfrm>
-            <a:off x="503238" y="1332000"/>
-            <a:ext cx="7201370" cy="4526497"/>
+            <a:off x="575816" y="1691604"/>
+            <a:ext cx="9001000" cy="4799647"/>
           </a:xfrm>
           <a:prstGeom prst="rect">
             <a:avLst/>
           </a:prstGeom>
           <a:noFill/>
-          <a:ln w="9525" cap="flat">
-            <a:noFill/>
-            <a:round/>
-            <a:headEnd/>
-            <a:tailEnd/>
-          </a:ln>
-          <a:effectLst/>
         </p:spPr>
         <p:txBody>
-          <a:bodyPr wrap="square" lIns="90000" tIns="46800" rIns="90000" bIns="46800">
+          <a:bodyPr wrap="square" rtlCol="0">
+            <a:spAutoFit/>
+          </a:bodyPr>
+          <a:lstStyle/>
+          <a:p>
+            <a:r>
+              <a:rPr lang="en-US" sz="700" dirty="0" smtClean="0">
+                <a:solidFill>
+                  <a:schemeClr val="tx1"/>
+                </a:solidFill>
+              </a:rPr>
+              <a:t>{</a:t>
+            </a:r>
+            <a:endParaRPr lang="el-GR" sz="700" dirty="0" smtClean="0">
+              <a:solidFill>
+                <a:schemeClr val="tx1"/>
+              </a:solidFill>
+            </a:endParaRPr>
+          </a:p>
+          <a:p>
+            <a:r>
+              <a:rPr lang="en-US" sz="700" i="1" dirty="0" smtClean="0">
+                <a:solidFill>
+                  <a:schemeClr val="tx1"/>
+                </a:solidFill>
+              </a:rPr>
+              <a:t>    "id":11129128,</a:t>
+            </a:r>
+            <a:endParaRPr lang="el-GR" sz="700" dirty="0" smtClean="0">
+              <a:solidFill>
+                <a:schemeClr val="tx1"/>
+              </a:solidFill>
+            </a:endParaRPr>
+          </a:p>
+          <a:p>
+            <a:r>
+              <a:rPr lang="en-US" sz="700" i="1" dirty="0" smtClean="0">
+                <a:solidFill>
+                  <a:schemeClr val="tx1"/>
+                </a:solidFill>
+              </a:rPr>
+              <a:t>    "type":"Concert",</a:t>
+            </a:r>
+            <a:endParaRPr lang="el-GR" sz="700" dirty="0" smtClean="0">
+              <a:solidFill>
+                <a:schemeClr val="tx1"/>
+              </a:solidFill>
+            </a:endParaRPr>
+          </a:p>
+          <a:p>
+            <a:r>
+              <a:rPr lang="en-US" sz="700" i="1" dirty="0" smtClean="0">
+                <a:solidFill>
+                  <a:schemeClr val="tx1"/>
+                </a:solidFill>
+              </a:rPr>
+              <a:t>    "</a:t>
+            </a:r>
+            <a:r>
+              <a:rPr lang="en-US" sz="700" i="1" dirty="0" err="1" smtClean="0">
+                <a:solidFill>
+                  <a:schemeClr val="tx1"/>
+                </a:solidFill>
+              </a:rPr>
+              <a:t>uri</a:t>
+            </a:r>
+            <a:r>
+              <a:rPr lang="en-US" sz="700" i="1" dirty="0" smtClean="0">
+                <a:solidFill>
+                  <a:schemeClr val="tx1"/>
+                </a:solidFill>
+              </a:rPr>
+              <a:t>":"http://www.songkick.com/concerts/11129128-wild-flag-at-fillmore?utm_source=PARTNER_ID&amp;utm_medium=partner",</a:t>
+            </a:r>
+            <a:endParaRPr lang="el-GR" sz="700" dirty="0" smtClean="0">
+              <a:solidFill>
+                <a:schemeClr val="tx1"/>
+              </a:solidFill>
+            </a:endParaRPr>
+          </a:p>
+          <a:p>
+            <a:r>
+              <a:rPr lang="en-US" sz="700" i="1" dirty="0" smtClean="0">
+                <a:solidFill>
+                  <a:schemeClr val="tx1"/>
+                </a:solidFill>
+              </a:rPr>
+              <a:t>    "</a:t>
+            </a:r>
+            <a:r>
+              <a:rPr lang="en-US" sz="700" i="1" dirty="0" err="1" smtClean="0">
+                <a:solidFill>
+                  <a:schemeClr val="tx1"/>
+                </a:solidFill>
+              </a:rPr>
+              <a:t>displayName</a:t>
+            </a:r>
+            <a:r>
+              <a:rPr lang="en-US" sz="700" i="1" dirty="0" smtClean="0">
+                <a:solidFill>
+                  <a:schemeClr val="tx1"/>
+                </a:solidFill>
+              </a:rPr>
+              <a:t>":"Wild Flag at The Fillmore (April 18, 2012)",</a:t>
+            </a:r>
+            <a:endParaRPr lang="el-GR" sz="700" dirty="0" smtClean="0">
+              <a:solidFill>
+                <a:schemeClr val="tx1"/>
+              </a:solidFill>
+            </a:endParaRPr>
+          </a:p>
+          <a:p>
+            <a:r>
+              <a:rPr lang="en-US" sz="700" i="1" dirty="0" smtClean="0">
+                <a:solidFill>
+                  <a:schemeClr val="tx1"/>
+                </a:solidFill>
+              </a:rPr>
+              <a:t>    "start": {</a:t>
+            </a:r>
+            <a:endParaRPr lang="el-GR" sz="700" dirty="0" smtClean="0">
+              <a:solidFill>
+                <a:schemeClr val="tx1"/>
+              </a:solidFill>
+            </a:endParaRPr>
+          </a:p>
+          <a:p>
+            <a:r>
+              <a:rPr lang="en-US" sz="700" i="1" dirty="0" smtClean="0">
+                <a:solidFill>
+                  <a:schemeClr val="tx1"/>
+                </a:solidFill>
+              </a:rPr>
+              <a:t>      "time":"20:00:00",</a:t>
+            </a:r>
+            <a:endParaRPr lang="el-GR" sz="700" dirty="0" smtClean="0">
+              <a:solidFill>
+                <a:schemeClr val="tx1"/>
+              </a:solidFill>
+            </a:endParaRPr>
+          </a:p>
+          <a:p>
+            <a:r>
+              <a:rPr lang="en-US" sz="700" i="1" dirty="0" smtClean="0">
+                <a:solidFill>
+                  <a:schemeClr val="tx1"/>
+                </a:solidFill>
+              </a:rPr>
+              <a:t>      "date":"2012-04-18",</a:t>
+            </a:r>
+            <a:endParaRPr lang="el-GR" sz="700" dirty="0" smtClean="0">
+              <a:solidFill>
+                <a:schemeClr val="tx1"/>
+              </a:solidFill>
+            </a:endParaRPr>
+          </a:p>
+          <a:p>
+            <a:r>
+              <a:rPr lang="en-US" sz="700" i="1" dirty="0" smtClean="0">
+                <a:solidFill>
+                  <a:schemeClr val="tx1"/>
+                </a:solidFill>
+              </a:rPr>
+              <a:t>      "</a:t>
+            </a:r>
+            <a:r>
+              <a:rPr lang="en-US" sz="700" i="1" dirty="0" err="1" smtClean="0">
+                <a:solidFill>
+                  <a:schemeClr val="tx1"/>
+                </a:solidFill>
+              </a:rPr>
+              <a:t>datetime</a:t>
+            </a:r>
+            <a:r>
+              <a:rPr lang="en-US" sz="700" i="1" dirty="0" smtClean="0">
+                <a:solidFill>
+                  <a:schemeClr val="tx1"/>
+                </a:solidFill>
+              </a:rPr>
+              <a:t>":"2012-04-18T20:00:00-0800"</a:t>
+            </a:r>
+            <a:endParaRPr lang="el-GR" sz="700" dirty="0" smtClean="0">
+              <a:solidFill>
+                <a:schemeClr val="tx1"/>
+              </a:solidFill>
+            </a:endParaRPr>
+          </a:p>
+          <a:p>
+            <a:r>
+              <a:rPr lang="en-US" sz="700" i="1" dirty="0" smtClean="0">
+                <a:solidFill>
+                  <a:schemeClr val="tx1"/>
+                </a:solidFill>
+              </a:rPr>
+              <a:t>    },</a:t>
+            </a:r>
+            <a:endParaRPr lang="el-GR" sz="700" dirty="0" smtClean="0">
+              <a:solidFill>
+                <a:schemeClr val="tx1"/>
+              </a:solidFill>
+            </a:endParaRPr>
+          </a:p>
+          <a:p>
+            <a:r>
+              <a:rPr lang="en-US" sz="700" i="1" dirty="0" smtClean="0">
+                <a:solidFill>
+                  <a:schemeClr val="tx1"/>
+                </a:solidFill>
+              </a:rPr>
+              <a:t>    "performance": [</a:t>
+            </a:r>
+            <a:endParaRPr lang="el-GR" sz="700" dirty="0" smtClean="0">
+              <a:solidFill>
+                <a:schemeClr val="tx1"/>
+              </a:solidFill>
+            </a:endParaRPr>
+          </a:p>
+          <a:p>
+            <a:r>
+              <a:rPr lang="en-US" sz="700" i="1" dirty="0" smtClean="0">
+                <a:solidFill>
+                  <a:schemeClr val="tx1"/>
+                </a:solidFill>
+              </a:rPr>
+              <a:t>      {</a:t>
+            </a:r>
+            <a:endParaRPr lang="el-GR" sz="700" dirty="0" smtClean="0">
+              <a:solidFill>
+                <a:schemeClr val="tx1"/>
+              </a:solidFill>
+            </a:endParaRPr>
+          </a:p>
+          <a:p>
+            <a:r>
+              <a:rPr lang="en-US" sz="700" i="1" dirty="0" smtClean="0">
+                <a:solidFill>
+                  <a:schemeClr val="tx1"/>
+                </a:solidFill>
+              </a:rPr>
+              <a:t>        "artist":{</a:t>
+            </a:r>
+            <a:endParaRPr lang="el-GR" sz="700" dirty="0" smtClean="0">
+              <a:solidFill>
+                <a:schemeClr val="tx1"/>
+              </a:solidFill>
+            </a:endParaRPr>
+          </a:p>
+          <a:p>
+            <a:r>
+              <a:rPr lang="en-US" sz="700" i="1" dirty="0" smtClean="0">
+                <a:solidFill>
+                  <a:schemeClr val="tx1"/>
+                </a:solidFill>
+              </a:rPr>
+              <a:t>          "</a:t>
+            </a:r>
+            <a:r>
+              <a:rPr lang="en-US" sz="700" i="1" dirty="0" err="1" smtClean="0">
+                <a:solidFill>
+                  <a:schemeClr val="tx1"/>
+                </a:solidFill>
+              </a:rPr>
+              <a:t>uri</a:t>
+            </a:r>
+            <a:r>
+              <a:rPr lang="en-US" sz="700" i="1" dirty="0" smtClean="0">
+                <a:solidFill>
+                  <a:schemeClr val="tx1"/>
+                </a:solidFill>
+              </a:rPr>
+              <a:t>":"http://www.songkick.com/artists/29835-wild-flag?utm_source=PARTNER_ID&amp;utm_medium=partner",</a:t>
+            </a:r>
+            <a:endParaRPr lang="el-GR" sz="700" dirty="0" smtClean="0">
+              <a:solidFill>
+                <a:schemeClr val="tx1"/>
+              </a:solidFill>
+            </a:endParaRPr>
+          </a:p>
+          <a:p>
+            <a:r>
+              <a:rPr lang="en-US" sz="700" i="1" dirty="0" smtClean="0">
+                <a:solidFill>
+                  <a:schemeClr val="tx1"/>
+                </a:solidFill>
+              </a:rPr>
+              <a:t>          "</a:t>
+            </a:r>
+            <a:r>
+              <a:rPr lang="en-US" sz="700" i="1" dirty="0" err="1" smtClean="0">
+                <a:solidFill>
+                  <a:schemeClr val="tx1"/>
+                </a:solidFill>
+              </a:rPr>
+              <a:t>displayName</a:t>
+            </a:r>
+            <a:r>
+              <a:rPr lang="en-US" sz="700" i="1" dirty="0" smtClean="0">
+                <a:solidFill>
+                  <a:schemeClr val="tx1"/>
+                </a:solidFill>
+              </a:rPr>
+              <a:t>":"Wild Flag",</a:t>
+            </a:r>
+            <a:endParaRPr lang="el-GR" sz="700" dirty="0" smtClean="0">
+              <a:solidFill>
+                <a:schemeClr val="tx1"/>
+              </a:solidFill>
+            </a:endParaRPr>
+          </a:p>
+          <a:p>
+            <a:r>
+              <a:rPr lang="en-US" sz="700" i="1" dirty="0" smtClean="0">
+                <a:solidFill>
+                  <a:schemeClr val="tx1"/>
+                </a:solidFill>
+              </a:rPr>
+              <a:t>          "id":29835,</a:t>
+            </a:r>
+            <a:endParaRPr lang="el-GR" sz="700" dirty="0" smtClean="0">
+              <a:solidFill>
+                <a:schemeClr val="tx1"/>
+              </a:solidFill>
+            </a:endParaRPr>
+          </a:p>
+          <a:p>
+            <a:r>
+              <a:rPr lang="en-US" sz="700" i="1" dirty="0" smtClean="0">
+                <a:solidFill>
+                  <a:schemeClr val="tx1"/>
+                </a:solidFill>
+              </a:rPr>
+              <a:t>          "identifier":[]</a:t>
+            </a:r>
+            <a:endParaRPr lang="el-GR" sz="700" dirty="0" smtClean="0">
+              <a:solidFill>
+                <a:schemeClr val="tx1"/>
+              </a:solidFill>
+            </a:endParaRPr>
+          </a:p>
+          <a:p>
+            <a:r>
+              <a:rPr lang="en-US" sz="700" i="1" dirty="0" smtClean="0">
+                <a:solidFill>
+                  <a:schemeClr val="tx1"/>
+                </a:solidFill>
+              </a:rPr>
+              <a:t>        },</a:t>
+            </a:r>
+            <a:endParaRPr lang="el-GR" sz="700" dirty="0" smtClean="0">
+              <a:solidFill>
+                <a:schemeClr val="tx1"/>
+              </a:solidFill>
+            </a:endParaRPr>
+          </a:p>
+          <a:p>
+            <a:r>
+              <a:rPr lang="en-US" sz="700" i="1" dirty="0" smtClean="0">
+                <a:solidFill>
+                  <a:schemeClr val="tx1"/>
+                </a:solidFill>
+              </a:rPr>
+              <a:t>        "id":21579303,</a:t>
+            </a:r>
+            <a:endParaRPr lang="el-GR" sz="700" dirty="0" smtClean="0">
+              <a:solidFill>
+                <a:schemeClr val="tx1"/>
+              </a:solidFill>
+            </a:endParaRPr>
+          </a:p>
+          <a:p>
+            <a:r>
+              <a:rPr lang="en-US" sz="700" i="1" dirty="0" smtClean="0">
+                <a:solidFill>
+                  <a:schemeClr val="tx1"/>
+                </a:solidFill>
+              </a:rPr>
+              <a:t>        "</a:t>
+            </a:r>
+            <a:r>
+              <a:rPr lang="en-US" sz="700" i="1" dirty="0" err="1" smtClean="0">
+                <a:solidFill>
+                  <a:schemeClr val="tx1"/>
+                </a:solidFill>
+              </a:rPr>
+              <a:t>displayName</a:t>
+            </a:r>
+            <a:r>
+              <a:rPr lang="en-US" sz="700" i="1" dirty="0" smtClean="0">
+                <a:solidFill>
+                  <a:schemeClr val="tx1"/>
+                </a:solidFill>
+              </a:rPr>
+              <a:t>":"Wild Flag",</a:t>
+            </a:r>
+            <a:endParaRPr lang="el-GR" sz="700" dirty="0" smtClean="0">
+              <a:solidFill>
+                <a:schemeClr val="tx1"/>
+              </a:solidFill>
+            </a:endParaRPr>
+          </a:p>
+          <a:p>
+            <a:r>
+              <a:rPr lang="en-US" sz="700" i="1" dirty="0" smtClean="0">
+                <a:solidFill>
+                  <a:schemeClr val="tx1"/>
+                </a:solidFill>
+              </a:rPr>
+              <a:t>        "</a:t>
+            </a:r>
+            <a:r>
+              <a:rPr lang="en-US" sz="700" i="1" dirty="0" err="1" smtClean="0">
+                <a:solidFill>
+                  <a:schemeClr val="tx1"/>
+                </a:solidFill>
+              </a:rPr>
+              <a:t>billingIndex</a:t>
+            </a:r>
+            <a:r>
+              <a:rPr lang="en-US" sz="700" i="1" dirty="0" smtClean="0">
+                <a:solidFill>
+                  <a:schemeClr val="tx1"/>
+                </a:solidFill>
+              </a:rPr>
+              <a:t>":1,</a:t>
+            </a:r>
+            <a:endParaRPr lang="el-GR" sz="700" dirty="0" smtClean="0">
+              <a:solidFill>
+                <a:schemeClr val="tx1"/>
+              </a:solidFill>
+            </a:endParaRPr>
+          </a:p>
+          <a:p>
+            <a:r>
+              <a:rPr lang="en-US" sz="700" i="1" dirty="0" smtClean="0">
+                <a:solidFill>
+                  <a:schemeClr val="tx1"/>
+                </a:solidFill>
+              </a:rPr>
+              <a:t>        "billing":"headline"</a:t>
+            </a:r>
+            <a:endParaRPr lang="el-GR" sz="700" dirty="0" smtClean="0">
+              <a:solidFill>
+                <a:schemeClr val="tx1"/>
+              </a:solidFill>
+            </a:endParaRPr>
+          </a:p>
+          <a:p>
+            <a:r>
+              <a:rPr lang="en-US" sz="700" i="1" dirty="0" smtClean="0">
+                <a:solidFill>
+                  <a:schemeClr val="tx1"/>
+                </a:solidFill>
+              </a:rPr>
+              <a:t>      }</a:t>
+            </a:r>
+            <a:endParaRPr lang="el-GR" sz="700" dirty="0" smtClean="0">
+              <a:solidFill>
+                <a:schemeClr val="tx1"/>
+              </a:solidFill>
+            </a:endParaRPr>
+          </a:p>
+          <a:p>
+            <a:r>
+              <a:rPr lang="en-US" sz="700" i="1" dirty="0" smtClean="0">
+                <a:solidFill>
+                  <a:schemeClr val="tx1"/>
+                </a:solidFill>
+              </a:rPr>
+              <a:t>    ],</a:t>
+            </a:r>
+            <a:endParaRPr lang="el-GR" sz="700" dirty="0" smtClean="0">
+              <a:solidFill>
+                <a:schemeClr val="tx1"/>
+              </a:solidFill>
+            </a:endParaRPr>
+          </a:p>
+          <a:p>
+            <a:r>
+              <a:rPr lang="en-US" sz="700" i="1" dirty="0" smtClean="0">
+                <a:solidFill>
+                  <a:schemeClr val="tx1"/>
+                </a:solidFill>
+              </a:rPr>
+              <a:t>    "location": {</a:t>
+            </a:r>
+            <a:endParaRPr lang="el-GR" sz="700" dirty="0" smtClean="0">
+              <a:solidFill>
+                <a:schemeClr val="tx1"/>
+              </a:solidFill>
+            </a:endParaRPr>
+          </a:p>
+          <a:p>
+            <a:r>
+              <a:rPr lang="en-US" sz="700" i="1" dirty="0" smtClean="0">
+                <a:solidFill>
+                  <a:schemeClr val="tx1"/>
+                </a:solidFill>
+              </a:rPr>
+              <a:t>      "city":"San Francisco, CA, US",</a:t>
+            </a:r>
+            <a:endParaRPr lang="el-GR" sz="700" dirty="0" smtClean="0">
+              <a:solidFill>
+                <a:schemeClr val="tx1"/>
+              </a:solidFill>
+            </a:endParaRPr>
+          </a:p>
+          <a:p>
+            <a:r>
+              <a:rPr lang="en-US" sz="700" i="1" dirty="0" smtClean="0">
+                <a:solidFill>
+                  <a:schemeClr val="tx1"/>
+                </a:solidFill>
+              </a:rPr>
+              <a:t>      </a:t>
+            </a:r>
+            <a:r>
+              <a:rPr lang="el-GR" sz="700" i="1" dirty="0" smtClean="0">
+                <a:solidFill>
+                  <a:schemeClr val="tx1"/>
+                </a:solidFill>
+              </a:rPr>
+              <a:t>"lng":-122.4332937,</a:t>
+            </a:r>
+            <a:endParaRPr lang="el-GR" sz="700" dirty="0" smtClean="0">
+              <a:solidFill>
+                <a:schemeClr val="tx1"/>
+              </a:solidFill>
+            </a:endParaRPr>
+          </a:p>
+          <a:p>
+            <a:r>
+              <a:rPr lang="el-GR" sz="700" i="1" dirty="0" smtClean="0">
+                <a:solidFill>
+                  <a:schemeClr val="tx1"/>
+                </a:solidFill>
+              </a:rPr>
+              <a:t>      "lat":37.7842398</a:t>
+            </a:r>
+            <a:endParaRPr lang="el-GR" sz="700" dirty="0" smtClean="0">
+              <a:solidFill>
+                <a:schemeClr val="tx1"/>
+              </a:solidFill>
+            </a:endParaRPr>
+          </a:p>
+          <a:p>
+            <a:r>
+              <a:rPr lang="el-GR" sz="700" i="1" dirty="0" smtClean="0">
+                <a:solidFill>
+                  <a:schemeClr val="tx1"/>
+                </a:solidFill>
+              </a:rPr>
+              <a:t>    },</a:t>
+            </a:r>
+            <a:endParaRPr lang="el-GR" sz="700" dirty="0" smtClean="0">
+              <a:solidFill>
+                <a:schemeClr val="tx1"/>
+              </a:solidFill>
+            </a:endParaRPr>
+          </a:p>
+          <a:p>
+            <a:r>
+              <a:rPr lang="el-GR" sz="700" i="1" dirty="0" smtClean="0">
+                <a:solidFill>
+                  <a:schemeClr val="tx1"/>
+                </a:solidFill>
+              </a:rPr>
+              <a:t>    "</a:t>
+            </a:r>
+            <a:r>
+              <a:rPr lang="el-GR" sz="700" i="1" dirty="0" err="1" smtClean="0">
+                <a:solidFill>
+                  <a:schemeClr val="tx1"/>
+                </a:solidFill>
+              </a:rPr>
+              <a:t>venue</a:t>
+            </a:r>
+            <a:r>
+              <a:rPr lang="el-GR" sz="700" i="1" dirty="0" smtClean="0">
+                <a:solidFill>
+                  <a:schemeClr val="tx1"/>
+                </a:solidFill>
+              </a:rPr>
+              <a:t>": {</a:t>
+            </a:r>
+            <a:endParaRPr lang="el-GR" sz="700" dirty="0" smtClean="0">
+              <a:solidFill>
+                <a:schemeClr val="tx1"/>
+              </a:solidFill>
+            </a:endParaRPr>
+          </a:p>
+          <a:p>
+            <a:r>
+              <a:rPr lang="en-US" sz="700" i="1" dirty="0" smtClean="0">
+                <a:solidFill>
+                  <a:schemeClr val="tx1"/>
+                </a:solidFill>
+              </a:rPr>
+              <a:t>      "id":6239,</a:t>
+            </a:r>
+            <a:endParaRPr lang="el-GR" sz="700" dirty="0" smtClean="0">
+              <a:solidFill>
+                <a:schemeClr val="tx1"/>
+              </a:solidFill>
+            </a:endParaRPr>
+          </a:p>
+          <a:p>
+            <a:r>
+              <a:rPr lang="en-US" sz="700" i="1" dirty="0" smtClean="0">
+                <a:solidFill>
+                  <a:schemeClr val="tx1"/>
+                </a:solidFill>
+              </a:rPr>
+              <a:t>      "</a:t>
+            </a:r>
+            <a:r>
+              <a:rPr lang="en-US" sz="700" i="1" dirty="0" err="1" smtClean="0">
+                <a:solidFill>
+                  <a:schemeClr val="tx1"/>
+                </a:solidFill>
+              </a:rPr>
+              <a:t>displayName</a:t>
+            </a:r>
+            <a:r>
+              <a:rPr lang="en-US" sz="700" i="1" dirty="0" smtClean="0">
+                <a:solidFill>
+                  <a:schemeClr val="tx1"/>
+                </a:solidFill>
+              </a:rPr>
+              <a:t>":"The Fillmore",</a:t>
+            </a:r>
+            <a:endParaRPr lang="el-GR" sz="700" dirty="0" smtClean="0">
+              <a:solidFill>
+                <a:schemeClr val="tx1"/>
+              </a:solidFill>
+            </a:endParaRPr>
+          </a:p>
+          <a:p>
+            <a:r>
+              <a:rPr lang="en-US" sz="700" i="1" dirty="0" smtClean="0">
+                <a:solidFill>
+                  <a:schemeClr val="tx1"/>
+                </a:solidFill>
+              </a:rPr>
+              <a:t>      "</a:t>
+            </a:r>
+            <a:r>
+              <a:rPr lang="en-US" sz="700" i="1" dirty="0" err="1" smtClean="0">
+                <a:solidFill>
+                  <a:schemeClr val="tx1"/>
+                </a:solidFill>
+              </a:rPr>
+              <a:t>uri</a:t>
+            </a:r>
+            <a:r>
+              <a:rPr lang="en-US" sz="700" i="1" dirty="0" smtClean="0">
+                <a:solidFill>
+                  <a:schemeClr val="tx1"/>
+                </a:solidFill>
+              </a:rPr>
+              <a:t>":"http://www.songkick.com/venues/6239-fillmore?utm_source=PARTNER_ID&amp;utm_medium=partner",</a:t>
+            </a:r>
+            <a:endParaRPr lang="el-GR" sz="700" dirty="0" smtClean="0">
+              <a:solidFill>
+                <a:schemeClr val="tx1"/>
+              </a:solidFill>
+            </a:endParaRPr>
+          </a:p>
+          <a:p>
+            <a:r>
+              <a:rPr lang="en-US" sz="700" i="1" dirty="0" smtClean="0">
+                <a:solidFill>
+                  <a:schemeClr val="tx1"/>
+                </a:solidFill>
+              </a:rPr>
+              <a:t>      "</a:t>
+            </a:r>
+            <a:r>
+              <a:rPr lang="en-US" sz="700" i="1" dirty="0" err="1" smtClean="0">
+                <a:solidFill>
+                  <a:schemeClr val="tx1"/>
+                </a:solidFill>
+              </a:rPr>
+              <a:t>lng</a:t>
+            </a:r>
+            <a:r>
+              <a:rPr lang="en-US" sz="700" i="1" dirty="0" smtClean="0">
+                <a:solidFill>
+                  <a:schemeClr val="tx1"/>
+                </a:solidFill>
+              </a:rPr>
+              <a:t>":-122.4332937,</a:t>
+            </a:r>
+            <a:endParaRPr lang="el-GR" sz="700" dirty="0" smtClean="0">
+              <a:solidFill>
+                <a:schemeClr val="tx1"/>
+              </a:solidFill>
+            </a:endParaRPr>
+          </a:p>
+          <a:p>
+            <a:r>
+              <a:rPr lang="en-US" sz="700" i="1" dirty="0" smtClean="0">
+                <a:solidFill>
+                  <a:schemeClr val="tx1"/>
+                </a:solidFill>
+              </a:rPr>
+              <a:t>      "lat":37.7842398,</a:t>
+            </a:r>
+            <a:endParaRPr lang="el-GR" sz="700" dirty="0" smtClean="0">
+              <a:solidFill>
+                <a:schemeClr val="tx1"/>
+              </a:solidFill>
+            </a:endParaRPr>
+          </a:p>
+          <a:p>
+            <a:r>
+              <a:rPr lang="en-US" sz="700" i="1" dirty="0" smtClean="0">
+                <a:solidFill>
+                  <a:schemeClr val="tx1"/>
+                </a:solidFill>
+              </a:rPr>
+              <a:t>      "</a:t>
+            </a:r>
+            <a:r>
+              <a:rPr lang="en-US" sz="700" i="1" dirty="0" err="1" smtClean="0">
+                <a:solidFill>
+                  <a:schemeClr val="tx1"/>
+                </a:solidFill>
+              </a:rPr>
+              <a:t>metroArea</a:t>
+            </a:r>
+            <a:r>
+              <a:rPr lang="en-US" sz="700" i="1" dirty="0" smtClean="0">
+                <a:solidFill>
+                  <a:schemeClr val="tx1"/>
+                </a:solidFill>
+              </a:rPr>
+              <a:t>": {</a:t>
+            </a:r>
+            <a:endParaRPr lang="el-GR" sz="700" dirty="0" smtClean="0">
+              <a:solidFill>
+                <a:schemeClr val="tx1"/>
+              </a:solidFill>
+            </a:endParaRPr>
+          </a:p>
+          <a:p>
+            <a:r>
+              <a:rPr lang="en-US" sz="700" i="1" dirty="0" smtClean="0">
+                <a:solidFill>
+                  <a:schemeClr val="tx1"/>
+                </a:solidFill>
+              </a:rPr>
+              <a:t>        "</a:t>
+            </a:r>
+            <a:r>
+              <a:rPr lang="en-US" sz="700" i="1" dirty="0" err="1" smtClean="0">
+                <a:solidFill>
+                  <a:schemeClr val="tx1"/>
+                </a:solidFill>
+              </a:rPr>
+              <a:t>uri</a:t>
+            </a:r>
+            <a:r>
+              <a:rPr lang="en-US" sz="700" i="1" dirty="0" smtClean="0">
+                <a:solidFill>
+                  <a:schemeClr val="tx1"/>
+                </a:solidFill>
+              </a:rPr>
+              <a:t>":"http://www.songkick.com/metro-areas/26330-us-sf-bay-area?utm_source=PARTNER_ID&amp;utm_medium=partner",</a:t>
+            </a:r>
+            <a:endParaRPr lang="el-GR" sz="700" dirty="0" smtClean="0">
+              <a:solidFill>
+                <a:schemeClr val="tx1"/>
+              </a:solidFill>
+            </a:endParaRPr>
+          </a:p>
+          <a:p>
+            <a:r>
+              <a:rPr lang="en-US" sz="700" i="1" dirty="0" smtClean="0">
+                <a:solidFill>
+                  <a:schemeClr val="tx1"/>
+                </a:solidFill>
+              </a:rPr>
+              <a:t>        "</a:t>
+            </a:r>
+            <a:r>
+              <a:rPr lang="en-US" sz="700" i="1" dirty="0" err="1" smtClean="0">
+                <a:solidFill>
+                  <a:schemeClr val="tx1"/>
+                </a:solidFill>
+              </a:rPr>
+              <a:t>displayName</a:t>
+            </a:r>
+            <a:r>
+              <a:rPr lang="en-US" sz="700" i="1" dirty="0" smtClean="0">
+                <a:solidFill>
+                  <a:schemeClr val="tx1"/>
+                </a:solidFill>
+              </a:rPr>
+              <a:t>":"SF Bay Area",</a:t>
+            </a:r>
+            <a:endParaRPr lang="el-GR" sz="700" dirty="0" smtClean="0">
+              <a:solidFill>
+                <a:schemeClr val="tx1"/>
+              </a:solidFill>
+            </a:endParaRPr>
+          </a:p>
+          <a:p>
+            <a:r>
+              <a:rPr lang="en-US" sz="700" i="1" dirty="0" smtClean="0">
+                <a:solidFill>
+                  <a:schemeClr val="tx1"/>
+                </a:solidFill>
+              </a:rPr>
+              <a:t>        "country": { "</a:t>
+            </a:r>
+            <a:r>
+              <a:rPr lang="en-US" sz="700" i="1" dirty="0" err="1" smtClean="0">
+                <a:solidFill>
+                  <a:schemeClr val="tx1"/>
+                </a:solidFill>
+              </a:rPr>
+              <a:t>displayName</a:t>
+            </a:r>
+            <a:r>
+              <a:rPr lang="en-US" sz="700" i="1" dirty="0" smtClean="0">
+                <a:solidFill>
+                  <a:schemeClr val="tx1"/>
+                </a:solidFill>
+              </a:rPr>
+              <a:t>":"US" },</a:t>
+            </a:r>
+            <a:endParaRPr lang="el-GR" sz="700" dirty="0" smtClean="0">
+              <a:solidFill>
+                <a:schemeClr val="tx1"/>
+              </a:solidFill>
+            </a:endParaRPr>
+          </a:p>
+          <a:p>
+            <a:r>
+              <a:rPr lang="en-US" sz="700" i="1" dirty="0" smtClean="0">
+                <a:solidFill>
+                  <a:schemeClr val="tx1"/>
+                </a:solidFill>
+              </a:rPr>
+              <a:t>        "id":26330,</a:t>
+            </a:r>
+            <a:endParaRPr lang="el-GR" sz="700" dirty="0" smtClean="0">
+              <a:solidFill>
+                <a:schemeClr val="tx1"/>
+              </a:solidFill>
+            </a:endParaRPr>
+          </a:p>
+          <a:p>
+            <a:r>
+              <a:rPr lang="en-US" sz="700" i="1" dirty="0" smtClean="0">
+                <a:solidFill>
+                  <a:schemeClr val="tx1"/>
+                </a:solidFill>
+              </a:rPr>
+              <a:t>        "state": { "</a:t>
+            </a:r>
+            <a:r>
+              <a:rPr lang="en-US" sz="700" i="1" dirty="0" err="1" smtClean="0">
+                <a:solidFill>
+                  <a:schemeClr val="tx1"/>
+                </a:solidFill>
+              </a:rPr>
+              <a:t>displayName</a:t>
+            </a:r>
+            <a:r>
+              <a:rPr lang="en-US" sz="700" i="1" dirty="0" smtClean="0">
+                <a:solidFill>
+                  <a:schemeClr val="tx1"/>
+                </a:solidFill>
+              </a:rPr>
+              <a:t>":"CA" }</a:t>
+            </a:r>
+            <a:endParaRPr lang="el-GR" sz="700" dirty="0" smtClean="0">
+              <a:solidFill>
+                <a:schemeClr val="tx1"/>
+              </a:solidFill>
+            </a:endParaRPr>
+          </a:p>
+          <a:p>
+            <a:r>
+              <a:rPr lang="en-US" sz="700" i="1" dirty="0" smtClean="0">
+                <a:solidFill>
+                  <a:schemeClr val="tx1"/>
+                </a:solidFill>
+              </a:rPr>
+              <a:t>      }</a:t>
+            </a:r>
+            <a:endParaRPr lang="el-GR" sz="700" dirty="0" smtClean="0">
+              <a:solidFill>
+                <a:schemeClr val="tx1"/>
+              </a:solidFill>
+            </a:endParaRPr>
+          </a:p>
+          <a:p>
+            <a:r>
+              <a:rPr lang="en-US" sz="700" i="1" dirty="0" smtClean="0">
+                <a:solidFill>
+                  <a:schemeClr val="tx1"/>
+                </a:solidFill>
+              </a:rPr>
+              <a:t>    },</a:t>
+            </a:r>
+            <a:endParaRPr lang="el-GR" sz="700" dirty="0" smtClean="0">
+              <a:solidFill>
+                <a:schemeClr val="tx1"/>
+              </a:solidFill>
+            </a:endParaRPr>
+          </a:p>
+          <a:p>
+            <a:r>
+              <a:rPr lang="en-US" sz="700" i="1" dirty="0" smtClean="0">
+                <a:solidFill>
+                  <a:schemeClr val="tx1"/>
+                </a:solidFill>
+              </a:rPr>
+              <a:t>    "status":"ok",</a:t>
+            </a:r>
+            <a:endParaRPr lang="el-GR" sz="700" dirty="0" smtClean="0">
+              <a:solidFill>
+                <a:schemeClr val="tx1"/>
+              </a:solidFill>
+            </a:endParaRPr>
+          </a:p>
+          <a:p>
+            <a:r>
+              <a:rPr lang="en-US" sz="700" i="1" dirty="0" smtClean="0">
+                <a:solidFill>
+                  <a:schemeClr val="tx1"/>
+                </a:solidFill>
+              </a:rPr>
+              <a:t>    </a:t>
+            </a:r>
+            <a:r>
+              <a:rPr lang="el-GR" sz="700" i="1" dirty="0" smtClean="0">
+                <a:solidFill>
+                  <a:schemeClr val="tx1"/>
+                </a:solidFill>
+              </a:rPr>
+              <a:t>"popularity":0.012763</a:t>
+            </a:r>
+            <a:endParaRPr lang="el-GR" sz="700" dirty="0" smtClean="0">
+              <a:solidFill>
+                <a:schemeClr val="tx1"/>
+              </a:solidFill>
+            </a:endParaRPr>
+          </a:p>
+          <a:p>
+            <a:r>
+              <a:rPr lang="el-GR" sz="700" i="1" dirty="0" smtClean="0">
+                <a:solidFill>
+                  <a:schemeClr val="tx1"/>
+                </a:solidFill>
+              </a:rPr>
+              <a:t>  }</a:t>
+            </a:r>
+            <a:endParaRPr lang="el-GR" sz="700" dirty="0" smtClean="0">
+              <a:solidFill>
+                <a:schemeClr val="tx1"/>
+              </a:solidFill>
+            </a:endParaRPr>
+          </a:p>
+          <a:p>
+            <a:endParaRPr lang="en-US" sz="700" dirty="0">
+              <a:solidFill>
+                <a:schemeClr val="tx1"/>
+              </a:solidFill>
+              <a:ea typeface="Noto Sans CJK SC" charset="0"/>
+              <a:cs typeface="Noto Sans CJK SC" charset="0"/>
+            </a:endParaRPr>
+          </a:p>
+        </p:txBody>
+      </p:sp>
+      <p:sp>
+        <p:nvSpPr>
+          <p:cNvPr id="7" name="6 - TextBox"/>
+          <p:cNvSpPr txBox="1"/>
+          <p:nvPr/>
+        </p:nvSpPr>
+        <p:spPr>
+          <a:xfrm>
+            <a:off x="504000" y="1332000"/>
+            <a:ext cx="9072816" cy="404406"/>
+          </a:xfrm>
+          <a:prstGeom prst="rect">
+            <a:avLst/>
+          </a:prstGeom>
+          <a:noFill/>
+        </p:spPr>
+        <p:txBody>
+          <a:bodyPr wrap="square" rtlCol="0">
             <a:spAutoFit/>
           </a:bodyPr>
           <a:lstStyle/>
@@ -22274,243 +23852,49 @@
               </a:lnSpc>
             </a:pPr>
             <a:r>
-              <a:rPr lang="el-GR" dirty="0" smtClean="0">
-                <a:solidFill>
-                  <a:schemeClr val="tx1"/>
-                </a:solidFill>
-                <a:ea typeface="Noto Sans CJK SC" charset="0"/>
-                <a:cs typeface="Noto Sans CJK SC" charset="0"/>
-              </a:rPr>
-              <a:t> </a:t>
-            </a:r>
-            <a:r>
-              <a:rPr lang="el-GR" dirty="0" smtClean="0">
-                <a:solidFill>
-                  <a:schemeClr val="tx1"/>
-                </a:solidFill>
-              </a:rPr>
-              <a:t>Χρησιμοποιούνται μόνο οι πληροφορίες:</a:t>
-            </a:r>
-          </a:p>
-          <a:p>
-            <a:pPr lvl="0">
-              <a:lnSpc>
-                <a:spcPct val="200000"/>
-              </a:lnSpc>
-              <a:buFont typeface="Arial" pitchFamily="34" charset="0"/>
-              <a:buChar char="•"/>
-            </a:pPr>
-            <a:r>
-              <a:rPr lang="el-GR" dirty="0" smtClean="0">
-                <a:solidFill>
-                  <a:schemeClr val="tx1"/>
-                </a:solidFill>
-              </a:rPr>
-              <a:t> Όνομα </a:t>
-            </a:r>
-            <a:r>
-              <a:rPr lang="el-GR" dirty="0" err="1" smtClean="0">
-                <a:solidFill>
-                  <a:schemeClr val="tx1"/>
-                </a:solidFill>
-              </a:rPr>
-              <a:t>event</a:t>
-            </a:r>
-            <a:r>
-              <a:rPr lang="el-GR" dirty="0" smtClean="0">
-                <a:solidFill>
-                  <a:schemeClr val="tx1"/>
-                </a:solidFill>
-              </a:rPr>
-              <a:t> με το αντίστοιχο </a:t>
-            </a:r>
-            <a:r>
-              <a:rPr lang="el-GR" dirty="0" err="1" smtClean="0">
-                <a:solidFill>
-                  <a:schemeClr val="tx1"/>
-                </a:solidFill>
-              </a:rPr>
-              <a:t>Link</a:t>
-            </a:r>
-            <a:endParaRPr lang="el-GR" dirty="0" smtClean="0">
+              <a:rPr lang="en-US" sz="1200" b="1" dirty="0" smtClean="0">
+                <a:solidFill>
+                  <a:schemeClr val="tx1"/>
+                </a:solidFill>
+              </a:rPr>
+              <a:t>https://api.songkick.com/api/3.0/metro_areas/{</a:t>
+            </a:r>
+            <a:r>
+              <a:rPr lang="en-US" sz="1200" b="1" dirty="0" smtClean="0">
+                <a:solidFill>
+                  <a:srgbClr val="FF0000"/>
+                </a:solidFill>
+              </a:rPr>
+              <a:t>city_code</a:t>
+            </a:r>
+            <a:r>
+              <a:rPr lang="en-US" sz="1200" b="1" dirty="0" smtClean="0">
+                <a:solidFill>
+                  <a:schemeClr val="tx1"/>
+                </a:solidFill>
+              </a:rPr>
+              <a:t>}/calendar.json?apikey={</a:t>
+            </a:r>
+            <a:r>
+              <a:rPr lang="en-US" sz="1200" b="1" dirty="0" smtClean="0">
+                <a:solidFill>
+                  <a:srgbClr val="FF0000"/>
+                </a:solidFill>
+              </a:rPr>
+              <a:t>api_key</a:t>
+            </a:r>
+            <a:r>
+              <a:rPr lang="en-US" sz="1200" b="1" dirty="0" smtClean="0">
+                <a:solidFill>
+                  <a:schemeClr val="tx1"/>
+                </a:solidFill>
+              </a:rPr>
+              <a:t>}&amp;page=1&amp;per_page =20</a:t>
+            </a:r>
+            <a:endParaRPr lang="el-GR" sz="1200" b="1" dirty="0" smtClean="0">
               <a:solidFill>
                 <a:schemeClr val="tx1"/>
               </a:solidFill>
-            </a:endParaRPr>
-          </a:p>
-          <a:p>
-            <a:pPr lvl="0">
-              <a:lnSpc>
-                <a:spcPct val="200000"/>
-              </a:lnSpc>
-              <a:buFont typeface="Arial" pitchFamily="34" charset="0"/>
-              <a:buChar char="•"/>
-            </a:pPr>
-            <a:r>
-              <a:rPr lang="el-GR" dirty="0" smtClean="0">
-                <a:solidFill>
-                  <a:schemeClr val="tx1"/>
-                </a:solidFill>
-              </a:rPr>
-              <a:t> Όνομα καλλιτέχνη με το αντίστοιχο </a:t>
-            </a:r>
-            <a:r>
-              <a:rPr lang="el-GR" dirty="0" err="1" smtClean="0">
-                <a:solidFill>
-                  <a:schemeClr val="tx1"/>
-                </a:solidFill>
-              </a:rPr>
-              <a:t>Link</a:t>
-            </a:r>
-            <a:endParaRPr lang="el-GR" dirty="0" smtClean="0">
-              <a:solidFill>
-                <a:schemeClr val="tx1"/>
-              </a:solidFill>
-            </a:endParaRPr>
-          </a:p>
-          <a:p>
-            <a:pPr lvl="0">
-              <a:lnSpc>
-                <a:spcPct val="200000"/>
-              </a:lnSpc>
-              <a:buFont typeface="Arial" pitchFamily="34" charset="0"/>
-              <a:buChar char="•"/>
-            </a:pPr>
-            <a:r>
-              <a:rPr lang="el-GR" dirty="0" smtClean="0">
-                <a:solidFill>
-                  <a:schemeClr val="tx1"/>
-                </a:solidFill>
-              </a:rPr>
-              <a:t> Το όνομα του χώρου διεξαγωγής με το αντίστοιχο </a:t>
-            </a:r>
-            <a:r>
-              <a:rPr lang="el-GR" dirty="0" err="1" smtClean="0">
-                <a:solidFill>
-                  <a:schemeClr val="tx1"/>
-                </a:solidFill>
-              </a:rPr>
-              <a:t>Link</a:t>
-            </a:r>
-            <a:endParaRPr lang="el-GR" dirty="0" smtClean="0">
-              <a:solidFill>
-                <a:schemeClr val="tx1"/>
-              </a:solidFill>
-            </a:endParaRPr>
-          </a:p>
-          <a:p>
-            <a:pPr lvl="0">
-              <a:lnSpc>
-                <a:spcPct val="200000"/>
-              </a:lnSpc>
-              <a:buFont typeface="Arial" pitchFamily="34" charset="0"/>
-              <a:buChar char="•"/>
-            </a:pPr>
-            <a:r>
-              <a:rPr lang="el-GR" dirty="0" smtClean="0">
-                <a:solidFill>
-                  <a:schemeClr val="tx1"/>
-                </a:solidFill>
-              </a:rPr>
-              <a:t> Ημερομηνία </a:t>
-            </a:r>
-          </a:p>
-          <a:p>
-            <a:pPr lvl="0">
-              <a:lnSpc>
-                <a:spcPct val="200000"/>
-              </a:lnSpc>
-              <a:buFont typeface="Arial" pitchFamily="34" charset="0"/>
-              <a:buChar char="•"/>
-            </a:pPr>
-            <a:r>
-              <a:rPr lang="el-GR" dirty="0" smtClean="0">
-                <a:solidFill>
-                  <a:schemeClr val="tx1"/>
-                </a:solidFill>
-              </a:rPr>
-              <a:t> Ώρα</a:t>
-            </a:r>
-          </a:p>
-          <a:p>
-            <a:pPr lvl="0">
-              <a:lnSpc>
-                <a:spcPct val="200000"/>
-              </a:lnSpc>
-              <a:buFont typeface="Arial" pitchFamily="34" charset="0"/>
-              <a:buChar char="•"/>
-            </a:pPr>
-            <a:r>
-              <a:rPr lang="el-GR" dirty="0" smtClean="0">
-                <a:solidFill>
-                  <a:schemeClr val="tx1"/>
-                </a:solidFill>
-              </a:rPr>
-              <a:t> Τι είδους εκδήλωση είναι (</a:t>
-            </a:r>
-            <a:r>
-              <a:rPr lang="el-GR" dirty="0" err="1" smtClean="0">
-                <a:solidFill>
-                  <a:schemeClr val="tx1"/>
-                </a:solidFill>
-              </a:rPr>
-              <a:t>concert</a:t>
-            </a:r>
-            <a:r>
-              <a:rPr lang="el-GR" dirty="0" smtClean="0">
-                <a:solidFill>
-                  <a:schemeClr val="tx1"/>
-                </a:solidFill>
-              </a:rPr>
-              <a:t>/</a:t>
-            </a:r>
-            <a:r>
-              <a:rPr lang="el-GR" dirty="0" err="1" smtClean="0">
-                <a:solidFill>
-                  <a:schemeClr val="tx1"/>
-                </a:solidFill>
-              </a:rPr>
-              <a:t>festival</a:t>
-            </a:r>
-            <a:r>
-              <a:rPr lang="el-GR" dirty="0" smtClean="0">
-                <a:solidFill>
-                  <a:schemeClr val="tx1"/>
-                </a:solidFill>
-              </a:rPr>
-              <a:t>)</a:t>
-            </a:r>
-          </a:p>
-          <a:p>
-            <a:pPr lvl="0">
-              <a:lnSpc>
-                <a:spcPct val="200000"/>
-              </a:lnSpc>
-              <a:buFont typeface="Arial" pitchFamily="34" charset="0"/>
-              <a:buChar char="•"/>
-            </a:pPr>
-            <a:r>
-              <a:rPr lang="el-GR" smtClean="0">
-                <a:solidFill>
-                  <a:schemeClr val="tx1"/>
-                </a:solidFill>
-              </a:rPr>
-              <a:t> Κατάσταση </a:t>
-            </a:r>
-            <a:r>
-              <a:rPr lang="el-GR" dirty="0" smtClean="0">
-                <a:solidFill>
-                  <a:schemeClr val="tx1"/>
-                </a:solidFill>
-              </a:rPr>
-              <a:t>(Αν θα πραγματοποιηθεί ή όχι)</a:t>
-            </a:r>
-            <a:endParaRPr lang="el-GR" dirty="0">
-              <a:solidFill>
-                <a:schemeClr val="tx1"/>
-              </a:solidFill>
-              <a:ea typeface="Noto Sans CJK SC" charset="0"/>
-              <a:cs typeface="Noto Sans CJK SC" charset="0"/>
             </a:endParaRPr>
           </a:p>
         </p:txBody>

--- a/Παρουσίαση Group9-Csearch.pptx
+++ b/Παρουσίαση Group9-Csearch.pptx
@@ -5,7 +5,7 @@
     <p:sldMasterId id="2147483653" r:id="rId1"/>
   </p:sldMasterIdLst>
   <p:notesMasterIdLst>
-    <p:notesMasterId r:id="rId15"/>
+    <p:notesMasterId r:id="rId17"/>
   </p:notesMasterIdLst>
   <p:sldIdLst>
     <p:sldId id="256" r:id="rId2"/>
@@ -20,7 +20,9 @@
     <p:sldId id="268" r:id="rId11"/>
     <p:sldId id="283" r:id="rId12"/>
     <p:sldId id="276" r:id="rId13"/>
-    <p:sldId id="275" r:id="rId14"/>
+    <p:sldId id="285" r:id="rId14"/>
+    <p:sldId id="287" r:id="rId15"/>
+    <p:sldId id="275" r:id="rId16"/>
   </p:sldIdLst>
   <p:sldSz cx="10080625" cy="7559675"/>
   <p:notesSz cx="7772400" cy="10058400"/>
@@ -3432,7 +3434,7 @@
           <a:bodyPr/>
           <a:lstStyle/>
           <a:p>
-            <a:fld id="{F5504162-6C9F-46EE-AE60-B774C4096824}" type="slidenum">
+            <a:fld id="{FDCDCA58-4BAA-448C-86B7-0572397B8780}" type="slidenum">
               <a:rPr lang="en-US"/>
               <a:pPr/>
               <a:t>13</a:t>
@@ -3443,7 +3445,7 @@
       </p:sp>
       <p:sp>
         <p:nvSpPr>
-          <p:cNvPr id="23553" name="Text Box 1"/>
+          <p:cNvPr id="25601" name="Text Box 1"/>
           <p:cNvSpPr txBox="1">
             <a:spLocks noChangeArrowheads="1"/>
           </p:cNvSpPr>
@@ -3509,7 +3511,7 @@
                 <a:tab pos="10780713" algn="l"/>
               </a:tabLst>
             </a:pPr>
-            <a:fld id="{36E7F687-557F-4A0D-BC5B-23F1D093F47F}" type="slidenum">
+            <a:fld id="{72B26F9C-53B1-4226-B843-F4AA5A044747}" type="slidenum">
               <a:rPr lang="en-US" sz="1400" b="1">
                 <a:solidFill>
                   <a:srgbClr val="FFFFFF"/>
@@ -3570,7 +3572,7 @@
       </p:sp>
       <p:sp>
         <p:nvSpPr>
-          <p:cNvPr id="23554" name="Text Box 2"/>
+          <p:cNvPr id="25602" name="Text Box 2"/>
           <p:cNvSpPr txBox="1">
             <a:spLocks noChangeArrowheads="1"/>
           </p:cNvSpPr>
@@ -3636,7 +3638,7 @@
                 <a:tab pos="10780713" algn="l"/>
               </a:tabLst>
             </a:pPr>
-            <a:fld id="{87936834-7B4E-4CA6-82EF-23DAEE094402}" type="slidenum">
+            <a:fld id="{44971B60-E628-45F1-B736-D230933D4513}" type="slidenum">
               <a:rPr lang="en-US" sz="1400" b="1">
                 <a:solidFill>
                   <a:srgbClr val="FFFFFF"/>
@@ -3697,7 +3699,7 @@
       </p:sp>
       <p:sp>
         <p:nvSpPr>
-          <p:cNvPr id="23555" name="Text Box 3"/>
+          <p:cNvPr id="25603" name="Text Box 3"/>
           <p:cNvSpPr txBox="1">
             <a:spLocks noChangeArrowheads="1"/>
           </p:cNvSpPr>
@@ -3763,7 +3765,7 @@
                 <a:tab pos="10780713" algn="l"/>
               </a:tabLst>
             </a:pPr>
-            <a:fld id="{64934F72-CB40-4216-9949-F120EE33C90D}" type="slidenum">
+            <a:fld id="{DE32765D-60E7-4027-BA69-B830F8D48E96}" type="slidenum">
               <a:rPr lang="en-US" sz="1400" b="1">
                 <a:solidFill>
                   <a:srgbClr val="FFFFFF"/>
@@ -3826,6 +3828,1276 @@
       </p:sp>
       <p:sp>
         <p:nvSpPr>
+          <p:cNvPr id="25604" name="Text Box 4"/>
+          <p:cNvSpPr txBox="1">
+            <a:spLocks noChangeArrowheads="1"/>
+          </p:cNvSpPr>
+          <p:nvPr/>
+        </p:nvSpPr>
+        <p:spPr bwMode="auto">
+          <a:xfrm>
+            <a:off x="4398963" y="9555163"/>
+            <a:ext cx="3371850" cy="501650"/>
+          </a:xfrm>
+          <a:prstGeom prst="rect">
+            <a:avLst/>
+          </a:prstGeom>
+          <a:noFill/>
+          <a:ln w="9525" cap="flat">
+            <a:noFill/>
+            <a:round/>
+            <a:headEnd/>
+            <a:tailEnd/>
+          </a:ln>
+          <a:effectLst/>
+        </p:spPr>
+        <p:txBody>
+          <a:bodyPr lIns="0" tIns="0" rIns="0" bIns="0" anchor="b"/>
+          <a:lstStyle/>
+          <a:p>
+            <a:pPr algn="r">
+              <a:lnSpc>
+                <a:spcPct val="104000"/>
+              </a:lnSpc>
+              <a:buClrTx/>
+              <a:buFontTx/>
+              <a:buNone/>
+              <a:tabLst>
+                <a:tab pos="0" algn="l"/>
+                <a:tab pos="457200" algn="l"/>
+                <a:tab pos="914400" algn="l"/>
+                <a:tab pos="1371600" algn="l"/>
+                <a:tab pos="1828800" algn="l"/>
+                <a:tab pos="2286000" algn="l"/>
+                <a:tab pos="2743200" algn="l"/>
+                <a:tab pos="3200400" algn="l"/>
+                <a:tab pos="3657600" algn="l"/>
+                <a:tab pos="4114800" algn="l"/>
+                <a:tab pos="4572000" algn="l"/>
+                <a:tab pos="5029200" algn="l"/>
+                <a:tab pos="5486400" algn="l"/>
+                <a:tab pos="5943600" algn="l"/>
+                <a:tab pos="6400800" algn="l"/>
+                <a:tab pos="6858000" algn="l"/>
+                <a:tab pos="7315200" algn="l"/>
+                <a:tab pos="7772400" algn="l"/>
+                <a:tab pos="8229600" algn="l"/>
+                <a:tab pos="8686800" algn="l"/>
+                <a:tab pos="9144000" algn="l"/>
+                <a:tab pos="9601200" algn="l"/>
+                <a:tab pos="10058400" algn="l"/>
+                <a:tab pos="10515600" algn="l"/>
+                <a:tab pos="10774363" algn="l"/>
+                <a:tab pos="10775950" algn="l"/>
+                <a:tab pos="10777538" algn="l"/>
+                <a:tab pos="10779125" algn="l"/>
+                <a:tab pos="10780713" algn="l"/>
+              </a:tabLst>
+            </a:pPr>
+            <a:fld id="{D5CEC60F-AB01-4429-B7ED-2D3CF3FCC29D}" type="slidenum">
+              <a:rPr lang="en-US" sz="1400" b="1">
+                <a:solidFill>
+                  <a:srgbClr val="FFFFFF"/>
+                </a:solidFill>
+                <a:latin typeface="Source Sans Pro Black" pitchFamily="32" charset="0"/>
+                <a:ea typeface="Noto Sans CJK SC" charset="0"/>
+                <a:cs typeface="Noto Sans CJK SC" charset="0"/>
+              </a:rPr>
+              <a:pPr algn="r">
+                <a:lnSpc>
+                  <a:spcPct val="104000"/>
+                </a:lnSpc>
+                <a:buClrTx/>
+                <a:buFontTx/>
+                <a:buNone/>
+                <a:tabLst>
+                  <a:tab pos="0" algn="l"/>
+                  <a:tab pos="457200" algn="l"/>
+                  <a:tab pos="914400" algn="l"/>
+                  <a:tab pos="1371600" algn="l"/>
+                  <a:tab pos="1828800" algn="l"/>
+                  <a:tab pos="2286000" algn="l"/>
+                  <a:tab pos="2743200" algn="l"/>
+                  <a:tab pos="3200400" algn="l"/>
+                  <a:tab pos="3657600" algn="l"/>
+                  <a:tab pos="4114800" algn="l"/>
+                  <a:tab pos="4572000" algn="l"/>
+                  <a:tab pos="5029200" algn="l"/>
+                  <a:tab pos="5486400" algn="l"/>
+                  <a:tab pos="5943600" algn="l"/>
+                  <a:tab pos="6400800" algn="l"/>
+                  <a:tab pos="6858000" algn="l"/>
+                  <a:tab pos="7315200" algn="l"/>
+                  <a:tab pos="7772400" algn="l"/>
+                  <a:tab pos="8229600" algn="l"/>
+                  <a:tab pos="8686800" algn="l"/>
+                  <a:tab pos="9144000" algn="l"/>
+                  <a:tab pos="9601200" algn="l"/>
+                  <a:tab pos="10058400" algn="l"/>
+                  <a:tab pos="10515600" algn="l"/>
+                  <a:tab pos="10774363" algn="l"/>
+                  <a:tab pos="10775950" algn="l"/>
+                  <a:tab pos="10777538" algn="l"/>
+                  <a:tab pos="10779125" algn="l"/>
+                  <a:tab pos="10780713" algn="l"/>
+                </a:tabLst>
+              </a:pPr>
+              <a:t>13</a:t>
+            </a:fld>
+            <a:endParaRPr lang="en-US" sz="1400" b="1">
+              <a:solidFill>
+                <a:srgbClr val="FFFFFF"/>
+              </a:solidFill>
+              <a:latin typeface="Source Sans Pro Black" pitchFamily="32" charset="0"/>
+              <a:ea typeface="Noto Sans CJK SC" charset="0"/>
+              <a:cs typeface="Noto Sans CJK SC" charset="0"/>
+            </a:endParaRPr>
+          </a:p>
+        </p:txBody>
+      </p:sp>
+      <p:sp>
+        <p:nvSpPr>
+          <p:cNvPr id="25605" name="Rectangle 5"/>
+          <p:cNvSpPr txBox="1">
+            <a:spLocks noGrp="1" noRot="1" noChangeAspect="1" noChangeArrowheads="1"/>
+          </p:cNvSpPr>
+          <p:nvPr>
+            <p:ph type="sldImg"/>
+          </p:nvPr>
+        </p:nvSpPr>
+        <p:spPr bwMode="auto">
+          <a:xfrm>
+            <a:off x="1371600" y="763588"/>
+            <a:ext cx="5029200" cy="3771900"/>
+          </a:xfrm>
+          <a:prstGeom prst="rect">
+            <a:avLst/>
+          </a:prstGeom>
+          <a:solidFill>
+            <a:srgbClr val="FFFFFF"/>
+          </a:solidFill>
+          <a:ln>
+            <a:solidFill>
+              <a:srgbClr val="000000"/>
+            </a:solidFill>
+            <a:miter lim="800000"/>
+            <a:headEnd/>
+            <a:tailEnd/>
+          </a:ln>
+        </p:spPr>
+      </p:sp>
+      <p:sp>
+        <p:nvSpPr>
+          <p:cNvPr id="25606" name="Rectangle 6"/>
+          <p:cNvSpPr txBox="1">
+            <a:spLocks noGrp="1" noChangeArrowheads="1"/>
+          </p:cNvSpPr>
+          <p:nvPr>
+            <p:ph type="body" idx="1"/>
+          </p:nvPr>
+        </p:nvSpPr>
+        <p:spPr bwMode="auto">
+          <a:xfrm>
+            <a:off x="777875" y="4776788"/>
+            <a:ext cx="6218238" cy="5195887"/>
+          </a:xfrm>
+          <a:prstGeom prst="rect">
+            <a:avLst/>
+          </a:prstGeom>
+          <a:noFill/>
+          <a:ln cap="flat">
+            <a:round/>
+            <a:headEnd/>
+            <a:tailEnd/>
+          </a:ln>
+        </p:spPr>
+        <p:txBody>
+          <a:bodyPr wrap="none" anchor="ctr"/>
+          <a:lstStyle/>
+          <a:p>
+            <a:endParaRPr lang="el-GR"/>
+          </a:p>
+        </p:txBody>
+      </p:sp>
+    </p:spTree>
+  </p:cSld>
+  <p:clrMapOvr>
+    <a:masterClrMapping/>
+  </p:clrMapOvr>
+</p:notes>
+</file>
+
+<file path=ppt/notesSlides/notesSlide14.xml><?xml version="1.0" encoding="utf-8"?>
+<p:notes xmlns:a="http://schemas.openxmlformats.org/drawingml/2006/main" xmlns:r="http://schemas.openxmlformats.org/officeDocument/2006/relationships" xmlns:p="http://schemas.openxmlformats.org/presentationml/2006/main">
+  <p:cSld>
+    <p:bg>
+      <p:bgPr>
+        <a:solidFill>
+          <a:srgbClr val="FFFFFF"/>
+        </a:solidFill>
+        <a:effectLst/>
+      </p:bgPr>
+    </p:bg>
+    <p:spTree>
+      <p:nvGrpSpPr>
+        <p:cNvPr id="1" name=""/>
+        <p:cNvGrpSpPr/>
+        <p:nvPr/>
+      </p:nvGrpSpPr>
+      <p:grpSpPr>
+        <a:xfrm>
+          <a:off x="0" y="0"/>
+          <a:ext cx="0" cy="0"/>
+          <a:chOff x="0" y="0"/>
+          <a:chExt cx="0" cy="0"/>
+        </a:xfrm>
+      </p:grpSpPr>
+      <p:sp>
+        <p:nvSpPr>
+          <p:cNvPr id="8" name="Rectangle 12"/>
+          <p:cNvSpPr>
+            <a:spLocks noGrp="1" noChangeArrowheads="1"/>
+          </p:cNvSpPr>
+          <p:nvPr>
+            <p:ph type="sldNum"/>
+          </p:nvPr>
+        </p:nvSpPr>
+        <p:spPr>
+          <a:ln/>
+        </p:spPr>
+        <p:txBody>
+          <a:bodyPr/>
+          <a:lstStyle/>
+          <a:p>
+            <a:fld id="{FDCDCA58-4BAA-448C-86B7-0572397B8780}" type="slidenum">
+              <a:rPr lang="en-US"/>
+              <a:pPr/>
+              <a:t>14</a:t>
+            </a:fld>
+            <a:endParaRPr lang="en-US"/>
+          </a:p>
+        </p:txBody>
+      </p:sp>
+      <p:sp>
+        <p:nvSpPr>
+          <p:cNvPr id="25601" name="Text Box 1"/>
+          <p:cNvSpPr txBox="1">
+            <a:spLocks noChangeArrowheads="1"/>
+          </p:cNvSpPr>
+          <p:nvPr/>
+        </p:nvSpPr>
+        <p:spPr bwMode="auto">
+          <a:xfrm>
+            <a:off x="4398963" y="9555163"/>
+            <a:ext cx="3363912" cy="493712"/>
+          </a:xfrm>
+          <a:prstGeom prst="rect">
+            <a:avLst/>
+          </a:prstGeom>
+          <a:noFill/>
+          <a:ln w="9525" cap="flat">
+            <a:noFill/>
+            <a:round/>
+            <a:headEnd/>
+            <a:tailEnd/>
+          </a:ln>
+          <a:effectLst/>
+        </p:spPr>
+        <p:txBody>
+          <a:bodyPr lIns="0" tIns="0" rIns="0" bIns="0" anchor="b"/>
+          <a:lstStyle/>
+          <a:p>
+            <a:pPr marL="215900" indent="-207963" algn="r">
+              <a:lnSpc>
+                <a:spcPct val="104000"/>
+              </a:lnSpc>
+              <a:buClrTx/>
+              <a:buFontTx/>
+              <a:buNone/>
+              <a:tabLst>
+                <a:tab pos="0" algn="l"/>
+                <a:tab pos="457200" algn="l"/>
+                <a:tab pos="914400" algn="l"/>
+                <a:tab pos="1371600" algn="l"/>
+                <a:tab pos="1828800" algn="l"/>
+                <a:tab pos="2286000" algn="l"/>
+                <a:tab pos="2743200" algn="l"/>
+                <a:tab pos="3200400" algn="l"/>
+                <a:tab pos="3657600" algn="l"/>
+                <a:tab pos="4114800" algn="l"/>
+                <a:tab pos="4572000" algn="l"/>
+                <a:tab pos="5029200" algn="l"/>
+                <a:tab pos="5486400" algn="l"/>
+                <a:tab pos="5943600" algn="l"/>
+                <a:tab pos="6400800" algn="l"/>
+                <a:tab pos="6858000" algn="l"/>
+                <a:tab pos="7315200" algn="l"/>
+                <a:tab pos="7772400" algn="l"/>
+                <a:tab pos="8229600" algn="l"/>
+                <a:tab pos="8686800" algn="l"/>
+                <a:tab pos="9144000" algn="l"/>
+                <a:tab pos="9601200" algn="l"/>
+                <a:tab pos="10058400" algn="l"/>
+                <a:tab pos="10515600" algn="l"/>
+                <a:tab pos="10774363" algn="l"/>
+                <a:tab pos="10775950" algn="l"/>
+                <a:tab pos="10777538" algn="l"/>
+                <a:tab pos="10779125" algn="l"/>
+                <a:tab pos="10780713" algn="l"/>
+              </a:tabLst>
+            </a:pPr>
+            <a:fld id="{72B26F9C-53B1-4226-B843-F4AA5A044747}" type="slidenum">
+              <a:rPr lang="en-US" sz="1400" b="1">
+                <a:solidFill>
+                  <a:srgbClr val="FFFFFF"/>
+                </a:solidFill>
+                <a:latin typeface="Source Sans Pro Black" pitchFamily="32" charset="0"/>
+                <a:cs typeface="DejaVu Sans" charset="0"/>
+              </a:rPr>
+              <a:pPr marL="215900" indent="-207963" algn="r">
+                <a:lnSpc>
+                  <a:spcPct val="104000"/>
+                </a:lnSpc>
+                <a:buClrTx/>
+                <a:buFontTx/>
+                <a:buNone/>
+                <a:tabLst>
+                  <a:tab pos="0" algn="l"/>
+                  <a:tab pos="457200" algn="l"/>
+                  <a:tab pos="914400" algn="l"/>
+                  <a:tab pos="1371600" algn="l"/>
+                  <a:tab pos="1828800" algn="l"/>
+                  <a:tab pos="2286000" algn="l"/>
+                  <a:tab pos="2743200" algn="l"/>
+                  <a:tab pos="3200400" algn="l"/>
+                  <a:tab pos="3657600" algn="l"/>
+                  <a:tab pos="4114800" algn="l"/>
+                  <a:tab pos="4572000" algn="l"/>
+                  <a:tab pos="5029200" algn="l"/>
+                  <a:tab pos="5486400" algn="l"/>
+                  <a:tab pos="5943600" algn="l"/>
+                  <a:tab pos="6400800" algn="l"/>
+                  <a:tab pos="6858000" algn="l"/>
+                  <a:tab pos="7315200" algn="l"/>
+                  <a:tab pos="7772400" algn="l"/>
+                  <a:tab pos="8229600" algn="l"/>
+                  <a:tab pos="8686800" algn="l"/>
+                  <a:tab pos="9144000" algn="l"/>
+                  <a:tab pos="9601200" algn="l"/>
+                  <a:tab pos="10058400" algn="l"/>
+                  <a:tab pos="10515600" algn="l"/>
+                  <a:tab pos="10774363" algn="l"/>
+                  <a:tab pos="10775950" algn="l"/>
+                  <a:tab pos="10777538" algn="l"/>
+                  <a:tab pos="10779125" algn="l"/>
+                  <a:tab pos="10780713" algn="l"/>
+                </a:tabLst>
+              </a:pPr>
+              <a:t>14</a:t>
+            </a:fld>
+            <a:endParaRPr lang="en-US" sz="1400" b="1">
+              <a:solidFill>
+                <a:srgbClr val="FFFFFF"/>
+              </a:solidFill>
+              <a:latin typeface="Source Sans Pro Black" pitchFamily="32" charset="0"/>
+              <a:cs typeface="DejaVu Sans" charset="0"/>
+            </a:endParaRPr>
+          </a:p>
+        </p:txBody>
+      </p:sp>
+      <p:sp>
+        <p:nvSpPr>
+          <p:cNvPr id="25602" name="Text Box 2"/>
+          <p:cNvSpPr txBox="1">
+            <a:spLocks noChangeArrowheads="1"/>
+          </p:cNvSpPr>
+          <p:nvPr/>
+        </p:nvSpPr>
+        <p:spPr bwMode="auto">
+          <a:xfrm>
+            <a:off x="4398963" y="9555163"/>
+            <a:ext cx="3367087" cy="496887"/>
+          </a:xfrm>
+          <a:prstGeom prst="rect">
+            <a:avLst/>
+          </a:prstGeom>
+          <a:noFill/>
+          <a:ln w="9525" cap="flat">
+            <a:noFill/>
+            <a:round/>
+            <a:headEnd/>
+            <a:tailEnd/>
+          </a:ln>
+          <a:effectLst/>
+        </p:spPr>
+        <p:txBody>
+          <a:bodyPr lIns="0" tIns="0" rIns="0" bIns="0" anchor="b"/>
+          <a:lstStyle/>
+          <a:p>
+            <a:pPr marL="215900" indent="-207963" algn="r">
+              <a:lnSpc>
+                <a:spcPct val="104000"/>
+              </a:lnSpc>
+              <a:buClrTx/>
+              <a:buFontTx/>
+              <a:buNone/>
+              <a:tabLst>
+                <a:tab pos="0" algn="l"/>
+                <a:tab pos="457200" algn="l"/>
+                <a:tab pos="914400" algn="l"/>
+                <a:tab pos="1371600" algn="l"/>
+                <a:tab pos="1828800" algn="l"/>
+                <a:tab pos="2286000" algn="l"/>
+                <a:tab pos="2743200" algn="l"/>
+                <a:tab pos="3200400" algn="l"/>
+                <a:tab pos="3657600" algn="l"/>
+                <a:tab pos="4114800" algn="l"/>
+                <a:tab pos="4572000" algn="l"/>
+                <a:tab pos="5029200" algn="l"/>
+                <a:tab pos="5486400" algn="l"/>
+                <a:tab pos="5943600" algn="l"/>
+                <a:tab pos="6400800" algn="l"/>
+                <a:tab pos="6858000" algn="l"/>
+                <a:tab pos="7315200" algn="l"/>
+                <a:tab pos="7772400" algn="l"/>
+                <a:tab pos="8229600" algn="l"/>
+                <a:tab pos="8686800" algn="l"/>
+                <a:tab pos="9144000" algn="l"/>
+                <a:tab pos="9601200" algn="l"/>
+                <a:tab pos="10058400" algn="l"/>
+                <a:tab pos="10515600" algn="l"/>
+                <a:tab pos="10774363" algn="l"/>
+                <a:tab pos="10775950" algn="l"/>
+                <a:tab pos="10777538" algn="l"/>
+                <a:tab pos="10779125" algn="l"/>
+                <a:tab pos="10780713" algn="l"/>
+              </a:tabLst>
+            </a:pPr>
+            <a:fld id="{44971B60-E628-45F1-B736-D230933D4513}" type="slidenum">
+              <a:rPr lang="en-US" sz="1400" b="1">
+                <a:solidFill>
+                  <a:srgbClr val="FFFFFF"/>
+                </a:solidFill>
+                <a:latin typeface="Source Sans Pro Black" pitchFamily="32" charset="0"/>
+                <a:cs typeface="DejaVu Sans" charset="0"/>
+              </a:rPr>
+              <a:pPr marL="215900" indent="-207963" algn="r">
+                <a:lnSpc>
+                  <a:spcPct val="104000"/>
+                </a:lnSpc>
+                <a:buClrTx/>
+                <a:buFontTx/>
+                <a:buNone/>
+                <a:tabLst>
+                  <a:tab pos="0" algn="l"/>
+                  <a:tab pos="457200" algn="l"/>
+                  <a:tab pos="914400" algn="l"/>
+                  <a:tab pos="1371600" algn="l"/>
+                  <a:tab pos="1828800" algn="l"/>
+                  <a:tab pos="2286000" algn="l"/>
+                  <a:tab pos="2743200" algn="l"/>
+                  <a:tab pos="3200400" algn="l"/>
+                  <a:tab pos="3657600" algn="l"/>
+                  <a:tab pos="4114800" algn="l"/>
+                  <a:tab pos="4572000" algn="l"/>
+                  <a:tab pos="5029200" algn="l"/>
+                  <a:tab pos="5486400" algn="l"/>
+                  <a:tab pos="5943600" algn="l"/>
+                  <a:tab pos="6400800" algn="l"/>
+                  <a:tab pos="6858000" algn="l"/>
+                  <a:tab pos="7315200" algn="l"/>
+                  <a:tab pos="7772400" algn="l"/>
+                  <a:tab pos="8229600" algn="l"/>
+                  <a:tab pos="8686800" algn="l"/>
+                  <a:tab pos="9144000" algn="l"/>
+                  <a:tab pos="9601200" algn="l"/>
+                  <a:tab pos="10058400" algn="l"/>
+                  <a:tab pos="10515600" algn="l"/>
+                  <a:tab pos="10774363" algn="l"/>
+                  <a:tab pos="10775950" algn="l"/>
+                  <a:tab pos="10777538" algn="l"/>
+                  <a:tab pos="10779125" algn="l"/>
+                  <a:tab pos="10780713" algn="l"/>
+                </a:tabLst>
+              </a:pPr>
+              <a:t>14</a:t>
+            </a:fld>
+            <a:endParaRPr lang="en-US" sz="1400" b="1">
+              <a:solidFill>
+                <a:srgbClr val="FFFFFF"/>
+              </a:solidFill>
+              <a:latin typeface="Source Sans Pro Black" pitchFamily="32" charset="0"/>
+              <a:cs typeface="DejaVu Sans" charset="0"/>
+            </a:endParaRPr>
+          </a:p>
+        </p:txBody>
+      </p:sp>
+      <p:sp>
+        <p:nvSpPr>
+          <p:cNvPr id="25603" name="Text Box 3"/>
+          <p:cNvSpPr txBox="1">
+            <a:spLocks noChangeArrowheads="1"/>
+          </p:cNvSpPr>
+          <p:nvPr/>
+        </p:nvSpPr>
+        <p:spPr bwMode="auto">
+          <a:xfrm>
+            <a:off x="4398963" y="9555163"/>
+            <a:ext cx="3370262" cy="500062"/>
+          </a:xfrm>
+          <a:prstGeom prst="rect">
+            <a:avLst/>
+          </a:prstGeom>
+          <a:noFill/>
+          <a:ln w="9525" cap="flat">
+            <a:noFill/>
+            <a:round/>
+            <a:headEnd/>
+            <a:tailEnd/>
+          </a:ln>
+          <a:effectLst/>
+        </p:spPr>
+        <p:txBody>
+          <a:bodyPr lIns="0" tIns="0" rIns="0" bIns="0" anchor="b"/>
+          <a:lstStyle/>
+          <a:p>
+            <a:pPr marL="215900" indent="-207963" algn="r">
+              <a:lnSpc>
+                <a:spcPct val="104000"/>
+              </a:lnSpc>
+              <a:buClrTx/>
+              <a:buFontTx/>
+              <a:buNone/>
+              <a:tabLst>
+                <a:tab pos="0" algn="l"/>
+                <a:tab pos="457200" algn="l"/>
+                <a:tab pos="914400" algn="l"/>
+                <a:tab pos="1371600" algn="l"/>
+                <a:tab pos="1828800" algn="l"/>
+                <a:tab pos="2286000" algn="l"/>
+                <a:tab pos="2743200" algn="l"/>
+                <a:tab pos="3200400" algn="l"/>
+                <a:tab pos="3657600" algn="l"/>
+                <a:tab pos="4114800" algn="l"/>
+                <a:tab pos="4572000" algn="l"/>
+                <a:tab pos="5029200" algn="l"/>
+                <a:tab pos="5486400" algn="l"/>
+                <a:tab pos="5943600" algn="l"/>
+                <a:tab pos="6400800" algn="l"/>
+                <a:tab pos="6858000" algn="l"/>
+                <a:tab pos="7315200" algn="l"/>
+                <a:tab pos="7772400" algn="l"/>
+                <a:tab pos="8229600" algn="l"/>
+                <a:tab pos="8686800" algn="l"/>
+                <a:tab pos="9144000" algn="l"/>
+                <a:tab pos="9601200" algn="l"/>
+                <a:tab pos="10058400" algn="l"/>
+                <a:tab pos="10515600" algn="l"/>
+                <a:tab pos="10774363" algn="l"/>
+                <a:tab pos="10775950" algn="l"/>
+                <a:tab pos="10777538" algn="l"/>
+                <a:tab pos="10779125" algn="l"/>
+                <a:tab pos="10780713" algn="l"/>
+              </a:tabLst>
+            </a:pPr>
+            <a:fld id="{DE32765D-60E7-4027-BA69-B830F8D48E96}" type="slidenum">
+              <a:rPr lang="en-US" sz="1400" b="1">
+                <a:solidFill>
+                  <a:srgbClr val="FFFFFF"/>
+                </a:solidFill>
+                <a:latin typeface="Source Sans Pro Black" pitchFamily="32" charset="0"/>
+                <a:ea typeface="Noto Sans CJK SC" charset="0"/>
+                <a:cs typeface="Noto Sans CJK SC" charset="0"/>
+              </a:rPr>
+              <a:pPr marL="215900" indent="-207963" algn="r">
+                <a:lnSpc>
+                  <a:spcPct val="104000"/>
+                </a:lnSpc>
+                <a:buClrTx/>
+                <a:buFontTx/>
+                <a:buNone/>
+                <a:tabLst>
+                  <a:tab pos="0" algn="l"/>
+                  <a:tab pos="457200" algn="l"/>
+                  <a:tab pos="914400" algn="l"/>
+                  <a:tab pos="1371600" algn="l"/>
+                  <a:tab pos="1828800" algn="l"/>
+                  <a:tab pos="2286000" algn="l"/>
+                  <a:tab pos="2743200" algn="l"/>
+                  <a:tab pos="3200400" algn="l"/>
+                  <a:tab pos="3657600" algn="l"/>
+                  <a:tab pos="4114800" algn="l"/>
+                  <a:tab pos="4572000" algn="l"/>
+                  <a:tab pos="5029200" algn="l"/>
+                  <a:tab pos="5486400" algn="l"/>
+                  <a:tab pos="5943600" algn="l"/>
+                  <a:tab pos="6400800" algn="l"/>
+                  <a:tab pos="6858000" algn="l"/>
+                  <a:tab pos="7315200" algn="l"/>
+                  <a:tab pos="7772400" algn="l"/>
+                  <a:tab pos="8229600" algn="l"/>
+                  <a:tab pos="8686800" algn="l"/>
+                  <a:tab pos="9144000" algn="l"/>
+                  <a:tab pos="9601200" algn="l"/>
+                  <a:tab pos="10058400" algn="l"/>
+                  <a:tab pos="10515600" algn="l"/>
+                  <a:tab pos="10774363" algn="l"/>
+                  <a:tab pos="10775950" algn="l"/>
+                  <a:tab pos="10777538" algn="l"/>
+                  <a:tab pos="10779125" algn="l"/>
+                  <a:tab pos="10780713" algn="l"/>
+                </a:tabLst>
+              </a:pPr>
+              <a:t>14</a:t>
+            </a:fld>
+            <a:endParaRPr lang="en-US" sz="1400" b="1">
+              <a:solidFill>
+                <a:srgbClr val="FFFFFF"/>
+              </a:solidFill>
+              <a:latin typeface="Source Sans Pro Black" pitchFamily="32" charset="0"/>
+              <a:ea typeface="Noto Sans CJK SC" charset="0"/>
+              <a:cs typeface="Noto Sans CJK SC" charset="0"/>
+            </a:endParaRPr>
+          </a:p>
+        </p:txBody>
+      </p:sp>
+      <p:sp>
+        <p:nvSpPr>
+          <p:cNvPr id="25604" name="Text Box 4"/>
+          <p:cNvSpPr txBox="1">
+            <a:spLocks noChangeArrowheads="1"/>
+          </p:cNvSpPr>
+          <p:nvPr/>
+        </p:nvSpPr>
+        <p:spPr bwMode="auto">
+          <a:xfrm>
+            <a:off x="4398963" y="9555163"/>
+            <a:ext cx="3371850" cy="501650"/>
+          </a:xfrm>
+          <a:prstGeom prst="rect">
+            <a:avLst/>
+          </a:prstGeom>
+          <a:noFill/>
+          <a:ln w="9525" cap="flat">
+            <a:noFill/>
+            <a:round/>
+            <a:headEnd/>
+            <a:tailEnd/>
+          </a:ln>
+          <a:effectLst/>
+        </p:spPr>
+        <p:txBody>
+          <a:bodyPr lIns="0" tIns="0" rIns="0" bIns="0" anchor="b"/>
+          <a:lstStyle/>
+          <a:p>
+            <a:pPr algn="r">
+              <a:lnSpc>
+                <a:spcPct val="104000"/>
+              </a:lnSpc>
+              <a:buClrTx/>
+              <a:buFontTx/>
+              <a:buNone/>
+              <a:tabLst>
+                <a:tab pos="0" algn="l"/>
+                <a:tab pos="457200" algn="l"/>
+                <a:tab pos="914400" algn="l"/>
+                <a:tab pos="1371600" algn="l"/>
+                <a:tab pos="1828800" algn="l"/>
+                <a:tab pos="2286000" algn="l"/>
+                <a:tab pos="2743200" algn="l"/>
+                <a:tab pos="3200400" algn="l"/>
+                <a:tab pos="3657600" algn="l"/>
+                <a:tab pos="4114800" algn="l"/>
+                <a:tab pos="4572000" algn="l"/>
+                <a:tab pos="5029200" algn="l"/>
+                <a:tab pos="5486400" algn="l"/>
+                <a:tab pos="5943600" algn="l"/>
+                <a:tab pos="6400800" algn="l"/>
+                <a:tab pos="6858000" algn="l"/>
+                <a:tab pos="7315200" algn="l"/>
+                <a:tab pos="7772400" algn="l"/>
+                <a:tab pos="8229600" algn="l"/>
+                <a:tab pos="8686800" algn="l"/>
+                <a:tab pos="9144000" algn="l"/>
+                <a:tab pos="9601200" algn="l"/>
+                <a:tab pos="10058400" algn="l"/>
+                <a:tab pos="10515600" algn="l"/>
+                <a:tab pos="10774363" algn="l"/>
+                <a:tab pos="10775950" algn="l"/>
+                <a:tab pos="10777538" algn="l"/>
+                <a:tab pos="10779125" algn="l"/>
+                <a:tab pos="10780713" algn="l"/>
+              </a:tabLst>
+            </a:pPr>
+            <a:fld id="{D5CEC60F-AB01-4429-B7ED-2D3CF3FCC29D}" type="slidenum">
+              <a:rPr lang="en-US" sz="1400" b="1">
+                <a:solidFill>
+                  <a:srgbClr val="FFFFFF"/>
+                </a:solidFill>
+                <a:latin typeface="Source Sans Pro Black" pitchFamily="32" charset="0"/>
+                <a:ea typeface="Noto Sans CJK SC" charset="0"/>
+                <a:cs typeface="Noto Sans CJK SC" charset="0"/>
+              </a:rPr>
+              <a:pPr algn="r">
+                <a:lnSpc>
+                  <a:spcPct val="104000"/>
+                </a:lnSpc>
+                <a:buClrTx/>
+                <a:buFontTx/>
+                <a:buNone/>
+                <a:tabLst>
+                  <a:tab pos="0" algn="l"/>
+                  <a:tab pos="457200" algn="l"/>
+                  <a:tab pos="914400" algn="l"/>
+                  <a:tab pos="1371600" algn="l"/>
+                  <a:tab pos="1828800" algn="l"/>
+                  <a:tab pos="2286000" algn="l"/>
+                  <a:tab pos="2743200" algn="l"/>
+                  <a:tab pos="3200400" algn="l"/>
+                  <a:tab pos="3657600" algn="l"/>
+                  <a:tab pos="4114800" algn="l"/>
+                  <a:tab pos="4572000" algn="l"/>
+                  <a:tab pos="5029200" algn="l"/>
+                  <a:tab pos="5486400" algn="l"/>
+                  <a:tab pos="5943600" algn="l"/>
+                  <a:tab pos="6400800" algn="l"/>
+                  <a:tab pos="6858000" algn="l"/>
+                  <a:tab pos="7315200" algn="l"/>
+                  <a:tab pos="7772400" algn="l"/>
+                  <a:tab pos="8229600" algn="l"/>
+                  <a:tab pos="8686800" algn="l"/>
+                  <a:tab pos="9144000" algn="l"/>
+                  <a:tab pos="9601200" algn="l"/>
+                  <a:tab pos="10058400" algn="l"/>
+                  <a:tab pos="10515600" algn="l"/>
+                  <a:tab pos="10774363" algn="l"/>
+                  <a:tab pos="10775950" algn="l"/>
+                  <a:tab pos="10777538" algn="l"/>
+                  <a:tab pos="10779125" algn="l"/>
+                  <a:tab pos="10780713" algn="l"/>
+                </a:tabLst>
+              </a:pPr>
+              <a:t>14</a:t>
+            </a:fld>
+            <a:endParaRPr lang="en-US" sz="1400" b="1">
+              <a:solidFill>
+                <a:srgbClr val="FFFFFF"/>
+              </a:solidFill>
+              <a:latin typeface="Source Sans Pro Black" pitchFamily="32" charset="0"/>
+              <a:ea typeface="Noto Sans CJK SC" charset="0"/>
+              <a:cs typeface="Noto Sans CJK SC" charset="0"/>
+            </a:endParaRPr>
+          </a:p>
+        </p:txBody>
+      </p:sp>
+      <p:sp>
+        <p:nvSpPr>
+          <p:cNvPr id="25605" name="Rectangle 5"/>
+          <p:cNvSpPr txBox="1">
+            <a:spLocks noGrp="1" noRot="1" noChangeAspect="1" noChangeArrowheads="1"/>
+          </p:cNvSpPr>
+          <p:nvPr>
+            <p:ph type="sldImg"/>
+          </p:nvPr>
+        </p:nvSpPr>
+        <p:spPr bwMode="auto">
+          <a:xfrm>
+            <a:off x="1371600" y="763588"/>
+            <a:ext cx="5029200" cy="3771900"/>
+          </a:xfrm>
+          <a:prstGeom prst="rect">
+            <a:avLst/>
+          </a:prstGeom>
+          <a:solidFill>
+            <a:srgbClr val="FFFFFF"/>
+          </a:solidFill>
+          <a:ln>
+            <a:solidFill>
+              <a:srgbClr val="000000"/>
+            </a:solidFill>
+            <a:miter lim="800000"/>
+            <a:headEnd/>
+            <a:tailEnd/>
+          </a:ln>
+        </p:spPr>
+      </p:sp>
+      <p:sp>
+        <p:nvSpPr>
+          <p:cNvPr id="25606" name="Rectangle 6"/>
+          <p:cNvSpPr txBox="1">
+            <a:spLocks noGrp="1" noChangeArrowheads="1"/>
+          </p:cNvSpPr>
+          <p:nvPr>
+            <p:ph type="body" idx="1"/>
+          </p:nvPr>
+        </p:nvSpPr>
+        <p:spPr bwMode="auto">
+          <a:xfrm>
+            <a:off x="777875" y="4776788"/>
+            <a:ext cx="6218238" cy="5195887"/>
+          </a:xfrm>
+          <a:prstGeom prst="rect">
+            <a:avLst/>
+          </a:prstGeom>
+          <a:noFill/>
+          <a:ln cap="flat">
+            <a:round/>
+            <a:headEnd/>
+            <a:tailEnd/>
+          </a:ln>
+        </p:spPr>
+        <p:txBody>
+          <a:bodyPr wrap="none" anchor="ctr"/>
+          <a:lstStyle/>
+          <a:p>
+            <a:endParaRPr lang="el-GR"/>
+          </a:p>
+        </p:txBody>
+      </p:sp>
+    </p:spTree>
+  </p:cSld>
+  <p:clrMapOvr>
+    <a:masterClrMapping/>
+  </p:clrMapOvr>
+</p:notes>
+</file>
+
+<file path=ppt/notesSlides/notesSlide15.xml><?xml version="1.0" encoding="utf-8"?>
+<p:notes xmlns:a="http://schemas.openxmlformats.org/drawingml/2006/main" xmlns:r="http://schemas.openxmlformats.org/officeDocument/2006/relationships" xmlns:p="http://schemas.openxmlformats.org/presentationml/2006/main">
+  <p:cSld>
+    <p:bg>
+      <p:bgPr>
+        <a:solidFill>
+          <a:srgbClr val="FFFFFF"/>
+        </a:solidFill>
+        <a:effectLst/>
+      </p:bgPr>
+    </p:bg>
+    <p:spTree>
+      <p:nvGrpSpPr>
+        <p:cNvPr id="1" name=""/>
+        <p:cNvGrpSpPr/>
+        <p:nvPr/>
+      </p:nvGrpSpPr>
+      <p:grpSpPr>
+        <a:xfrm>
+          <a:off x="0" y="0"/>
+          <a:ext cx="0" cy="0"/>
+          <a:chOff x="0" y="0"/>
+          <a:chExt cx="0" cy="0"/>
+        </a:xfrm>
+      </p:grpSpPr>
+      <p:sp>
+        <p:nvSpPr>
+          <p:cNvPr id="8" name="Rectangle 12"/>
+          <p:cNvSpPr>
+            <a:spLocks noGrp="1" noChangeArrowheads="1"/>
+          </p:cNvSpPr>
+          <p:nvPr>
+            <p:ph type="sldNum"/>
+          </p:nvPr>
+        </p:nvSpPr>
+        <p:spPr>
+          <a:ln/>
+        </p:spPr>
+        <p:txBody>
+          <a:bodyPr/>
+          <a:lstStyle/>
+          <a:p>
+            <a:fld id="{F5504162-6C9F-46EE-AE60-B774C4096824}" type="slidenum">
+              <a:rPr lang="en-US"/>
+              <a:pPr/>
+              <a:t>15</a:t>
+            </a:fld>
+            <a:endParaRPr lang="en-US"/>
+          </a:p>
+        </p:txBody>
+      </p:sp>
+      <p:sp>
+        <p:nvSpPr>
+          <p:cNvPr id="23553" name="Text Box 1"/>
+          <p:cNvSpPr txBox="1">
+            <a:spLocks noChangeArrowheads="1"/>
+          </p:cNvSpPr>
+          <p:nvPr/>
+        </p:nvSpPr>
+        <p:spPr bwMode="auto">
+          <a:xfrm>
+            <a:off x="4398963" y="9555163"/>
+            <a:ext cx="3363912" cy="493712"/>
+          </a:xfrm>
+          <a:prstGeom prst="rect">
+            <a:avLst/>
+          </a:prstGeom>
+          <a:noFill/>
+          <a:ln w="9525" cap="flat">
+            <a:noFill/>
+            <a:round/>
+            <a:headEnd/>
+            <a:tailEnd/>
+          </a:ln>
+          <a:effectLst/>
+        </p:spPr>
+        <p:txBody>
+          <a:bodyPr lIns="0" tIns="0" rIns="0" bIns="0" anchor="b"/>
+          <a:lstStyle/>
+          <a:p>
+            <a:pPr marL="215900" indent="-207963" algn="r">
+              <a:lnSpc>
+                <a:spcPct val="104000"/>
+              </a:lnSpc>
+              <a:buClrTx/>
+              <a:buFontTx/>
+              <a:buNone/>
+              <a:tabLst>
+                <a:tab pos="0" algn="l"/>
+                <a:tab pos="457200" algn="l"/>
+                <a:tab pos="914400" algn="l"/>
+                <a:tab pos="1371600" algn="l"/>
+                <a:tab pos="1828800" algn="l"/>
+                <a:tab pos="2286000" algn="l"/>
+                <a:tab pos="2743200" algn="l"/>
+                <a:tab pos="3200400" algn="l"/>
+                <a:tab pos="3657600" algn="l"/>
+                <a:tab pos="4114800" algn="l"/>
+                <a:tab pos="4572000" algn="l"/>
+                <a:tab pos="5029200" algn="l"/>
+                <a:tab pos="5486400" algn="l"/>
+                <a:tab pos="5943600" algn="l"/>
+                <a:tab pos="6400800" algn="l"/>
+                <a:tab pos="6858000" algn="l"/>
+                <a:tab pos="7315200" algn="l"/>
+                <a:tab pos="7772400" algn="l"/>
+                <a:tab pos="8229600" algn="l"/>
+                <a:tab pos="8686800" algn="l"/>
+                <a:tab pos="9144000" algn="l"/>
+                <a:tab pos="9601200" algn="l"/>
+                <a:tab pos="10058400" algn="l"/>
+                <a:tab pos="10515600" algn="l"/>
+                <a:tab pos="10774363" algn="l"/>
+                <a:tab pos="10775950" algn="l"/>
+                <a:tab pos="10777538" algn="l"/>
+                <a:tab pos="10779125" algn="l"/>
+                <a:tab pos="10780713" algn="l"/>
+              </a:tabLst>
+            </a:pPr>
+            <a:fld id="{36E7F687-557F-4A0D-BC5B-23F1D093F47F}" type="slidenum">
+              <a:rPr lang="en-US" sz="1400" b="1">
+                <a:solidFill>
+                  <a:srgbClr val="FFFFFF"/>
+                </a:solidFill>
+                <a:latin typeface="Source Sans Pro Black" pitchFamily="32" charset="0"/>
+                <a:cs typeface="DejaVu Sans" charset="0"/>
+              </a:rPr>
+              <a:pPr marL="215900" indent="-207963" algn="r">
+                <a:lnSpc>
+                  <a:spcPct val="104000"/>
+                </a:lnSpc>
+                <a:buClrTx/>
+                <a:buFontTx/>
+                <a:buNone/>
+                <a:tabLst>
+                  <a:tab pos="0" algn="l"/>
+                  <a:tab pos="457200" algn="l"/>
+                  <a:tab pos="914400" algn="l"/>
+                  <a:tab pos="1371600" algn="l"/>
+                  <a:tab pos="1828800" algn="l"/>
+                  <a:tab pos="2286000" algn="l"/>
+                  <a:tab pos="2743200" algn="l"/>
+                  <a:tab pos="3200400" algn="l"/>
+                  <a:tab pos="3657600" algn="l"/>
+                  <a:tab pos="4114800" algn="l"/>
+                  <a:tab pos="4572000" algn="l"/>
+                  <a:tab pos="5029200" algn="l"/>
+                  <a:tab pos="5486400" algn="l"/>
+                  <a:tab pos="5943600" algn="l"/>
+                  <a:tab pos="6400800" algn="l"/>
+                  <a:tab pos="6858000" algn="l"/>
+                  <a:tab pos="7315200" algn="l"/>
+                  <a:tab pos="7772400" algn="l"/>
+                  <a:tab pos="8229600" algn="l"/>
+                  <a:tab pos="8686800" algn="l"/>
+                  <a:tab pos="9144000" algn="l"/>
+                  <a:tab pos="9601200" algn="l"/>
+                  <a:tab pos="10058400" algn="l"/>
+                  <a:tab pos="10515600" algn="l"/>
+                  <a:tab pos="10774363" algn="l"/>
+                  <a:tab pos="10775950" algn="l"/>
+                  <a:tab pos="10777538" algn="l"/>
+                  <a:tab pos="10779125" algn="l"/>
+                  <a:tab pos="10780713" algn="l"/>
+                </a:tabLst>
+              </a:pPr>
+              <a:t>15</a:t>
+            </a:fld>
+            <a:endParaRPr lang="en-US" sz="1400" b="1">
+              <a:solidFill>
+                <a:srgbClr val="FFFFFF"/>
+              </a:solidFill>
+              <a:latin typeface="Source Sans Pro Black" pitchFamily="32" charset="0"/>
+              <a:cs typeface="DejaVu Sans" charset="0"/>
+            </a:endParaRPr>
+          </a:p>
+        </p:txBody>
+      </p:sp>
+      <p:sp>
+        <p:nvSpPr>
+          <p:cNvPr id="23554" name="Text Box 2"/>
+          <p:cNvSpPr txBox="1">
+            <a:spLocks noChangeArrowheads="1"/>
+          </p:cNvSpPr>
+          <p:nvPr/>
+        </p:nvSpPr>
+        <p:spPr bwMode="auto">
+          <a:xfrm>
+            <a:off x="4398963" y="9555163"/>
+            <a:ext cx="3367087" cy="496887"/>
+          </a:xfrm>
+          <a:prstGeom prst="rect">
+            <a:avLst/>
+          </a:prstGeom>
+          <a:noFill/>
+          <a:ln w="9525" cap="flat">
+            <a:noFill/>
+            <a:round/>
+            <a:headEnd/>
+            <a:tailEnd/>
+          </a:ln>
+          <a:effectLst/>
+        </p:spPr>
+        <p:txBody>
+          <a:bodyPr lIns="0" tIns="0" rIns="0" bIns="0" anchor="b"/>
+          <a:lstStyle/>
+          <a:p>
+            <a:pPr marL="215900" indent="-207963" algn="r">
+              <a:lnSpc>
+                <a:spcPct val="104000"/>
+              </a:lnSpc>
+              <a:buClrTx/>
+              <a:buFontTx/>
+              <a:buNone/>
+              <a:tabLst>
+                <a:tab pos="0" algn="l"/>
+                <a:tab pos="457200" algn="l"/>
+                <a:tab pos="914400" algn="l"/>
+                <a:tab pos="1371600" algn="l"/>
+                <a:tab pos="1828800" algn="l"/>
+                <a:tab pos="2286000" algn="l"/>
+                <a:tab pos="2743200" algn="l"/>
+                <a:tab pos="3200400" algn="l"/>
+                <a:tab pos="3657600" algn="l"/>
+                <a:tab pos="4114800" algn="l"/>
+                <a:tab pos="4572000" algn="l"/>
+                <a:tab pos="5029200" algn="l"/>
+                <a:tab pos="5486400" algn="l"/>
+                <a:tab pos="5943600" algn="l"/>
+                <a:tab pos="6400800" algn="l"/>
+                <a:tab pos="6858000" algn="l"/>
+                <a:tab pos="7315200" algn="l"/>
+                <a:tab pos="7772400" algn="l"/>
+                <a:tab pos="8229600" algn="l"/>
+                <a:tab pos="8686800" algn="l"/>
+                <a:tab pos="9144000" algn="l"/>
+                <a:tab pos="9601200" algn="l"/>
+                <a:tab pos="10058400" algn="l"/>
+                <a:tab pos="10515600" algn="l"/>
+                <a:tab pos="10774363" algn="l"/>
+                <a:tab pos="10775950" algn="l"/>
+                <a:tab pos="10777538" algn="l"/>
+                <a:tab pos="10779125" algn="l"/>
+                <a:tab pos="10780713" algn="l"/>
+              </a:tabLst>
+            </a:pPr>
+            <a:fld id="{87936834-7B4E-4CA6-82EF-23DAEE094402}" type="slidenum">
+              <a:rPr lang="en-US" sz="1400" b="1">
+                <a:solidFill>
+                  <a:srgbClr val="FFFFFF"/>
+                </a:solidFill>
+                <a:latin typeface="Source Sans Pro Black" pitchFamily="32" charset="0"/>
+                <a:cs typeface="DejaVu Sans" charset="0"/>
+              </a:rPr>
+              <a:pPr marL="215900" indent="-207963" algn="r">
+                <a:lnSpc>
+                  <a:spcPct val="104000"/>
+                </a:lnSpc>
+                <a:buClrTx/>
+                <a:buFontTx/>
+                <a:buNone/>
+                <a:tabLst>
+                  <a:tab pos="0" algn="l"/>
+                  <a:tab pos="457200" algn="l"/>
+                  <a:tab pos="914400" algn="l"/>
+                  <a:tab pos="1371600" algn="l"/>
+                  <a:tab pos="1828800" algn="l"/>
+                  <a:tab pos="2286000" algn="l"/>
+                  <a:tab pos="2743200" algn="l"/>
+                  <a:tab pos="3200400" algn="l"/>
+                  <a:tab pos="3657600" algn="l"/>
+                  <a:tab pos="4114800" algn="l"/>
+                  <a:tab pos="4572000" algn="l"/>
+                  <a:tab pos="5029200" algn="l"/>
+                  <a:tab pos="5486400" algn="l"/>
+                  <a:tab pos="5943600" algn="l"/>
+                  <a:tab pos="6400800" algn="l"/>
+                  <a:tab pos="6858000" algn="l"/>
+                  <a:tab pos="7315200" algn="l"/>
+                  <a:tab pos="7772400" algn="l"/>
+                  <a:tab pos="8229600" algn="l"/>
+                  <a:tab pos="8686800" algn="l"/>
+                  <a:tab pos="9144000" algn="l"/>
+                  <a:tab pos="9601200" algn="l"/>
+                  <a:tab pos="10058400" algn="l"/>
+                  <a:tab pos="10515600" algn="l"/>
+                  <a:tab pos="10774363" algn="l"/>
+                  <a:tab pos="10775950" algn="l"/>
+                  <a:tab pos="10777538" algn="l"/>
+                  <a:tab pos="10779125" algn="l"/>
+                  <a:tab pos="10780713" algn="l"/>
+                </a:tabLst>
+              </a:pPr>
+              <a:t>15</a:t>
+            </a:fld>
+            <a:endParaRPr lang="en-US" sz="1400" b="1">
+              <a:solidFill>
+                <a:srgbClr val="FFFFFF"/>
+              </a:solidFill>
+              <a:latin typeface="Source Sans Pro Black" pitchFamily="32" charset="0"/>
+              <a:cs typeface="DejaVu Sans" charset="0"/>
+            </a:endParaRPr>
+          </a:p>
+        </p:txBody>
+      </p:sp>
+      <p:sp>
+        <p:nvSpPr>
+          <p:cNvPr id="23555" name="Text Box 3"/>
+          <p:cNvSpPr txBox="1">
+            <a:spLocks noChangeArrowheads="1"/>
+          </p:cNvSpPr>
+          <p:nvPr/>
+        </p:nvSpPr>
+        <p:spPr bwMode="auto">
+          <a:xfrm>
+            <a:off x="4398963" y="9555163"/>
+            <a:ext cx="3370262" cy="500062"/>
+          </a:xfrm>
+          <a:prstGeom prst="rect">
+            <a:avLst/>
+          </a:prstGeom>
+          <a:noFill/>
+          <a:ln w="9525" cap="flat">
+            <a:noFill/>
+            <a:round/>
+            <a:headEnd/>
+            <a:tailEnd/>
+          </a:ln>
+          <a:effectLst/>
+        </p:spPr>
+        <p:txBody>
+          <a:bodyPr lIns="0" tIns="0" rIns="0" bIns="0" anchor="b"/>
+          <a:lstStyle/>
+          <a:p>
+            <a:pPr marL="215900" indent="-207963" algn="r">
+              <a:lnSpc>
+                <a:spcPct val="104000"/>
+              </a:lnSpc>
+              <a:buClrTx/>
+              <a:buFontTx/>
+              <a:buNone/>
+              <a:tabLst>
+                <a:tab pos="0" algn="l"/>
+                <a:tab pos="457200" algn="l"/>
+                <a:tab pos="914400" algn="l"/>
+                <a:tab pos="1371600" algn="l"/>
+                <a:tab pos="1828800" algn="l"/>
+                <a:tab pos="2286000" algn="l"/>
+                <a:tab pos="2743200" algn="l"/>
+                <a:tab pos="3200400" algn="l"/>
+                <a:tab pos="3657600" algn="l"/>
+                <a:tab pos="4114800" algn="l"/>
+                <a:tab pos="4572000" algn="l"/>
+                <a:tab pos="5029200" algn="l"/>
+                <a:tab pos="5486400" algn="l"/>
+                <a:tab pos="5943600" algn="l"/>
+                <a:tab pos="6400800" algn="l"/>
+                <a:tab pos="6858000" algn="l"/>
+                <a:tab pos="7315200" algn="l"/>
+                <a:tab pos="7772400" algn="l"/>
+                <a:tab pos="8229600" algn="l"/>
+                <a:tab pos="8686800" algn="l"/>
+                <a:tab pos="9144000" algn="l"/>
+                <a:tab pos="9601200" algn="l"/>
+                <a:tab pos="10058400" algn="l"/>
+                <a:tab pos="10515600" algn="l"/>
+                <a:tab pos="10774363" algn="l"/>
+                <a:tab pos="10775950" algn="l"/>
+                <a:tab pos="10777538" algn="l"/>
+                <a:tab pos="10779125" algn="l"/>
+                <a:tab pos="10780713" algn="l"/>
+              </a:tabLst>
+            </a:pPr>
+            <a:fld id="{64934F72-CB40-4216-9949-F120EE33C90D}" type="slidenum">
+              <a:rPr lang="en-US" sz="1400" b="1">
+                <a:solidFill>
+                  <a:srgbClr val="FFFFFF"/>
+                </a:solidFill>
+                <a:latin typeface="Source Sans Pro Black" pitchFamily="32" charset="0"/>
+                <a:ea typeface="Noto Sans CJK SC" charset="0"/>
+                <a:cs typeface="Noto Sans CJK SC" charset="0"/>
+              </a:rPr>
+              <a:pPr marL="215900" indent="-207963" algn="r">
+                <a:lnSpc>
+                  <a:spcPct val="104000"/>
+                </a:lnSpc>
+                <a:buClrTx/>
+                <a:buFontTx/>
+                <a:buNone/>
+                <a:tabLst>
+                  <a:tab pos="0" algn="l"/>
+                  <a:tab pos="457200" algn="l"/>
+                  <a:tab pos="914400" algn="l"/>
+                  <a:tab pos="1371600" algn="l"/>
+                  <a:tab pos="1828800" algn="l"/>
+                  <a:tab pos="2286000" algn="l"/>
+                  <a:tab pos="2743200" algn="l"/>
+                  <a:tab pos="3200400" algn="l"/>
+                  <a:tab pos="3657600" algn="l"/>
+                  <a:tab pos="4114800" algn="l"/>
+                  <a:tab pos="4572000" algn="l"/>
+                  <a:tab pos="5029200" algn="l"/>
+                  <a:tab pos="5486400" algn="l"/>
+                  <a:tab pos="5943600" algn="l"/>
+                  <a:tab pos="6400800" algn="l"/>
+                  <a:tab pos="6858000" algn="l"/>
+                  <a:tab pos="7315200" algn="l"/>
+                  <a:tab pos="7772400" algn="l"/>
+                  <a:tab pos="8229600" algn="l"/>
+                  <a:tab pos="8686800" algn="l"/>
+                  <a:tab pos="9144000" algn="l"/>
+                  <a:tab pos="9601200" algn="l"/>
+                  <a:tab pos="10058400" algn="l"/>
+                  <a:tab pos="10515600" algn="l"/>
+                  <a:tab pos="10774363" algn="l"/>
+                  <a:tab pos="10775950" algn="l"/>
+                  <a:tab pos="10777538" algn="l"/>
+                  <a:tab pos="10779125" algn="l"/>
+                  <a:tab pos="10780713" algn="l"/>
+                </a:tabLst>
+              </a:pPr>
+              <a:t>15</a:t>
+            </a:fld>
+            <a:endParaRPr lang="en-US" sz="1400" b="1">
+              <a:solidFill>
+                <a:srgbClr val="FFFFFF"/>
+              </a:solidFill>
+              <a:latin typeface="Source Sans Pro Black" pitchFamily="32" charset="0"/>
+              <a:ea typeface="Noto Sans CJK SC" charset="0"/>
+              <a:cs typeface="Noto Sans CJK SC" charset="0"/>
+            </a:endParaRPr>
+          </a:p>
+        </p:txBody>
+      </p:sp>
+      <p:sp>
+        <p:nvSpPr>
           <p:cNvPr id="23556" name="Text Box 4"/>
           <p:cNvSpPr txBox="1">
             <a:spLocks noChangeArrowheads="1"/>
@@ -3940,7 +5212,7 @@
                   <a:tab pos="10780713" algn="l"/>
                 </a:tabLst>
               </a:pPr>
-              <a:t>13</a:t>
+              <a:t>15</a:t>
             </a:fld>
             <a:endParaRPr lang="en-US" sz="1400" b="1">
               <a:solidFill>
@@ -13614,20 +14886,12 @@
               <a:buChar char="•"/>
             </a:pPr>
             <a:r>
-              <a:rPr lang="el-GR" smtClean="0">
-                <a:solidFill>
-                  <a:schemeClr val="tx1"/>
-                </a:solidFill>
-              </a:rPr>
-              <a:t> Κατάσταση </a:t>
-            </a:r>
-            <a:r>
               <a:rPr lang="el-GR" dirty="0" smtClean="0">
                 <a:solidFill>
                   <a:schemeClr val="tx1"/>
                 </a:solidFill>
               </a:rPr>
-              <a:t>(Αν θα πραγματοποιηθεί ή όχι)</a:t>
+              <a:t> Κατάσταση (Αν θα πραγματοποιηθεί ή όχι)</a:t>
             </a:r>
             <a:endParaRPr lang="el-GR" dirty="0">
               <a:solidFill>
@@ -15756,6 +17020,1101 @@
       </p:grpSpPr>
       <p:sp>
         <p:nvSpPr>
+          <p:cNvPr id="13313" name="Text Box 1"/>
+          <p:cNvSpPr txBox="1">
+            <a:spLocks noChangeArrowheads="1"/>
+          </p:cNvSpPr>
+          <p:nvPr/>
+        </p:nvSpPr>
+        <p:spPr bwMode="auto">
+          <a:xfrm>
+            <a:off x="354013" y="301625"/>
+            <a:ext cx="9439275" cy="958850"/>
+          </a:xfrm>
+          <a:prstGeom prst="rect">
+            <a:avLst/>
+          </a:prstGeom>
+          <a:noFill/>
+          <a:ln w="9525" cap="flat">
+            <a:noFill/>
+            <a:round/>
+            <a:headEnd/>
+            <a:tailEnd/>
+          </a:ln>
+          <a:effectLst/>
+        </p:spPr>
+        <p:txBody>
+          <a:bodyPr lIns="0" tIns="24840" rIns="0" bIns="0" anchor="ctr"/>
+          <a:lstStyle/>
+          <a:p>
+            <a:pPr hangingPunct="1">
+              <a:buClrTx/>
+              <a:buFontTx/>
+              <a:buNone/>
+              <a:tabLst>
+                <a:tab pos="0" algn="l"/>
+                <a:tab pos="457200" algn="l"/>
+                <a:tab pos="914400" algn="l"/>
+                <a:tab pos="1371600" algn="l"/>
+                <a:tab pos="1828800" algn="l"/>
+                <a:tab pos="2286000" algn="l"/>
+                <a:tab pos="2743200" algn="l"/>
+                <a:tab pos="3200400" algn="l"/>
+                <a:tab pos="3657600" algn="l"/>
+                <a:tab pos="4114800" algn="l"/>
+                <a:tab pos="4572000" algn="l"/>
+                <a:tab pos="5029200" algn="l"/>
+                <a:tab pos="5486400" algn="l"/>
+                <a:tab pos="5943600" algn="l"/>
+                <a:tab pos="6400800" algn="l"/>
+                <a:tab pos="6858000" algn="l"/>
+                <a:tab pos="7315200" algn="l"/>
+                <a:tab pos="7772400" algn="l"/>
+                <a:tab pos="8229600" algn="l"/>
+                <a:tab pos="8686800" algn="l"/>
+                <a:tab pos="9144000" algn="l"/>
+                <a:tab pos="9601200" algn="l"/>
+                <a:tab pos="10058400" algn="l"/>
+                <a:tab pos="10515600" algn="l"/>
+                <a:tab pos="10774363" algn="l"/>
+                <a:tab pos="10775950" algn="l"/>
+                <a:tab pos="10777538" algn="l"/>
+                <a:tab pos="10779125" algn="l"/>
+                <a:tab pos="10780713" algn="l"/>
+              </a:tabLst>
+            </a:pPr>
+            <a:r>
+              <a:rPr lang="el-GR" sz="2800" b="1" dirty="0" smtClean="0">
+                <a:solidFill>
+                  <a:srgbClr val="000000"/>
+                </a:solidFill>
+                <a:ea typeface="Noto Sans CJK SC" charset="0"/>
+                <a:cs typeface="Noto Sans CJK SC" charset="0"/>
+              </a:rPr>
+              <a:t>Αξιολόγηση Εφαρμογής</a:t>
+            </a:r>
+            <a:endParaRPr lang="el-GR" sz="2800" b="1" dirty="0">
+              <a:solidFill>
+                <a:srgbClr val="000000"/>
+              </a:solidFill>
+              <a:ea typeface="Noto Sans CJK SC" charset="0"/>
+              <a:cs typeface="Noto Sans CJK SC" charset="0"/>
+            </a:endParaRPr>
+          </a:p>
+        </p:txBody>
+      </p:sp>
+      <p:sp>
+        <p:nvSpPr>
+          <p:cNvPr id="13314" name="Text Box 2"/>
+          <p:cNvSpPr txBox="1">
+            <a:spLocks noChangeArrowheads="1"/>
+          </p:cNvSpPr>
+          <p:nvPr/>
+        </p:nvSpPr>
+        <p:spPr bwMode="auto">
+          <a:xfrm>
+            <a:off x="1008063" y="6804025"/>
+            <a:ext cx="7632649" cy="503238"/>
+          </a:xfrm>
+          <a:prstGeom prst="rect">
+            <a:avLst/>
+          </a:prstGeom>
+          <a:noFill/>
+          <a:ln w="9525" cap="flat">
+            <a:noFill/>
+            <a:round/>
+            <a:headEnd/>
+            <a:tailEnd/>
+          </a:ln>
+          <a:effectLst/>
+        </p:spPr>
+        <p:txBody>
+          <a:bodyPr lIns="100800" tIns="50400" rIns="100800" bIns="50400" anchor="ctr"/>
+          <a:lstStyle/>
+          <a:p>
+            <a:pPr hangingPunct="1">
+              <a:buClrTx/>
+              <a:buFontTx/>
+              <a:buNone/>
+              <a:tabLst>
+                <a:tab pos="0" algn="l"/>
+                <a:tab pos="457200" algn="l"/>
+                <a:tab pos="914400" algn="l"/>
+                <a:tab pos="1371600" algn="l"/>
+                <a:tab pos="1828800" algn="l"/>
+                <a:tab pos="2286000" algn="l"/>
+                <a:tab pos="2743200" algn="l"/>
+                <a:tab pos="3200400" algn="l"/>
+                <a:tab pos="3657600" algn="l"/>
+                <a:tab pos="4114800" algn="l"/>
+                <a:tab pos="4572000" algn="l"/>
+                <a:tab pos="5029200" algn="l"/>
+                <a:tab pos="5486400" algn="l"/>
+                <a:tab pos="5943600" algn="l"/>
+                <a:tab pos="6400800" algn="l"/>
+                <a:tab pos="6858000" algn="l"/>
+                <a:tab pos="7315200" algn="l"/>
+                <a:tab pos="7772400" algn="l"/>
+                <a:tab pos="8229600" algn="l"/>
+                <a:tab pos="8686800" algn="l"/>
+                <a:tab pos="9144000" algn="l"/>
+                <a:tab pos="9426575" algn="l"/>
+                <a:tab pos="9875838" algn="l"/>
+                <a:tab pos="10325100" algn="l"/>
+                <a:tab pos="10774363" algn="l"/>
+                <a:tab pos="10775950" algn="l"/>
+                <a:tab pos="10777538" algn="l"/>
+                <a:tab pos="10779125" algn="l"/>
+                <a:tab pos="10780713" algn="l"/>
+              </a:tabLst>
+            </a:pPr>
+            <a:r>
+              <a:rPr lang="el-GR" sz="1500" dirty="0" smtClean="0">
+                <a:solidFill>
+                  <a:srgbClr val="FF0000"/>
+                </a:solidFill>
+                <a:ea typeface="Noto Sans CJK SC" charset="0"/>
+                <a:cs typeface="Noto Sans CJK SC" charset="0"/>
+              </a:rPr>
+              <a:t>Ηλιάδης Αλέξιος, Κόκκινου Ξανθή, </a:t>
+            </a:r>
+            <a:r>
+              <a:rPr lang="el-GR" sz="1500" dirty="0" err="1" smtClean="0">
+                <a:solidFill>
+                  <a:srgbClr val="FF0000"/>
+                </a:solidFill>
+                <a:ea typeface="Noto Sans CJK SC" charset="0"/>
+                <a:cs typeface="Noto Sans CJK SC" charset="0"/>
+              </a:rPr>
+              <a:t>Μήσιος</a:t>
+            </a:r>
+            <a:r>
+              <a:rPr lang="el-GR" sz="1500" dirty="0" smtClean="0">
+                <a:solidFill>
+                  <a:srgbClr val="FF0000"/>
+                </a:solidFill>
+                <a:ea typeface="Noto Sans CJK SC" charset="0"/>
+                <a:cs typeface="Noto Sans CJK SC" charset="0"/>
+              </a:rPr>
+              <a:t> Δημήτριος, Ταουκτσής Βασίλης</a:t>
+            </a:r>
+          </a:p>
+          <a:p>
+            <a:pPr hangingPunct="1">
+              <a:buClrTx/>
+              <a:buFontTx/>
+              <a:buNone/>
+              <a:tabLst>
+                <a:tab pos="0" algn="l"/>
+                <a:tab pos="457200" algn="l"/>
+                <a:tab pos="914400" algn="l"/>
+                <a:tab pos="1371600" algn="l"/>
+                <a:tab pos="1828800" algn="l"/>
+                <a:tab pos="2286000" algn="l"/>
+                <a:tab pos="2743200" algn="l"/>
+                <a:tab pos="3200400" algn="l"/>
+                <a:tab pos="3657600" algn="l"/>
+                <a:tab pos="4114800" algn="l"/>
+                <a:tab pos="4572000" algn="l"/>
+                <a:tab pos="5029200" algn="l"/>
+                <a:tab pos="5486400" algn="l"/>
+                <a:tab pos="5943600" algn="l"/>
+                <a:tab pos="6400800" algn="l"/>
+                <a:tab pos="6858000" algn="l"/>
+                <a:tab pos="7315200" algn="l"/>
+                <a:tab pos="7772400" algn="l"/>
+                <a:tab pos="8229600" algn="l"/>
+                <a:tab pos="8686800" algn="l"/>
+                <a:tab pos="9144000" algn="l"/>
+                <a:tab pos="9426575" algn="l"/>
+                <a:tab pos="9875838" algn="l"/>
+                <a:tab pos="10325100" algn="l"/>
+                <a:tab pos="10774363" algn="l"/>
+                <a:tab pos="10775950" algn="l"/>
+                <a:tab pos="10777538" algn="l"/>
+                <a:tab pos="10779125" algn="l"/>
+                <a:tab pos="10780713" algn="l"/>
+              </a:tabLst>
+            </a:pPr>
+            <a:r>
+              <a:rPr lang="el-GR" sz="1200" dirty="0" smtClean="0">
+                <a:solidFill>
+                  <a:srgbClr val="FF0000"/>
+                </a:solidFill>
+                <a:ea typeface="Noto Sans CJK SC" charset="0"/>
+                <a:cs typeface="Noto Sans CJK SC" charset="0"/>
+              </a:rPr>
+              <a:t>Διαδικτυακή εφαρμογή με χρήση δεδομένων από εξωτερικές πηγές</a:t>
+            </a:r>
+            <a:endParaRPr lang="en-US" sz="1200" dirty="0">
+              <a:solidFill>
+                <a:srgbClr val="FF0000"/>
+              </a:solidFill>
+              <a:ea typeface="Noto Sans CJK SC" charset="0"/>
+              <a:cs typeface="Noto Sans CJK SC" charset="0"/>
+            </a:endParaRPr>
+          </a:p>
+        </p:txBody>
+      </p:sp>
+      <p:sp>
+        <p:nvSpPr>
+          <p:cNvPr id="13315" name="Oval 3"/>
+          <p:cNvSpPr>
+            <a:spLocks noChangeArrowheads="1"/>
+          </p:cNvSpPr>
+          <p:nvPr/>
+        </p:nvSpPr>
+        <p:spPr bwMode="auto">
+          <a:xfrm>
+            <a:off x="161925" y="6845300"/>
+            <a:ext cx="503238" cy="504825"/>
+          </a:xfrm>
+          <a:prstGeom prst="ellipse">
+            <a:avLst/>
+          </a:prstGeom>
+          <a:solidFill>
+            <a:srgbClr val="F0A22E"/>
+          </a:solidFill>
+          <a:ln w="9525" cap="flat">
+            <a:noFill/>
+            <a:round/>
+            <a:headEnd/>
+            <a:tailEnd/>
+          </a:ln>
+          <a:effectLst/>
+        </p:spPr>
+        <p:txBody>
+          <a:bodyPr wrap="none" lIns="0" tIns="0" rIns="0" bIns="0" anchor="ctr" anchorCtr="1"/>
+          <a:lstStyle/>
+          <a:p>
+            <a:pPr algn="ctr" hangingPunct="1">
+              <a:buClrTx/>
+              <a:buFontTx/>
+              <a:buNone/>
+              <a:tabLst>
+                <a:tab pos="0" algn="l"/>
+                <a:tab pos="457200" algn="l"/>
+                <a:tab pos="914400" algn="l"/>
+                <a:tab pos="1371600" algn="l"/>
+                <a:tab pos="1828800" algn="l"/>
+                <a:tab pos="2286000" algn="l"/>
+                <a:tab pos="2743200" algn="l"/>
+                <a:tab pos="3200400" algn="l"/>
+                <a:tab pos="3657600" algn="l"/>
+                <a:tab pos="4114800" algn="l"/>
+                <a:tab pos="4572000" algn="l"/>
+                <a:tab pos="5029200" algn="l"/>
+                <a:tab pos="5486400" algn="l"/>
+                <a:tab pos="5943600" algn="l"/>
+                <a:tab pos="6400800" algn="l"/>
+                <a:tab pos="6858000" algn="l"/>
+                <a:tab pos="7315200" algn="l"/>
+                <a:tab pos="7772400" algn="l"/>
+                <a:tab pos="8229600" algn="l"/>
+                <a:tab pos="8686800" algn="l"/>
+                <a:tab pos="9144000" algn="l"/>
+                <a:tab pos="9426575" algn="l"/>
+                <a:tab pos="9875838" algn="l"/>
+                <a:tab pos="10325100" algn="l"/>
+                <a:tab pos="10774363" algn="l"/>
+                <a:tab pos="10775950" algn="l"/>
+                <a:tab pos="10777538" algn="l"/>
+                <a:tab pos="10779125" algn="l"/>
+                <a:tab pos="10780713" algn="l"/>
+              </a:tabLst>
+            </a:pPr>
+            <a:fld id="{282ADBE4-33FF-471D-BF6A-229031AF6951}" type="slidenum">
+              <a:rPr lang="en-US" sz="1500">
+                <a:solidFill>
+                  <a:srgbClr val="FFFFFF"/>
+                </a:solidFill>
+                <a:latin typeface="Franklin Gothic Book" pitchFamily="32" charset="0"/>
+                <a:ea typeface="Noto Sans CJK SC" charset="0"/>
+                <a:cs typeface="Noto Sans CJK SC" charset="0"/>
+              </a:rPr>
+              <a:pPr algn="ctr" hangingPunct="1">
+                <a:buClrTx/>
+                <a:buFontTx/>
+                <a:buNone/>
+                <a:tabLst>
+                  <a:tab pos="0" algn="l"/>
+                  <a:tab pos="457200" algn="l"/>
+                  <a:tab pos="914400" algn="l"/>
+                  <a:tab pos="1371600" algn="l"/>
+                  <a:tab pos="1828800" algn="l"/>
+                  <a:tab pos="2286000" algn="l"/>
+                  <a:tab pos="2743200" algn="l"/>
+                  <a:tab pos="3200400" algn="l"/>
+                  <a:tab pos="3657600" algn="l"/>
+                  <a:tab pos="4114800" algn="l"/>
+                  <a:tab pos="4572000" algn="l"/>
+                  <a:tab pos="5029200" algn="l"/>
+                  <a:tab pos="5486400" algn="l"/>
+                  <a:tab pos="5943600" algn="l"/>
+                  <a:tab pos="6400800" algn="l"/>
+                  <a:tab pos="6858000" algn="l"/>
+                  <a:tab pos="7315200" algn="l"/>
+                  <a:tab pos="7772400" algn="l"/>
+                  <a:tab pos="8229600" algn="l"/>
+                  <a:tab pos="8686800" algn="l"/>
+                  <a:tab pos="9144000" algn="l"/>
+                  <a:tab pos="9426575" algn="l"/>
+                  <a:tab pos="9875838" algn="l"/>
+                  <a:tab pos="10325100" algn="l"/>
+                  <a:tab pos="10774363" algn="l"/>
+                  <a:tab pos="10775950" algn="l"/>
+                  <a:tab pos="10777538" algn="l"/>
+                  <a:tab pos="10779125" algn="l"/>
+                  <a:tab pos="10780713" algn="l"/>
+                </a:tabLst>
+              </a:pPr>
+              <a:t>13</a:t>
+            </a:fld>
+            <a:endParaRPr lang="en-US" sz="1500">
+              <a:solidFill>
+                <a:srgbClr val="FFFFFF"/>
+              </a:solidFill>
+              <a:latin typeface="Franklin Gothic Book" pitchFamily="32" charset="0"/>
+              <a:ea typeface="Noto Sans CJK SC" charset="0"/>
+              <a:cs typeface="Noto Sans CJK SC" charset="0"/>
+            </a:endParaRPr>
+          </a:p>
+        </p:txBody>
+      </p:sp>
+      <p:pic>
+        <p:nvPicPr>
+          <p:cNvPr id="14" name="13 - Εικόνα"/>
+          <p:cNvPicPr/>
+          <p:nvPr/>
+        </p:nvPicPr>
+        <p:blipFill>
+          <a:blip r:embed="rId3" cstate="print">
+            <a:extLst>
+              <a:ext uri="{28A0092B-C50C-407E-A947-70E740481C1C}">
+                <a14:useLocalDpi xmlns:lc="http://schemas.openxmlformats.org/drawingml/2006/lockedCanvas" xmlns:pic="http://schemas.openxmlformats.org/drawingml/2006/picture" xmlns:a14="http://schemas.microsoft.com/office/drawing/2010/main" xmlns:wps="http://schemas.microsoft.com/office/word/2010/wordprocessingShape" xmlns:wne="http://schemas.microsoft.com/office/word/2006/wordml" xmlns:wpi="http://schemas.microsoft.com/office/word/2010/wordprocessingInk" xmlns:wpg="http://schemas.microsoft.com/office/word/2010/wordprocessingGroup" xmlns:w14="http://schemas.microsoft.com/office/word/2010/wordml" xmlns:w="http://schemas.openxmlformats.org/wordprocessingml/2006/main" xmlns:w10="urn:schemas-microsoft-com:office:word" xmlns:wp="http://schemas.openxmlformats.org/drawingml/2006/wordprocessingDrawing" xmlns:wp14="http://schemas.microsoft.com/office/word/2010/wordprocessingDrawing" xmlns:v="urn:schemas-microsoft-com:vml" xmlns:m="http://schemas.openxmlformats.org/officeDocument/2006/math" xmlns:o="urn:schemas-microsoft-com:office:office" xmlns:mc="http://schemas.openxmlformats.org/markup-compatibility/2006" xmlns:wpc="http://schemas.microsoft.com/office/word/2010/wordprocessingCanvas" xmlns="" val="0"/>
+              </a:ext>
+            </a:extLst>
+          </a:blip>
+          <a:stretch>
+            <a:fillRect/>
+          </a:stretch>
+        </p:blipFill>
+        <p:spPr>
+          <a:xfrm>
+            <a:off x="5414918" y="1180180"/>
+            <a:ext cx="4377922" cy="5335961"/>
+          </a:xfrm>
+          <a:prstGeom prst="rect">
+            <a:avLst/>
+          </a:prstGeom>
+        </p:spPr>
+      </p:pic>
+      <p:sp>
+        <p:nvSpPr>
+          <p:cNvPr id="17" name="Text Box 5"/>
+          <p:cNvSpPr txBox="1">
+            <a:spLocks noChangeArrowheads="1"/>
+          </p:cNvSpPr>
+          <p:nvPr/>
+        </p:nvSpPr>
+        <p:spPr bwMode="auto">
+          <a:xfrm>
+            <a:off x="503238" y="1332000"/>
+            <a:ext cx="4753098" cy="4941995"/>
+          </a:xfrm>
+          <a:prstGeom prst="rect">
+            <a:avLst/>
+          </a:prstGeom>
+          <a:noFill/>
+          <a:ln w="9525" cap="flat">
+            <a:noFill/>
+            <a:round/>
+            <a:headEnd/>
+            <a:tailEnd/>
+          </a:ln>
+          <a:effectLst/>
+        </p:spPr>
+        <p:txBody>
+          <a:bodyPr wrap="square" lIns="90000" tIns="46800" rIns="90000" bIns="46800">
+            <a:spAutoFit/>
+          </a:bodyPr>
+          <a:lstStyle/>
+          <a:p>
+            <a:pPr>
+              <a:lnSpc>
+                <a:spcPct val="200000"/>
+              </a:lnSpc>
+            </a:pPr>
+            <a:r>
+              <a:rPr lang="el-GR" dirty="0" smtClean="0">
+                <a:solidFill>
+                  <a:schemeClr val="tx1"/>
+                </a:solidFill>
+              </a:rPr>
+              <a:t>Ερωτήσεις:</a:t>
+            </a:r>
+          </a:p>
+          <a:p>
+            <a:pPr marL="342900" indent="-342900">
+              <a:lnSpc>
+                <a:spcPct val="150000"/>
+              </a:lnSpc>
+              <a:buFont typeface="+mj-lt"/>
+              <a:buAutoNum type="arabicPeriod"/>
+            </a:pPr>
+            <a:r>
+              <a:rPr lang="el-GR" dirty="0" smtClean="0">
+                <a:solidFill>
+                  <a:schemeClr val="tx1"/>
+                </a:solidFill>
+              </a:rPr>
+              <a:t>Πόσο εύκολο ήταν να κάνεις εγγραφή στη σελίδα;	</a:t>
+            </a:r>
+          </a:p>
+          <a:p>
+            <a:pPr marL="342900" indent="-342900">
+              <a:lnSpc>
+                <a:spcPct val="150000"/>
+              </a:lnSpc>
+              <a:buFont typeface="+mj-lt"/>
+              <a:buAutoNum type="arabicPeriod"/>
+            </a:pPr>
+            <a:r>
+              <a:rPr lang="el-GR" dirty="0" smtClean="0">
+                <a:solidFill>
+                  <a:schemeClr val="tx1"/>
+                </a:solidFill>
+              </a:rPr>
+              <a:t>Πόσο εύκολο ήταν να κάνεις σύνδεση στη σελίδα;	</a:t>
+            </a:r>
+          </a:p>
+          <a:p>
+            <a:pPr marL="342900" indent="-342900">
+              <a:lnSpc>
+                <a:spcPct val="150000"/>
+              </a:lnSpc>
+              <a:buFont typeface="+mj-lt"/>
+              <a:buAutoNum type="arabicPeriod"/>
+            </a:pPr>
+            <a:r>
+              <a:rPr lang="el-GR" dirty="0" smtClean="0">
+                <a:solidFill>
+                  <a:schemeClr val="tx1"/>
+                </a:solidFill>
+              </a:rPr>
+              <a:t>Πόσο εύχρηστη σου φάνηκε η πλοήγηση της σελίδας;	</a:t>
+            </a:r>
+          </a:p>
+          <a:p>
+            <a:pPr marL="342900" indent="-342900">
+              <a:lnSpc>
+                <a:spcPct val="150000"/>
+              </a:lnSpc>
+              <a:buFont typeface="+mj-lt"/>
+              <a:buAutoNum type="arabicPeriod"/>
+            </a:pPr>
+            <a:r>
+              <a:rPr lang="el-GR" dirty="0" smtClean="0">
+                <a:solidFill>
+                  <a:schemeClr val="tx1"/>
+                </a:solidFill>
+              </a:rPr>
+              <a:t>Βρήκατε αυτό που ψάχνατε;	</a:t>
+            </a:r>
+          </a:p>
+          <a:p>
+            <a:pPr marL="342900" indent="-342900">
+              <a:lnSpc>
+                <a:spcPct val="150000"/>
+              </a:lnSpc>
+              <a:buFont typeface="+mj-lt"/>
+              <a:buAutoNum type="arabicPeriod"/>
+            </a:pPr>
+            <a:r>
+              <a:rPr lang="el-GR" dirty="0" smtClean="0">
+                <a:solidFill>
+                  <a:schemeClr val="tx1"/>
+                </a:solidFill>
+              </a:rPr>
+              <a:t>Σας </a:t>
+            </a:r>
+            <a:r>
+              <a:rPr lang="el-GR" dirty="0" smtClean="0">
+                <a:solidFill>
+                  <a:schemeClr val="tx1"/>
+                </a:solidFill>
+              </a:rPr>
+              <a:t>αρέσει ο σχεδιασμός της σελίδας;	</a:t>
+            </a:r>
+          </a:p>
+          <a:p>
+            <a:pPr marL="342900" indent="-342900">
+              <a:lnSpc>
+                <a:spcPct val="150000"/>
+              </a:lnSpc>
+              <a:buFont typeface="+mj-lt"/>
+              <a:buAutoNum type="arabicPeriod"/>
+            </a:pPr>
+            <a:r>
+              <a:rPr lang="el-GR" dirty="0" smtClean="0">
+                <a:solidFill>
+                  <a:schemeClr val="tx1"/>
+                </a:solidFill>
+              </a:rPr>
+              <a:t>Θα την προτείνατε σε άλλους;</a:t>
+            </a:r>
+          </a:p>
+          <a:p>
+            <a:pPr>
+              <a:lnSpc>
+                <a:spcPct val="200000"/>
+              </a:lnSpc>
+            </a:pPr>
+            <a:r>
+              <a:rPr lang="el-GR" u="sng" dirty="0" smtClean="0">
+                <a:solidFill>
+                  <a:schemeClr val="tx1"/>
+                </a:solidFill>
+              </a:rPr>
+              <a:t>https://forms.gle/Zb4r6WVJxnjjXP6E9</a:t>
+            </a:r>
+            <a:endParaRPr lang="el-GR" dirty="0">
+              <a:solidFill>
+                <a:schemeClr val="tx1"/>
+              </a:solidFill>
+            </a:endParaRPr>
+          </a:p>
+        </p:txBody>
+      </p:sp>
+    </p:spTree>
+  </p:cSld>
+  <p:clrMapOvr>
+    <a:masterClrMapping/>
+  </p:clrMapOvr>
+  <p:transition spd="med"/>
+  <p:timing>
+    <p:tnLst>
+      <p:par>
+        <p:cTn id="1" dur="indefinite" restart="never" nodeType="tmRoot">
+          <p:childTnLst>
+            <p:seq concurrent="1" nextAc="seek">
+              <p:cTn id="2" dur="indefinite" nodeType="mainSeq"/>
+              <p:prevCondLst>
+                <p:cond evt="onPrev" delay="0">
+                  <p:tgtEl>
+                    <p:sldTgt/>
+                  </p:tgtEl>
+                </p:cond>
+              </p:prevCondLst>
+              <p:nextCondLst>
+                <p:cond evt="onNext" delay="0">
+                  <p:tgtEl>
+                    <p:sldTgt/>
+                  </p:tgtEl>
+                </p:cond>
+              </p:nextCondLst>
+            </p:seq>
+          </p:childTnLst>
+        </p:cTn>
+      </p:par>
+    </p:tnLst>
+  </p:timing>
+</p:sld>
+</file>
+
+<file path=ppt/slides/slide14.xml><?xml version="1.0" encoding="utf-8"?>
+<p:sld xmlns:a="http://schemas.openxmlformats.org/drawingml/2006/main" xmlns:r="http://schemas.openxmlformats.org/officeDocument/2006/relationships" xmlns:p="http://schemas.openxmlformats.org/presentationml/2006/main">
+  <p:cSld>
+    <p:spTree>
+      <p:nvGrpSpPr>
+        <p:cNvPr id="1" name=""/>
+        <p:cNvGrpSpPr/>
+        <p:nvPr/>
+      </p:nvGrpSpPr>
+      <p:grpSpPr>
+        <a:xfrm>
+          <a:off x="0" y="0"/>
+          <a:ext cx="0" cy="0"/>
+          <a:chOff x="0" y="0"/>
+          <a:chExt cx="0" cy="0"/>
+        </a:xfrm>
+      </p:grpSpPr>
+      <p:sp>
+        <p:nvSpPr>
+          <p:cNvPr id="13313" name="Text Box 1"/>
+          <p:cNvSpPr txBox="1">
+            <a:spLocks noChangeArrowheads="1"/>
+          </p:cNvSpPr>
+          <p:nvPr/>
+        </p:nvSpPr>
+        <p:spPr bwMode="auto">
+          <a:xfrm>
+            <a:off x="354013" y="301625"/>
+            <a:ext cx="9439275" cy="958850"/>
+          </a:xfrm>
+          <a:prstGeom prst="rect">
+            <a:avLst/>
+          </a:prstGeom>
+          <a:noFill/>
+          <a:ln w="9525" cap="flat">
+            <a:noFill/>
+            <a:round/>
+            <a:headEnd/>
+            <a:tailEnd/>
+          </a:ln>
+          <a:effectLst/>
+        </p:spPr>
+        <p:txBody>
+          <a:bodyPr lIns="0" tIns="24840" rIns="0" bIns="0" anchor="ctr"/>
+          <a:lstStyle/>
+          <a:p>
+            <a:pPr hangingPunct="1">
+              <a:buClrTx/>
+              <a:buFontTx/>
+              <a:buNone/>
+              <a:tabLst>
+                <a:tab pos="0" algn="l"/>
+                <a:tab pos="457200" algn="l"/>
+                <a:tab pos="914400" algn="l"/>
+                <a:tab pos="1371600" algn="l"/>
+                <a:tab pos="1828800" algn="l"/>
+                <a:tab pos="2286000" algn="l"/>
+                <a:tab pos="2743200" algn="l"/>
+                <a:tab pos="3200400" algn="l"/>
+                <a:tab pos="3657600" algn="l"/>
+                <a:tab pos="4114800" algn="l"/>
+                <a:tab pos="4572000" algn="l"/>
+                <a:tab pos="5029200" algn="l"/>
+                <a:tab pos="5486400" algn="l"/>
+                <a:tab pos="5943600" algn="l"/>
+                <a:tab pos="6400800" algn="l"/>
+                <a:tab pos="6858000" algn="l"/>
+                <a:tab pos="7315200" algn="l"/>
+                <a:tab pos="7772400" algn="l"/>
+                <a:tab pos="8229600" algn="l"/>
+                <a:tab pos="8686800" algn="l"/>
+                <a:tab pos="9144000" algn="l"/>
+                <a:tab pos="9601200" algn="l"/>
+                <a:tab pos="10058400" algn="l"/>
+                <a:tab pos="10515600" algn="l"/>
+                <a:tab pos="10774363" algn="l"/>
+                <a:tab pos="10775950" algn="l"/>
+                <a:tab pos="10777538" algn="l"/>
+                <a:tab pos="10779125" algn="l"/>
+                <a:tab pos="10780713" algn="l"/>
+              </a:tabLst>
+            </a:pPr>
+            <a:r>
+              <a:rPr lang="el-GR" sz="2800" b="1" dirty="0" smtClean="0">
+                <a:solidFill>
+                  <a:srgbClr val="000000"/>
+                </a:solidFill>
+                <a:ea typeface="Noto Sans CJK SC" charset="0"/>
+                <a:cs typeface="Noto Sans CJK SC" charset="0"/>
+              </a:rPr>
+              <a:t>Αξιολόγηση Εφαρμογής</a:t>
+            </a:r>
+            <a:endParaRPr lang="el-GR" sz="2800" b="1" dirty="0">
+              <a:solidFill>
+                <a:srgbClr val="000000"/>
+              </a:solidFill>
+              <a:ea typeface="Noto Sans CJK SC" charset="0"/>
+              <a:cs typeface="Noto Sans CJK SC" charset="0"/>
+            </a:endParaRPr>
+          </a:p>
+        </p:txBody>
+      </p:sp>
+      <p:sp>
+        <p:nvSpPr>
+          <p:cNvPr id="13314" name="Text Box 2"/>
+          <p:cNvSpPr txBox="1">
+            <a:spLocks noChangeArrowheads="1"/>
+          </p:cNvSpPr>
+          <p:nvPr/>
+        </p:nvSpPr>
+        <p:spPr bwMode="auto">
+          <a:xfrm>
+            <a:off x="1008063" y="6804025"/>
+            <a:ext cx="7632649" cy="503238"/>
+          </a:xfrm>
+          <a:prstGeom prst="rect">
+            <a:avLst/>
+          </a:prstGeom>
+          <a:noFill/>
+          <a:ln w="9525" cap="flat">
+            <a:noFill/>
+            <a:round/>
+            <a:headEnd/>
+            <a:tailEnd/>
+          </a:ln>
+          <a:effectLst/>
+        </p:spPr>
+        <p:txBody>
+          <a:bodyPr lIns="100800" tIns="50400" rIns="100800" bIns="50400" anchor="ctr"/>
+          <a:lstStyle/>
+          <a:p>
+            <a:pPr hangingPunct="1">
+              <a:buClrTx/>
+              <a:buFontTx/>
+              <a:buNone/>
+              <a:tabLst>
+                <a:tab pos="0" algn="l"/>
+                <a:tab pos="457200" algn="l"/>
+                <a:tab pos="914400" algn="l"/>
+                <a:tab pos="1371600" algn="l"/>
+                <a:tab pos="1828800" algn="l"/>
+                <a:tab pos="2286000" algn="l"/>
+                <a:tab pos="2743200" algn="l"/>
+                <a:tab pos="3200400" algn="l"/>
+                <a:tab pos="3657600" algn="l"/>
+                <a:tab pos="4114800" algn="l"/>
+                <a:tab pos="4572000" algn="l"/>
+                <a:tab pos="5029200" algn="l"/>
+                <a:tab pos="5486400" algn="l"/>
+                <a:tab pos="5943600" algn="l"/>
+                <a:tab pos="6400800" algn="l"/>
+                <a:tab pos="6858000" algn="l"/>
+                <a:tab pos="7315200" algn="l"/>
+                <a:tab pos="7772400" algn="l"/>
+                <a:tab pos="8229600" algn="l"/>
+                <a:tab pos="8686800" algn="l"/>
+                <a:tab pos="9144000" algn="l"/>
+                <a:tab pos="9426575" algn="l"/>
+                <a:tab pos="9875838" algn="l"/>
+                <a:tab pos="10325100" algn="l"/>
+                <a:tab pos="10774363" algn="l"/>
+                <a:tab pos="10775950" algn="l"/>
+                <a:tab pos="10777538" algn="l"/>
+                <a:tab pos="10779125" algn="l"/>
+                <a:tab pos="10780713" algn="l"/>
+              </a:tabLst>
+            </a:pPr>
+            <a:r>
+              <a:rPr lang="el-GR" sz="1500" dirty="0" smtClean="0">
+                <a:solidFill>
+                  <a:srgbClr val="FF0000"/>
+                </a:solidFill>
+                <a:ea typeface="Noto Sans CJK SC" charset="0"/>
+                <a:cs typeface="Noto Sans CJK SC" charset="0"/>
+              </a:rPr>
+              <a:t>Ηλιάδης Αλέξιος, Κόκκινου Ξανθή, </a:t>
+            </a:r>
+            <a:r>
+              <a:rPr lang="el-GR" sz="1500" dirty="0" err="1" smtClean="0">
+                <a:solidFill>
+                  <a:srgbClr val="FF0000"/>
+                </a:solidFill>
+                <a:ea typeface="Noto Sans CJK SC" charset="0"/>
+                <a:cs typeface="Noto Sans CJK SC" charset="0"/>
+              </a:rPr>
+              <a:t>Μήσιος</a:t>
+            </a:r>
+            <a:r>
+              <a:rPr lang="el-GR" sz="1500" dirty="0" smtClean="0">
+                <a:solidFill>
+                  <a:srgbClr val="FF0000"/>
+                </a:solidFill>
+                <a:ea typeface="Noto Sans CJK SC" charset="0"/>
+                <a:cs typeface="Noto Sans CJK SC" charset="0"/>
+              </a:rPr>
+              <a:t> Δημήτριος, Ταουκτσής Βασίλης</a:t>
+            </a:r>
+          </a:p>
+          <a:p>
+            <a:pPr hangingPunct="1">
+              <a:buClrTx/>
+              <a:buFontTx/>
+              <a:buNone/>
+              <a:tabLst>
+                <a:tab pos="0" algn="l"/>
+                <a:tab pos="457200" algn="l"/>
+                <a:tab pos="914400" algn="l"/>
+                <a:tab pos="1371600" algn="l"/>
+                <a:tab pos="1828800" algn="l"/>
+                <a:tab pos="2286000" algn="l"/>
+                <a:tab pos="2743200" algn="l"/>
+                <a:tab pos="3200400" algn="l"/>
+                <a:tab pos="3657600" algn="l"/>
+                <a:tab pos="4114800" algn="l"/>
+                <a:tab pos="4572000" algn="l"/>
+                <a:tab pos="5029200" algn="l"/>
+                <a:tab pos="5486400" algn="l"/>
+                <a:tab pos="5943600" algn="l"/>
+                <a:tab pos="6400800" algn="l"/>
+                <a:tab pos="6858000" algn="l"/>
+                <a:tab pos="7315200" algn="l"/>
+                <a:tab pos="7772400" algn="l"/>
+                <a:tab pos="8229600" algn="l"/>
+                <a:tab pos="8686800" algn="l"/>
+                <a:tab pos="9144000" algn="l"/>
+                <a:tab pos="9426575" algn="l"/>
+                <a:tab pos="9875838" algn="l"/>
+                <a:tab pos="10325100" algn="l"/>
+                <a:tab pos="10774363" algn="l"/>
+                <a:tab pos="10775950" algn="l"/>
+                <a:tab pos="10777538" algn="l"/>
+                <a:tab pos="10779125" algn="l"/>
+                <a:tab pos="10780713" algn="l"/>
+              </a:tabLst>
+            </a:pPr>
+            <a:r>
+              <a:rPr lang="el-GR" sz="1200" dirty="0" smtClean="0">
+                <a:solidFill>
+                  <a:srgbClr val="FF0000"/>
+                </a:solidFill>
+                <a:ea typeface="Noto Sans CJK SC" charset="0"/>
+                <a:cs typeface="Noto Sans CJK SC" charset="0"/>
+              </a:rPr>
+              <a:t>Διαδικτυακή εφαρμογή με χρήση δεδομένων από εξωτερικές πηγές</a:t>
+            </a:r>
+            <a:endParaRPr lang="en-US" sz="1200" dirty="0">
+              <a:solidFill>
+                <a:srgbClr val="FF0000"/>
+              </a:solidFill>
+              <a:ea typeface="Noto Sans CJK SC" charset="0"/>
+              <a:cs typeface="Noto Sans CJK SC" charset="0"/>
+            </a:endParaRPr>
+          </a:p>
+        </p:txBody>
+      </p:sp>
+      <p:sp>
+        <p:nvSpPr>
+          <p:cNvPr id="13315" name="Oval 3"/>
+          <p:cNvSpPr>
+            <a:spLocks noChangeArrowheads="1"/>
+          </p:cNvSpPr>
+          <p:nvPr/>
+        </p:nvSpPr>
+        <p:spPr bwMode="auto">
+          <a:xfrm>
+            <a:off x="161925" y="6845300"/>
+            <a:ext cx="503238" cy="504825"/>
+          </a:xfrm>
+          <a:prstGeom prst="ellipse">
+            <a:avLst/>
+          </a:prstGeom>
+          <a:solidFill>
+            <a:srgbClr val="F0A22E"/>
+          </a:solidFill>
+          <a:ln w="9525" cap="flat">
+            <a:noFill/>
+            <a:round/>
+            <a:headEnd/>
+            <a:tailEnd/>
+          </a:ln>
+          <a:effectLst/>
+        </p:spPr>
+        <p:txBody>
+          <a:bodyPr wrap="none" lIns="0" tIns="0" rIns="0" bIns="0" anchor="ctr" anchorCtr="1"/>
+          <a:lstStyle/>
+          <a:p>
+            <a:pPr algn="ctr" hangingPunct="1">
+              <a:buClrTx/>
+              <a:buFontTx/>
+              <a:buNone/>
+              <a:tabLst>
+                <a:tab pos="0" algn="l"/>
+                <a:tab pos="457200" algn="l"/>
+                <a:tab pos="914400" algn="l"/>
+                <a:tab pos="1371600" algn="l"/>
+                <a:tab pos="1828800" algn="l"/>
+                <a:tab pos="2286000" algn="l"/>
+                <a:tab pos="2743200" algn="l"/>
+                <a:tab pos="3200400" algn="l"/>
+                <a:tab pos="3657600" algn="l"/>
+                <a:tab pos="4114800" algn="l"/>
+                <a:tab pos="4572000" algn="l"/>
+                <a:tab pos="5029200" algn="l"/>
+                <a:tab pos="5486400" algn="l"/>
+                <a:tab pos="5943600" algn="l"/>
+                <a:tab pos="6400800" algn="l"/>
+                <a:tab pos="6858000" algn="l"/>
+                <a:tab pos="7315200" algn="l"/>
+                <a:tab pos="7772400" algn="l"/>
+                <a:tab pos="8229600" algn="l"/>
+                <a:tab pos="8686800" algn="l"/>
+                <a:tab pos="9144000" algn="l"/>
+                <a:tab pos="9426575" algn="l"/>
+                <a:tab pos="9875838" algn="l"/>
+                <a:tab pos="10325100" algn="l"/>
+                <a:tab pos="10774363" algn="l"/>
+                <a:tab pos="10775950" algn="l"/>
+                <a:tab pos="10777538" algn="l"/>
+                <a:tab pos="10779125" algn="l"/>
+                <a:tab pos="10780713" algn="l"/>
+              </a:tabLst>
+            </a:pPr>
+            <a:fld id="{282ADBE4-33FF-471D-BF6A-229031AF6951}" type="slidenum">
+              <a:rPr lang="en-US" sz="1500">
+                <a:solidFill>
+                  <a:srgbClr val="FFFFFF"/>
+                </a:solidFill>
+                <a:latin typeface="Franklin Gothic Book" pitchFamily="32" charset="0"/>
+                <a:ea typeface="Noto Sans CJK SC" charset="0"/>
+                <a:cs typeface="Noto Sans CJK SC" charset="0"/>
+              </a:rPr>
+              <a:pPr algn="ctr" hangingPunct="1">
+                <a:buClrTx/>
+                <a:buFontTx/>
+                <a:buNone/>
+                <a:tabLst>
+                  <a:tab pos="0" algn="l"/>
+                  <a:tab pos="457200" algn="l"/>
+                  <a:tab pos="914400" algn="l"/>
+                  <a:tab pos="1371600" algn="l"/>
+                  <a:tab pos="1828800" algn="l"/>
+                  <a:tab pos="2286000" algn="l"/>
+                  <a:tab pos="2743200" algn="l"/>
+                  <a:tab pos="3200400" algn="l"/>
+                  <a:tab pos="3657600" algn="l"/>
+                  <a:tab pos="4114800" algn="l"/>
+                  <a:tab pos="4572000" algn="l"/>
+                  <a:tab pos="5029200" algn="l"/>
+                  <a:tab pos="5486400" algn="l"/>
+                  <a:tab pos="5943600" algn="l"/>
+                  <a:tab pos="6400800" algn="l"/>
+                  <a:tab pos="6858000" algn="l"/>
+                  <a:tab pos="7315200" algn="l"/>
+                  <a:tab pos="7772400" algn="l"/>
+                  <a:tab pos="8229600" algn="l"/>
+                  <a:tab pos="8686800" algn="l"/>
+                  <a:tab pos="9144000" algn="l"/>
+                  <a:tab pos="9426575" algn="l"/>
+                  <a:tab pos="9875838" algn="l"/>
+                  <a:tab pos="10325100" algn="l"/>
+                  <a:tab pos="10774363" algn="l"/>
+                  <a:tab pos="10775950" algn="l"/>
+                  <a:tab pos="10777538" algn="l"/>
+                  <a:tab pos="10779125" algn="l"/>
+                  <a:tab pos="10780713" algn="l"/>
+                </a:tabLst>
+              </a:pPr>
+              <a:t>14</a:t>
+            </a:fld>
+            <a:endParaRPr lang="en-US" sz="1500">
+              <a:solidFill>
+                <a:srgbClr val="FFFFFF"/>
+              </a:solidFill>
+              <a:latin typeface="Franklin Gothic Book" pitchFamily="32" charset="0"/>
+              <a:ea typeface="Noto Sans CJK SC" charset="0"/>
+              <a:cs typeface="Noto Sans CJK SC" charset="0"/>
+            </a:endParaRPr>
+          </a:p>
+        </p:txBody>
+      </p:sp>
+      <p:sp>
+        <p:nvSpPr>
+          <p:cNvPr id="1028" name="Rectangle 4"/>
+          <p:cNvSpPr>
+            <a:spLocks noChangeArrowheads="1"/>
+          </p:cNvSpPr>
+          <p:nvPr/>
+        </p:nvSpPr>
+        <p:spPr bwMode="auto">
+          <a:xfrm>
+            <a:off x="0" y="0"/>
+            <a:ext cx="10080625" cy="0"/>
+          </a:xfrm>
+          <a:prstGeom prst="rect">
+            <a:avLst/>
+          </a:prstGeom>
+          <a:noFill/>
+          <a:ln w="9525">
+            <a:noFill/>
+            <a:miter lim="800000"/>
+            <a:headEnd/>
+            <a:tailEnd/>
+          </a:ln>
+          <a:effectLst/>
+        </p:spPr>
+        <p:txBody>
+          <a:bodyPr vert="horz" wrap="none" lIns="91440" tIns="45720" rIns="91440" bIns="45720" numCol="1" anchor="ctr" anchorCtr="0" compatLnSpc="1">
+            <a:prstTxWarp prst="textNoShape">
+              <a:avLst/>
+            </a:prstTxWarp>
+            <a:spAutoFit/>
+          </a:bodyPr>
+          <a:lstStyle/>
+          <a:p>
+            <a:endParaRPr lang="el-GR"/>
+          </a:p>
+        </p:txBody>
+      </p:sp>
+      <p:graphicFrame>
+        <p:nvGraphicFramePr>
+          <p:cNvPr id="1027" name="Object 3"/>
+          <p:cNvGraphicFramePr>
+            <a:graphicFrameLocks noChangeAspect="1"/>
+          </p:cNvGraphicFramePr>
+          <p:nvPr/>
+        </p:nvGraphicFramePr>
+        <p:xfrm>
+          <a:off x="431800" y="1619597"/>
+          <a:ext cx="8908044" cy="3888432"/>
+        </p:xfrm>
+        <a:graphic>
+          <a:graphicData uri="http://schemas.openxmlformats.org/presentationml/2006/ole">
+            <p:oleObj spid="_x0000_s1027" name="Φύλλο εργασίας" r:id="rId4" imgW="9020127" imgH="3943314" progId="Excel.Sheet.12">
+              <p:embed/>
+            </p:oleObj>
+          </a:graphicData>
+        </a:graphic>
+      </p:graphicFrame>
+    </p:spTree>
+  </p:cSld>
+  <p:clrMapOvr>
+    <a:masterClrMapping/>
+  </p:clrMapOvr>
+  <p:transition spd="med"/>
+  <p:timing>
+    <p:tnLst>
+      <p:par>
+        <p:cTn id="1" dur="indefinite" restart="never" nodeType="tmRoot">
+          <p:childTnLst>
+            <p:seq concurrent="1" nextAc="seek">
+              <p:cTn id="2" dur="indefinite" nodeType="mainSeq"/>
+              <p:prevCondLst>
+                <p:cond evt="onPrev" delay="0">
+                  <p:tgtEl>
+                    <p:sldTgt/>
+                  </p:tgtEl>
+                </p:cond>
+              </p:prevCondLst>
+              <p:nextCondLst>
+                <p:cond evt="onNext" delay="0">
+                  <p:tgtEl>
+                    <p:sldTgt/>
+                  </p:tgtEl>
+                </p:cond>
+              </p:nextCondLst>
+            </p:seq>
+          </p:childTnLst>
+        </p:cTn>
+      </p:par>
+    </p:tnLst>
+  </p:timing>
+</p:sld>
+</file>
+
+<file path=ppt/slides/slide15.xml><?xml version="1.0" encoding="utf-8"?>
+<p:sld xmlns:a="http://schemas.openxmlformats.org/drawingml/2006/main" xmlns:r="http://schemas.openxmlformats.org/officeDocument/2006/relationships" xmlns:p="http://schemas.openxmlformats.org/presentationml/2006/main">
+  <p:cSld>
+    <p:spTree>
+      <p:nvGrpSpPr>
+        <p:cNvPr id="1" name=""/>
+        <p:cNvGrpSpPr/>
+        <p:nvPr/>
+      </p:nvGrpSpPr>
+      <p:grpSpPr>
+        <a:xfrm>
+          <a:off x="0" y="0"/>
+          <a:ext cx="0" cy="0"/>
+          <a:chOff x="0" y="0"/>
+          <a:chExt cx="0" cy="0"/>
+        </a:xfrm>
+      </p:grpSpPr>
+      <p:sp>
+        <p:nvSpPr>
           <p:cNvPr id="11265" name="Text Box 1"/>
           <p:cNvSpPr txBox="1">
             <a:spLocks noChangeArrowheads="1"/>
@@ -16104,7 +18463,7 @@
                   <a:tab pos="10780713" algn="l"/>
                 </a:tabLst>
               </a:pPr>
-              <a:t>13</a:t>
+              <a:t>15</a:t>
             </a:fld>
             <a:endParaRPr lang="en-US" sz="1500">
               <a:solidFill>
@@ -18766,15 +21125,7 @@
                   <a:schemeClr val="tx1"/>
                 </a:solidFill>
               </a:rPr>
-              <a:t> </a:t>
-            </a:r>
-            <a:r>
-              <a:rPr lang="el-GR" dirty="0" smtClean="0">
-                <a:solidFill>
-                  <a:schemeClr val="tx1"/>
-                </a:solidFill>
-              </a:rPr>
-              <a:t>Πίνακες </a:t>
+              <a:t> Πίνακες </a:t>
             </a:r>
             <a:r>
               <a:rPr lang="en-US" dirty="0" smtClean="0">
@@ -18918,11 +21269,6 @@
               </a:rPr>
               <a:t>)</a:t>
             </a:r>
-            <a:endParaRPr lang="en-US" dirty="0" smtClean="0">
-              <a:solidFill>
-                <a:schemeClr val="tx1"/>
-              </a:solidFill>
-            </a:endParaRPr>
           </a:p>
           <a:p>
             <a:pPr lvl="1">
@@ -18938,15 +21284,7 @@
                   <a:schemeClr val="tx1"/>
                 </a:solidFill>
               </a:rPr>
-              <a:t> </a:t>
-            </a:r>
-            <a:r>
-              <a:rPr lang="en-US" dirty="0" smtClean="0">
-                <a:solidFill>
-                  <a:schemeClr val="tx1"/>
-                </a:solidFill>
-              </a:rPr>
-              <a:t>favorites</a:t>
+              <a:t> favorites</a:t>
             </a:r>
           </a:p>
           <a:p>
